--- a/Practicum 2 presentation Nijia.pptx
+++ b/Practicum 2 presentation Nijia.pptx
@@ -24,6 +24,18 @@
     <p:sldId id="270" r:id="rId18"/>
     <p:sldId id="271" r:id="rId19"/>
     <p:sldId id="276" r:id="rId20"/>
+    <p:sldId id="278" r:id="rId21"/>
+    <p:sldId id="279" r:id="rId22"/>
+    <p:sldId id="280" r:id="rId23"/>
+    <p:sldId id="281" r:id="rId24"/>
+    <p:sldId id="282" r:id="rId25"/>
+    <p:sldId id="283" r:id="rId26"/>
+    <p:sldId id="284" r:id="rId27"/>
+    <p:sldId id="285" r:id="rId28"/>
+    <p:sldId id="286" r:id="rId29"/>
+    <p:sldId id="287" r:id="rId30"/>
+    <p:sldId id="288" r:id="rId31"/>
+    <p:sldId id="289" r:id="rId32"/>
   </p:sldIdLst>
   <p:sldSz cx="9144000" cy="5143500" type="screen16x9"/>
   <p:notesSz cx="6858000" cy="9144000"/>
@@ -122,6 +134,22 @@
       </a:defRPr>
     </a:lvl9pPr>
   </p:defaultTextStyle>
+  <p:extLst>
+    <p:ext uri="{EFAFB233-063F-42B5-8137-9DF3F51BA10A}">
+      <p15:sldGuideLst xmlns:p15="http://schemas.microsoft.com/office/powerpoint/2012/main">
+        <p15:guide id="1" orient="horz" pos="1620">
+          <p15:clr>
+            <a:srgbClr val="A4A3A4"/>
+          </p15:clr>
+        </p15:guide>
+        <p15:guide id="2" pos="2880">
+          <p15:clr>
+            <a:srgbClr val="A4A3A4"/>
+          </p15:clr>
+        </p15:guide>
+      </p15:sldGuideLst>
+    </p:ext>
+  </p:extLst>
 </p:presentation>
 </file>
 
@@ -163,10 +191,9 @@
           <a:lstStyle/>
           <a:p>
             <a:r>
-              <a:rPr lang="en-US" smtClean="0"/>
+              <a:rPr lang="en-US"/>
               <a:t>Click to edit Master title style</a:t>
             </a:r>
-            <a:endParaRPr lang="en-US"/>
           </a:p>
         </p:txBody>
       </p:sp>
@@ -282,10 +309,9 @@
           </a:lstStyle>
           <a:p>
             <a:r>
-              <a:rPr lang="en-US" smtClean="0"/>
+              <a:rPr lang="en-US"/>
               <a:t>Click to edit Master subtitle style</a:t>
             </a:r>
-            <a:endParaRPr lang="en-US"/>
           </a:p>
         </p:txBody>
       </p:sp>
@@ -306,7 +332,7 @@
           <a:p>
             <a:fld id="{81ACDAB1-21FC-284C-BAA7-B9306D000189}" type="datetimeFigureOut">
               <a:rPr lang="en-US" smtClean="0"/>
-              <a:t>3/29/21</a:t>
+              <a:t>4/1/2021</a:t>
             </a:fld>
             <a:endParaRPr lang="en-US"/>
           </a:p>
@@ -400,10 +426,9 @@
           <a:lstStyle/>
           <a:p>
             <a:r>
-              <a:rPr lang="en-US" smtClean="0"/>
+              <a:rPr lang="en-US"/>
               <a:t>Click to edit Master title style</a:t>
             </a:r>
-            <a:endParaRPr lang="en-US"/>
           </a:p>
         </p:txBody>
       </p:sp>
@@ -424,38 +449,37 @@
           <a:p>
             <a:pPr lvl="0"/>
             <a:r>
-              <a:rPr lang="en-US" smtClean="0"/>
+              <a:rPr lang="en-US"/>
               <a:t>Click to edit Master text styles</a:t>
             </a:r>
           </a:p>
           <a:p>
             <a:pPr lvl="1"/>
             <a:r>
-              <a:rPr lang="en-US" smtClean="0"/>
+              <a:rPr lang="en-US"/>
               <a:t>Second level</a:t>
             </a:r>
           </a:p>
           <a:p>
             <a:pPr lvl="2"/>
             <a:r>
-              <a:rPr lang="en-US" smtClean="0"/>
+              <a:rPr lang="en-US"/>
               <a:t>Third level</a:t>
             </a:r>
           </a:p>
           <a:p>
             <a:pPr lvl="3"/>
             <a:r>
-              <a:rPr lang="en-US" smtClean="0"/>
+              <a:rPr lang="en-US"/>
               <a:t>Fourth level</a:t>
             </a:r>
           </a:p>
           <a:p>
             <a:pPr lvl="4"/>
             <a:r>
-              <a:rPr lang="en-US" smtClean="0"/>
+              <a:rPr lang="en-US"/>
               <a:t>Fifth level</a:t>
             </a:r>
-            <a:endParaRPr lang="en-US"/>
           </a:p>
         </p:txBody>
       </p:sp>
@@ -476,7 +500,7 @@
           <a:p>
             <a:fld id="{81ACDAB1-21FC-284C-BAA7-B9306D000189}" type="datetimeFigureOut">
               <a:rPr lang="en-US" smtClean="0"/>
-              <a:t>3/29/21</a:t>
+              <a:t>4/1/2021</a:t>
             </a:fld>
             <a:endParaRPr lang="en-US"/>
           </a:p>
@@ -575,10 +599,9 @@
           <a:lstStyle/>
           <a:p>
             <a:r>
-              <a:rPr lang="en-US" smtClean="0"/>
+              <a:rPr lang="en-US"/>
               <a:t>Click to edit Master title style</a:t>
             </a:r>
-            <a:endParaRPr lang="en-US"/>
           </a:p>
         </p:txBody>
       </p:sp>
@@ -604,38 +627,37 @@
           <a:p>
             <a:pPr lvl="0"/>
             <a:r>
-              <a:rPr lang="en-US" smtClean="0"/>
+              <a:rPr lang="en-US"/>
               <a:t>Click to edit Master text styles</a:t>
             </a:r>
           </a:p>
           <a:p>
             <a:pPr lvl="1"/>
             <a:r>
-              <a:rPr lang="en-US" smtClean="0"/>
+              <a:rPr lang="en-US"/>
               <a:t>Second level</a:t>
             </a:r>
           </a:p>
           <a:p>
             <a:pPr lvl="2"/>
             <a:r>
-              <a:rPr lang="en-US" smtClean="0"/>
+              <a:rPr lang="en-US"/>
               <a:t>Third level</a:t>
             </a:r>
           </a:p>
           <a:p>
             <a:pPr lvl="3"/>
             <a:r>
-              <a:rPr lang="en-US" smtClean="0"/>
+              <a:rPr lang="en-US"/>
               <a:t>Fourth level</a:t>
             </a:r>
           </a:p>
           <a:p>
             <a:pPr lvl="4"/>
             <a:r>
-              <a:rPr lang="en-US" smtClean="0"/>
+              <a:rPr lang="en-US"/>
               <a:t>Fifth level</a:t>
             </a:r>
-            <a:endParaRPr lang="en-US"/>
           </a:p>
         </p:txBody>
       </p:sp>
@@ -656,7 +678,7 @@
           <a:p>
             <a:fld id="{81ACDAB1-21FC-284C-BAA7-B9306D000189}" type="datetimeFigureOut">
               <a:rPr lang="en-US" smtClean="0"/>
-              <a:t>3/29/21</a:t>
+              <a:t>4/1/2021</a:t>
             </a:fld>
             <a:endParaRPr lang="en-US"/>
           </a:p>
@@ -750,10 +772,9 @@
           <a:lstStyle/>
           <a:p>
             <a:r>
-              <a:rPr lang="en-US" smtClean="0"/>
+              <a:rPr lang="en-US"/>
               <a:t>Click to edit Master title style</a:t>
             </a:r>
-            <a:endParaRPr lang="en-US"/>
           </a:p>
         </p:txBody>
       </p:sp>
@@ -774,38 +795,37 @@
           <a:p>
             <a:pPr lvl="0"/>
             <a:r>
-              <a:rPr lang="en-US" smtClean="0"/>
+              <a:rPr lang="en-US"/>
               <a:t>Click to edit Master text styles</a:t>
             </a:r>
           </a:p>
           <a:p>
             <a:pPr lvl="1"/>
             <a:r>
-              <a:rPr lang="en-US" smtClean="0"/>
+              <a:rPr lang="en-US"/>
               <a:t>Second level</a:t>
             </a:r>
           </a:p>
           <a:p>
             <a:pPr lvl="2"/>
             <a:r>
-              <a:rPr lang="en-US" smtClean="0"/>
+              <a:rPr lang="en-US"/>
               <a:t>Third level</a:t>
             </a:r>
           </a:p>
           <a:p>
             <a:pPr lvl="3"/>
             <a:r>
-              <a:rPr lang="en-US" smtClean="0"/>
+              <a:rPr lang="en-US"/>
               <a:t>Fourth level</a:t>
             </a:r>
           </a:p>
           <a:p>
             <a:pPr lvl="4"/>
             <a:r>
-              <a:rPr lang="en-US" smtClean="0"/>
+              <a:rPr lang="en-US"/>
               <a:t>Fifth level</a:t>
             </a:r>
-            <a:endParaRPr lang="en-US"/>
           </a:p>
         </p:txBody>
       </p:sp>
@@ -826,7 +846,7 @@
           <a:p>
             <a:fld id="{81ACDAB1-21FC-284C-BAA7-B9306D000189}" type="datetimeFigureOut">
               <a:rPr lang="en-US" smtClean="0"/>
-              <a:t>3/29/21</a:t>
+              <a:t>4/1/2021</a:t>
             </a:fld>
             <a:endParaRPr lang="en-US"/>
           </a:p>
@@ -929,10 +949,9 @@
           </a:lstStyle>
           <a:p>
             <a:r>
-              <a:rPr lang="en-US" smtClean="0"/>
+              <a:rPr lang="en-US"/>
               <a:t>Click to edit Master title style</a:t>
             </a:r>
-            <a:endParaRPr lang="en-US"/>
           </a:p>
         </p:txBody>
       </p:sp>
@@ -1049,7 +1068,7 @@
           <a:p>
             <a:pPr lvl="0"/>
             <a:r>
-              <a:rPr lang="en-US" smtClean="0"/>
+              <a:rPr lang="en-US"/>
               <a:t>Click to edit Master text styles</a:t>
             </a:r>
           </a:p>
@@ -1072,7 +1091,7 @@
           <a:p>
             <a:fld id="{81ACDAB1-21FC-284C-BAA7-B9306D000189}" type="datetimeFigureOut">
               <a:rPr lang="en-US" smtClean="0"/>
-              <a:t>3/29/21</a:t>
+              <a:t>4/1/2021</a:t>
             </a:fld>
             <a:endParaRPr lang="en-US"/>
           </a:p>
@@ -1166,10 +1185,9 @@
           <a:lstStyle/>
           <a:p>
             <a:r>
-              <a:rPr lang="en-US" smtClean="0"/>
+              <a:rPr lang="en-US"/>
               <a:t>Click to edit Master title style</a:t>
             </a:r>
-            <a:endParaRPr lang="en-US"/>
           </a:p>
         </p:txBody>
       </p:sp>
@@ -1223,38 +1241,37 @@
           <a:p>
             <a:pPr lvl="0"/>
             <a:r>
-              <a:rPr lang="en-US" smtClean="0"/>
+              <a:rPr lang="en-US"/>
               <a:t>Click to edit Master text styles</a:t>
             </a:r>
           </a:p>
           <a:p>
             <a:pPr lvl="1"/>
             <a:r>
-              <a:rPr lang="en-US" smtClean="0"/>
+              <a:rPr lang="en-US"/>
               <a:t>Second level</a:t>
             </a:r>
           </a:p>
           <a:p>
             <a:pPr lvl="2"/>
             <a:r>
-              <a:rPr lang="en-US" smtClean="0"/>
+              <a:rPr lang="en-US"/>
               <a:t>Third level</a:t>
             </a:r>
           </a:p>
           <a:p>
             <a:pPr lvl="3"/>
             <a:r>
-              <a:rPr lang="en-US" smtClean="0"/>
+              <a:rPr lang="en-US"/>
               <a:t>Fourth level</a:t>
             </a:r>
           </a:p>
           <a:p>
             <a:pPr lvl="4"/>
             <a:r>
-              <a:rPr lang="en-US" smtClean="0"/>
+              <a:rPr lang="en-US"/>
               <a:t>Fifth level</a:t>
             </a:r>
-            <a:endParaRPr lang="en-US"/>
           </a:p>
         </p:txBody>
       </p:sp>
@@ -1308,38 +1325,37 @@
           <a:p>
             <a:pPr lvl="0"/>
             <a:r>
-              <a:rPr lang="en-US" smtClean="0"/>
+              <a:rPr lang="en-US"/>
               <a:t>Click to edit Master text styles</a:t>
             </a:r>
           </a:p>
           <a:p>
             <a:pPr lvl="1"/>
             <a:r>
-              <a:rPr lang="en-US" smtClean="0"/>
+              <a:rPr lang="en-US"/>
               <a:t>Second level</a:t>
             </a:r>
           </a:p>
           <a:p>
             <a:pPr lvl="2"/>
             <a:r>
-              <a:rPr lang="en-US" smtClean="0"/>
+              <a:rPr lang="en-US"/>
               <a:t>Third level</a:t>
             </a:r>
           </a:p>
           <a:p>
             <a:pPr lvl="3"/>
             <a:r>
-              <a:rPr lang="en-US" smtClean="0"/>
+              <a:rPr lang="en-US"/>
               <a:t>Fourth level</a:t>
             </a:r>
           </a:p>
           <a:p>
             <a:pPr lvl="4"/>
             <a:r>
-              <a:rPr lang="en-US" smtClean="0"/>
+              <a:rPr lang="en-US"/>
               <a:t>Fifth level</a:t>
             </a:r>
-            <a:endParaRPr lang="en-US"/>
           </a:p>
         </p:txBody>
       </p:sp>
@@ -1360,7 +1376,7 @@
           <a:p>
             <a:fld id="{81ACDAB1-21FC-284C-BAA7-B9306D000189}" type="datetimeFigureOut">
               <a:rPr lang="en-US" smtClean="0"/>
-              <a:t>3/29/21</a:t>
+              <a:t>4/1/2021</a:t>
             </a:fld>
             <a:endParaRPr lang="en-US"/>
           </a:p>
@@ -1458,10 +1474,9 @@
           </a:lstStyle>
           <a:p>
             <a:r>
-              <a:rPr lang="en-US" smtClean="0"/>
+              <a:rPr lang="en-US"/>
               <a:t>Click to edit Master title style</a:t>
             </a:r>
-            <a:endParaRPr lang="en-US"/>
           </a:p>
         </p:txBody>
       </p:sp>
@@ -1524,7 +1539,7 @@
           <a:p>
             <a:pPr lvl="0"/>
             <a:r>
-              <a:rPr lang="en-US" smtClean="0"/>
+              <a:rPr lang="en-US"/>
               <a:t>Click to edit Master text styles</a:t>
             </a:r>
           </a:p>
@@ -1580,38 +1595,37 @@
           <a:p>
             <a:pPr lvl="0"/>
             <a:r>
-              <a:rPr lang="en-US" smtClean="0"/>
+              <a:rPr lang="en-US"/>
               <a:t>Click to edit Master text styles</a:t>
             </a:r>
           </a:p>
           <a:p>
             <a:pPr lvl="1"/>
             <a:r>
-              <a:rPr lang="en-US" smtClean="0"/>
+              <a:rPr lang="en-US"/>
               <a:t>Second level</a:t>
             </a:r>
           </a:p>
           <a:p>
             <a:pPr lvl="2"/>
             <a:r>
-              <a:rPr lang="en-US" smtClean="0"/>
+              <a:rPr lang="en-US"/>
               <a:t>Third level</a:t>
             </a:r>
           </a:p>
           <a:p>
             <a:pPr lvl="3"/>
             <a:r>
-              <a:rPr lang="en-US" smtClean="0"/>
+              <a:rPr lang="en-US"/>
               <a:t>Fourth level</a:t>
             </a:r>
           </a:p>
           <a:p>
             <a:pPr lvl="4"/>
             <a:r>
-              <a:rPr lang="en-US" smtClean="0"/>
+              <a:rPr lang="en-US"/>
               <a:t>Fifth level</a:t>
             </a:r>
-            <a:endParaRPr lang="en-US"/>
           </a:p>
         </p:txBody>
       </p:sp>
@@ -1674,7 +1688,7 @@
           <a:p>
             <a:pPr lvl="0"/>
             <a:r>
-              <a:rPr lang="en-US" smtClean="0"/>
+              <a:rPr lang="en-US"/>
               <a:t>Click to edit Master text styles</a:t>
             </a:r>
           </a:p>
@@ -1730,38 +1744,37 @@
           <a:p>
             <a:pPr lvl="0"/>
             <a:r>
-              <a:rPr lang="en-US" smtClean="0"/>
+              <a:rPr lang="en-US"/>
               <a:t>Click to edit Master text styles</a:t>
             </a:r>
           </a:p>
           <a:p>
             <a:pPr lvl="1"/>
             <a:r>
-              <a:rPr lang="en-US" smtClean="0"/>
+              <a:rPr lang="en-US"/>
               <a:t>Second level</a:t>
             </a:r>
           </a:p>
           <a:p>
             <a:pPr lvl="2"/>
             <a:r>
-              <a:rPr lang="en-US" smtClean="0"/>
+              <a:rPr lang="en-US"/>
               <a:t>Third level</a:t>
             </a:r>
           </a:p>
           <a:p>
             <a:pPr lvl="3"/>
             <a:r>
-              <a:rPr lang="en-US" smtClean="0"/>
+              <a:rPr lang="en-US"/>
               <a:t>Fourth level</a:t>
             </a:r>
           </a:p>
           <a:p>
             <a:pPr lvl="4"/>
             <a:r>
-              <a:rPr lang="en-US" smtClean="0"/>
+              <a:rPr lang="en-US"/>
               <a:t>Fifth level</a:t>
             </a:r>
-            <a:endParaRPr lang="en-US"/>
           </a:p>
         </p:txBody>
       </p:sp>
@@ -1782,7 +1795,7 @@
           <a:p>
             <a:fld id="{81ACDAB1-21FC-284C-BAA7-B9306D000189}" type="datetimeFigureOut">
               <a:rPr lang="en-US" smtClean="0"/>
-              <a:t>3/29/21</a:t>
+              <a:t>4/1/2021</a:t>
             </a:fld>
             <a:endParaRPr lang="en-US"/>
           </a:p>
@@ -1876,10 +1889,9 @@
           <a:lstStyle/>
           <a:p>
             <a:r>
-              <a:rPr lang="en-US" smtClean="0"/>
+              <a:rPr lang="en-US"/>
               <a:t>Click to edit Master title style</a:t>
             </a:r>
-            <a:endParaRPr lang="en-US"/>
           </a:p>
         </p:txBody>
       </p:sp>
@@ -1900,7 +1912,7 @@
           <a:p>
             <a:fld id="{81ACDAB1-21FC-284C-BAA7-B9306D000189}" type="datetimeFigureOut">
               <a:rPr lang="en-US" smtClean="0"/>
-              <a:t>3/29/21</a:t>
+              <a:t>4/1/2021</a:t>
             </a:fld>
             <a:endParaRPr lang="en-US"/>
           </a:p>
@@ -1995,7 +2007,7 @@
           <a:p>
             <a:fld id="{81ACDAB1-21FC-284C-BAA7-B9306D000189}" type="datetimeFigureOut">
               <a:rPr lang="en-US" smtClean="0"/>
-              <a:t>3/29/21</a:t>
+              <a:t>4/1/2021</a:t>
             </a:fld>
             <a:endParaRPr lang="en-US"/>
           </a:p>
@@ -2098,10 +2110,9 @@
           </a:lstStyle>
           <a:p>
             <a:r>
-              <a:rPr lang="en-US" smtClean="0"/>
+              <a:rPr lang="en-US"/>
               <a:t>Click to edit Master title style</a:t>
             </a:r>
-            <a:endParaRPr lang="en-US"/>
           </a:p>
         </p:txBody>
       </p:sp>
@@ -2155,38 +2166,37 @@
           <a:p>
             <a:pPr lvl="0"/>
             <a:r>
-              <a:rPr lang="en-US" smtClean="0"/>
+              <a:rPr lang="en-US"/>
               <a:t>Click to edit Master text styles</a:t>
             </a:r>
           </a:p>
           <a:p>
             <a:pPr lvl="1"/>
             <a:r>
-              <a:rPr lang="en-US" smtClean="0"/>
+              <a:rPr lang="en-US"/>
               <a:t>Second level</a:t>
             </a:r>
           </a:p>
           <a:p>
             <a:pPr lvl="2"/>
             <a:r>
-              <a:rPr lang="en-US" smtClean="0"/>
+              <a:rPr lang="en-US"/>
               <a:t>Third level</a:t>
             </a:r>
           </a:p>
           <a:p>
             <a:pPr lvl="3"/>
             <a:r>
-              <a:rPr lang="en-US" smtClean="0"/>
+              <a:rPr lang="en-US"/>
               <a:t>Fourth level</a:t>
             </a:r>
           </a:p>
           <a:p>
             <a:pPr lvl="4"/>
             <a:r>
-              <a:rPr lang="en-US" smtClean="0"/>
+              <a:rPr lang="en-US"/>
               <a:t>Fifth level</a:t>
             </a:r>
-            <a:endParaRPr lang="en-US"/>
           </a:p>
         </p:txBody>
       </p:sp>
@@ -2249,7 +2259,7 @@
           <a:p>
             <a:pPr lvl="0"/>
             <a:r>
-              <a:rPr lang="en-US" smtClean="0"/>
+              <a:rPr lang="en-US"/>
               <a:t>Click to edit Master text styles</a:t>
             </a:r>
           </a:p>
@@ -2272,7 +2282,7 @@
           <a:p>
             <a:fld id="{81ACDAB1-21FC-284C-BAA7-B9306D000189}" type="datetimeFigureOut">
               <a:rPr lang="en-US" smtClean="0"/>
-              <a:t>3/29/21</a:t>
+              <a:t>4/1/2021</a:t>
             </a:fld>
             <a:endParaRPr lang="en-US"/>
           </a:p>
@@ -2375,10 +2385,9 @@
           </a:lstStyle>
           <a:p>
             <a:r>
-              <a:rPr lang="en-US" smtClean="0"/>
+              <a:rPr lang="en-US"/>
               <a:t>Click to edit Master title style</a:t>
             </a:r>
-            <a:endParaRPr lang="en-US"/>
           </a:p>
         </p:txBody>
       </p:sp>
@@ -2502,7 +2511,7 @@
           <a:p>
             <a:pPr lvl="0"/>
             <a:r>
-              <a:rPr lang="en-US" smtClean="0"/>
+              <a:rPr lang="en-US"/>
               <a:t>Click to edit Master text styles</a:t>
             </a:r>
           </a:p>
@@ -2525,7 +2534,7 @@
           <a:p>
             <a:fld id="{81ACDAB1-21FC-284C-BAA7-B9306D000189}" type="datetimeFigureOut">
               <a:rPr lang="en-US" smtClean="0"/>
-              <a:t>3/29/21</a:t>
+              <a:t>4/1/2021</a:t>
             </a:fld>
             <a:endParaRPr lang="en-US"/>
           </a:p>
@@ -2640,10 +2649,9 @@
           <a:lstStyle/>
           <a:p>
             <a:r>
-              <a:rPr lang="en-US" smtClean="0"/>
+              <a:rPr lang="en-US"/>
               <a:t>Click to edit Master title style</a:t>
             </a:r>
-            <a:endParaRPr lang="en-US"/>
           </a:p>
         </p:txBody>
       </p:sp>
@@ -2674,38 +2682,37 @@
           <a:p>
             <a:pPr lvl="0"/>
             <a:r>
-              <a:rPr lang="en-US" smtClean="0"/>
+              <a:rPr lang="en-US"/>
               <a:t>Click to edit Master text styles</a:t>
             </a:r>
           </a:p>
           <a:p>
             <a:pPr lvl="1"/>
             <a:r>
-              <a:rPr lang="en-US" smtClean="0"/>
+              <a:rPr lang="en-US"/>
               <a:t>Second level</a:t>
             </a:r>
           </a:p>
           <a:p>
             <a:pPr lvl="2"/>
             <a:r>
-              <a:rPr lang="en-US" smtClean="0"/>
+              <a:rPr lang="en-US"/>
               <a:t>Third level</a:t>
             </a:r>
           </a:p>
           <a:p>
             <a:pPr lvl="3"/>
             <a:r>
-              <a:rPr lang="en-US" smtClean="0"/>
+              <a:rPr lang="en-US"/>
               <a:t>Fourth level</a:t>
             </a:r>
           </a:p>
           <a:p>
             <a:pPr lvl="4"/>
             <a:r>
-              <a:rPr lang="en-US" smtClean="0"/>
+              <a:rPr lang="en-US"/>
               <a:t>Fifth level</a:t>
             </a:r>
-            <a:endParaRPr lang="en-US"/>
           </a:p>
         </p:txBody>
       </p:sp>
@@ -2744,7 +2751,7 @@
           <a:p>
             <a:fld id="{81ACDAB1-21FC-284C-BAA7-B9306D000189}" type="datetimeFigureOut">
               <a:rPr lang="en-US" smtClean="0"/>
-              <a:t>3/29/21</a:t>
+              <a:t>4/1/2021</a:t>
             </a:fld>
             <a:endParaRPr lang="en-US"/>
           </a:p>
@@ -3142,10 +3149,9 @@
           <a:lstStyle/>
           <a:p>
             <a:r>
-              <a:rPr lang="en-US" dirty="0" smtClean="0"/>
+              <a:rPr lang="en-US" dirty="0"/>
               <a:t>Risk Benefit Analysis for Toast-USB Launch</a:t>
             </a:r>
-            <a:endParaRPr lang="en-US" dirty="0"/>
           </a:p>
         </p:txBody>
       </p:sp>
@@ -3172,7 +3178,7 @@
           <a:lstStyle/>
           <a:p>
             <a:r>
-              <a:rPr lang="en-US" sz="2400" dirty="0" smtClean="0">
+              <a:rPr lang="en-US" sz="2400" dirty="0">
                 <a:solidFill>
                   <a:srgbClr val="000000"/>
                 </a:solidFill>
@@ -3188,21 +3194,8 @@
                   <a:srgbClr val="000000"/>
                 </a:solidFill>
               </a:rPr>
-              <a:t> </a:t>
-            </a:r>
-            <a:r>
-              <a:rPr lang="en-US" sz="2400" dirty="0" smtClean="0">
-                <a:solidFill>
-                  <a:srgbClr val="000000"/>
-                </a:solidFill>
-              </a:rPr>
-              <a:t>      04/01/2021</a:t>
-            </a:r>
-            <a:endParaRPr lang="en-US" sz="2400" dirty="0">
-              <a:solidFill>
-                <a:srgbClr val="000000"/>
-              </a:solidFill>
-            </a:endParaRPr>
+              <a:t>       04/01/2021</a:t>
+            </a:r>
           </a:p>
         </p:txBody>
       </p:sp>
@@ -3284,18 +3277,9 @@
           <a:lstStyle/>
           <a:p>
             <a:r>
-              <a:rPr lang="en-US" sz="3600" dirty="0" smtClean="0"/>
-              <a:t>Job vs. Response in Two </a:t>
-            </a:r>
-            <a:r>
               <a:rPr lang="en-US" sz="3600" dirty="0"/>
-              <a:t>S</a:t>
-            </a:r>
-            <a:r>
-              <a:rPr lang="en-US" sz="3600" dirty="0" smtClean="0"/>
-              <a:t>amples</a:t>
-            </a:r>
-            <a:endParaRPr lang="en-US" sz="3600" dirty="0"/>
+              <a:t>Job vs. Response in Two Samples</a:t>
+            </a:r>
           </a:p>
         </p:txBody>
       </p:sp>
@@ -3327,19 +3311,7 @@
             </a:pPr>
             <a:r>
               <a:rPr lang="en-US" sz="2600" dirty="0"/>
-              <a:t>S</a:t>
-            </a:r>
-            <a:r>
-              <a:rPr lang="en-US" sz="2600" dirty="0" smtClean="0"/>
-              <a:t>ample 1:</a:t>
-            </a:r>
-            <a:r>
-              <a:rPr lang="en-US" sz="2600" dirty="0"/>
-              <a:t> </a:t>
-            </a:r>
-            <a:r>
-              <a:rPr lang="en-US" sz="2600" dirty="0" smtClean="0"/>
-              <a:t>most are students, hardly any blue collars</a:t>
+              <a:t>Sample 1: most are students, hardly any blue collars</a:t>
             </a:r>
           </a:p>
           <a:p>
@@ -3347,7 +3319,7 @@
               <a:buFont typeface="Arial"/>
               <a:buChar char="•"/>
             </a:pPr>
-            <a:endParaRPr lang="en-US" sz="2200" dirty="0" smtClean="0"/>
+            <a:endParaRPr lang="en-US" sz="2200" dirty="0"/>
           </a:p>
           <a:p>
             <a:pPr marL="457200" indent="-457200">
@@ -3355,36 +3327,32 @@
               <a:buChar char="•"/>
             </a:pPr>
             <a:r>
-              <a:rPr lang="en-US" sz="2600" dirty="0" smtClean="0"/>
+              <a:rPr lang="en-US" sz="2600" dirty="0"/>
               <a:t>Only housemaids behave similarly in</a:t>
             </a:r>
           </a:p>
           <a:p>
             <a:r>
               <a:rPr lang="en-US" sz="2600" dirty="0"/>
-              <a:t> </a:t>
-            </a:r>
-            <a:r>
-              <a:rPr lang="en-US" sz="2600" dirty="0" smtClean="0"/>
-              <a:t>     both samples</a:t>
+              <a:t>      both samples</a:t>
             </a:r>
           </a:p>
           <a:p>
             <a:pPr lvl="1"/>
-            <a:endParaRPr lang="en-US" sz="2200" dirty="0" smtClean="0"/>
+            <a:endParaRPr lang="en-US" sz="2200" dirty="0"/>
           </a:p>
           <a:p>
             <a:pPr marL="914400" lvl="1" indent="-457200">
               <a:buFont typeface="Arial"/>
               <a:buChar char="•"/>
             </a:pPr>
-            <a:endParaRPr lang="en-US" sz="2200" dirty="0" smtClean="0"/>
+            <a:endParaRPr lang="en-US" sz="2200" dirty="0"/>
           </a:p>
           <a:p>
             <a:endParaRPr lang="en-US" sz="2600" dirty="0"/>
           </a:p>
           <a:p>
-            <a:endParaRPr lang="en-US" sz="2600" dirty="0" smtClean="0"/>
+            <a:endParaRPr lang="en-US" sz="2600" dirty="0"/>
           </a:p>
           <a:p>
             <a:endParaRPr lang="en-US" dirty="0"/>
@@ -3431,13 +3399,6 @@
   <p:clrMapOvr>
     <a:masterClrMapping/>
   </p:clrMapOvr>
-  <p:timing>
-    <p:tnLst>
-      <p:par>
-        <p:cTn xmlns:p14="http://schemas.microsoft.com/office/powerpoint/2010/main" id="1" dur="indefinite" restart="never" nodeType="tmRoot"/>
-      </p:par>
-    </p:tnLst>
-  </p:timing>
 </p:sld>
 </file>
 
@@ -3476,10 +3437,9 @@
           <a:lstStyle/>
           <a:p>
             <a:r>
-              <a:rPr lang="en-US" sz="3600" dirty="0" smtClean="0"/>
+              <a:rPr lang="en-US" sz="3600" dirty="0"/>
               <a:t>Education vs. Response in Two Samples</a:t>
             </a:r>
-            <a:endParaRPr lang="en-US" sz="3600" dirty="0"/>
           </a:p>
         </p:txBody>
       </p:sp>
@@ -3540,7 +3500,7 @@
               <a:buChar char="•"/>
             </a:pPr>
             <a:r>
-              <a:rPr lang="en-US" sz="2600" dirty="0" smtClean="0"/>
+              <a:rPr lang="en-US" sz="2600" dirty="0"/>
               <a:t>College and more = Tertiary</a:t>
             </a:r>
           </a:p>
@@ -3558,11 +3518,7 @@
             </a:pPr>
             <a:r>
               <a:rPr lang="en-US" sz="2600" dirty="0"/>
-              <a:t>L</a:t>
-            </a:r>
-            <a:r>
-              <a:rPr lang="en-US" sz="2600" dirty="0" smtClean="0"/>
-              <a:t>ower than college = Secondary + Primary</a:t>
+              <a:t>Lower than college = Secondary + Primary</a:t>
             </a:r>
           </a:p>
           <a:p>
@@ -3578,10 +3534,9 @@
               <a:buChar char="•"/>
             </a:pPr>
             <a:r>
-              <a:rPr lang="en-US" sz="2600" dirty="0" smtClean="0"/>
+              <a:rPr lang="en-US" sz="2600" dirty="0"/>
               <a:t>Sample 1: College and more has more response in favor</a:t>
             </a:r>
-            <a:endParaRPr lang="en-US" sz="2600" dirty="0"/>
           </a:p>
         </p:txBody>
       </p:sp>
@@ -3595,13 +3550,6 @@
   <p:clrMapOvr>
     <a:masterClrMapping/>
   </p:clrMapOvr>
-  <p:timing>
-    <p:tnLst>
-      <p:par>
-        <p:cTn xmlns:p14="http://schemas.microsoft.com/office/powerpoint/2010/main" id="1" dur="indefinite" restart="never" nodeType="tmRoot"/>
-      </p:par>
-    </p:tnLst>
-  </p:timing>
 </p:sld>
 </file>
 
@@ -3645,10 +3593,9 @@
           <a:lstStyle/>
           <a:p>
             <a:r>
-              <a:rPr lang="en-US" sz="3600" dirty="0" smtClean="0"/>
+              <a:rPr lang="en-US" sz="3600" dirty="0"/>
               <a:t>Marital Status vs. Response in Two Samples</a:t>
             </a:r>
-            <a:endParaRPr lang="en-US" sz="3600" dirty="0"/>
           </a:p>
         </p:txBody>
       </p:sp>
@@ -3709,13 +3656,13 @@
               <a:buChar char="•"/>
             </a:pPr>
             <a:r>
-              <a:rPr lang="en-US" sz="2600" dirty="0" smtClean="0"/>
+              <a:rPr lang="en-US" sz="2600" dirty="0"/>
               <a:t>Other = Divorced</a:t>
             </a:r>
           </a:p>
           <a:p>
             <a:r>
-              <a:rPr lang="en-US" sz="2600" dirty="0" smtClean="0"/>
+              <a:rPr lang="en-US" sz="2600" dirty="0"/>
               <a:t>+ Single + Unknown</a:t>
             </a:r>
           </a:p>
@@ -3728,7 +3675,7 @@
               <a:buChar char="•"/>
             </a:pPr>
             <a:r>
-              <a:rPr lang="en-US" sz="2600" dirty="0" smtClean="0"/>
+              <a:rPr lang="en-US" sz="2600" dirty="0"/>
               <a:t>Sample 1: married are limited</a:t>
             </a:r>
           </a:p>
@@ -3745,7 +3692,7 @@
               <a:buChar char="•"/>
             </a:pPr>
             <a:r>
-              <a:rPr lang="en-US" sz="2600" dirty="0" smtClean="0"/>
+              <a:rPr lang="en-US" sz="2600" dirty="0"/>
               <a:t>Married respondents not willing to buy</a:t>
             </a:r>
             <a:endParaRPr lang="en-US" dirty="0"/>
@@ -3803,10 +3750,9 @@
           <a:lstStyle/>
           <a:p>
             <a:r>
-              <a:rPr lang="en-US" sz="3600" dirty="0" smtClean="0"/>
+              <a:rPr lang="en-US" sz="3600" dirty="0"/>
               <a:t>Mortgage vs. Response in Two Samples</a:t>
             </a:r>
-            <a:endParaRPr lang="en-US" sz="3600" dirty="0"/>
           </a:p>
         </p:txBody>
       </p:sp>
@@ -3867,7 +3813,7 @@
               <a:buChar char="•"/>
             </a:pPr>
             <a:r>
-              <a:rPr lang="en-US" sz="2600" dirty="0" smtClean="0"/>
+              <a:rPr lang="en-US" sz="2600" dirty="0"/>
               <a:t>Sample 1: fewer respondents with mortgage</a:t>
             </a:r>
           </a:p>
@@ -3876,7 +3822,7 @@
               <a:buFont typeface="Arial"/>
               <a:buChar char="•"/>
             </a:pPr>
-            <a:endParaRPr lang="en-US" sz="2600" dirty="0" smtClean="0"/>
+            <a:endParaRPr lang="en-US" sz="2600" dirty="0"/>
           </a:p>
           <a:p>
             <a:pPr marL="457200" indent="-457200">
@@ -3884,7 +3830,7 @@
               <a:buChar char="•"/>
             </a:pPr>
             <a:r>
-              <a:rPr lang="en-US" sz="2600" dirty="0" smtClean="0"/>
+              <a:rPr lang="en-US" sz="2600" dirty="0"/>
               <a:t>Mortgage: Less likely to buy</a:t>
             </a:r>
           </a:p>
@@ -3897,10 +3843,9 @@
               <a:buChar char="•"/>
             </a:pPr>
             <a:r>
-              <a:rPr lang="en-US" sz="2600" dirty="0" smtClean="0"/>
+              <a:rPr lang="en-US" sz="2600" dirty="0"/>
               <a:t>No mortgage: respond in conflicting trends  </a:t>
             </a:r>
-            <a:endParaRPr lang="en-US" sz="2600" dirty="0"/>
           </a:p>
         </p:txBody>
       </p:sp>
@@ -3957,10 +3902,9 @@
           <a:lstStyle/>
           <a:p>
             <a:r>
-              <a:rPr lang="en-US" sz="3600" dirty="0" smtClean="0"/>
+              <a:rPr lang="en-US" sz="3600" dirty="0"/>
               <a:t>Primary phone vs. Response in Two Samples</a:t>
             </a:r>
-            <a:endParaRPr lang="en-US" sz="3600" dirty="0"/>
           </a:p>
         </p:txBody>
       </p:sp>
@@ -4021,13 +3965,13 @@
               <a:buChar char="•"/>
             </a:pPr>
             <a:r>
-              <a:rPr lang="en-US" sz="2600" dirty="0" smtClean="0"/>
+              <a:rPr lang="en-US" sz="2600" dirty="0"/>
               <a:t>Other = Telephone</a:t>
             </a:r>
           </a:p>
           <a:p>
             <a:r>
-              <a:rPr lang="en-US" sz="2600" dirty="0" smtClean="0"/>
+              <a:rPr lang="en-US" sz="2600" dirty="0"/>
               <a:t> + Unknown</a:t>
             </a:r>
           </a:p>
@@ -4040,7 +3984,7 @@
               <a:buChar char="•"/>
             </a:pPr>
             <a:r>
-              <a:rPr lang="en-US" sz="2600" dirty="0" smtClean="0"/>
+              <a:rPr lang="en-US" sz="2600" dirty="0"/>
               <a:t>Cellular </a:t>
             </a:r>
           </a:p>
@@ -4050,7 +3994,7 @@
               <a:buChar char="•"/>
             </a:pPr>
             <a:r>
-              <a:rPr lang="en-US" sz="2200" dirty="0" smtClean="0"/>
+              <a:rPr lang="en-US" sz="2200" dirty="0"/>
               <a:t>Sample 1: ≤ 1/2 </a:t>
             </a:r>
           </a:p>
@@ -4060,7 +4004,7 @@
               <a:buChar char="•"/>
             </a:pPr>
             <a:r>
-              <a:rPr lang="en-US" sz="2200" dirty="0" smtClean="0"/>
+              <a:rPr lang="en-US" sz="2200" dirty="0"/>
               <a:t>Sample 2: ≥ 1/2</a:t>
             </a:r>
           </a:p>
@@ -4070,12 +4014,12 @@
               <a:buChar char="•"/>
             </a:pPr>
             <a:r>
-              <a:rPr lang="en-US" sz="2200" dirty="0" smtClean="0"/>
+              <a:rPr lang="en-US" sz="2200" dirty="0"/>
               <a:t>Respond in opposite tendencies</a:t>
             </a:r>
           </a:p>
           <a:p>
-            <a:endParaRPr lang="en-US" sz="2600" dirty="0" smtClean="0"/>
+            <a:endParaRPr lang="en-US" sz="2600" dirty="0"/>
           </a:p>
         </p:txBody>
       </p:sp>
@@ -4132,10 +4076,9 @@
           <a:lstStyle/>
           <a:p>
             <a:r>
-              <a:rPr lang="en-US" sz="3600" dirty="0" smtClean="0"/>
+              <a:rPr lang="en-US" sz="3600" dirty="0"/>
               <a:t>Delinquency vs. Credit in Default</a:t>
             </a:r>
-            <a:endParaRPr lang="en-US" sz="3600" dirty="0"/>
           </a:p>
         </p:txBody>
       </p:sp>
@@ -4196,7 +4139,7 @@
               <a:buChar char="•"/>
             </a:pPr>
             <a:r>
-              <a:rPr lang="en-US" sz="2600" dirty="0" smtClean="0"/>
+              <a:rPr lang="en-US" sz="2600" dirty="0"/>
               <a:t>Delinquency ≈ Credit in Default</a:t>
             </a:r>
           </a:p>
@@ -4213,7 +4156,7 @@
               <a:buChar char="•"/>
             </a:pPr>
             <a:r>
-              <a:rPr lang="en-US" sz="2600" dirty="0" smtClean="0"/>
+              <a:rPr lang="en-US" sz="2600" dirty="0"/>
               <a:t>Sample 2: the majority are not in default</a:t>
             </a:r>
           </a:p>
@@ -4230,7 +4173,7 @@
               <a:buChar char="•"/>
             </a:pPr>
             <a:r>
-              <a:rPr lang="en-US" sz="2600" dirty="0" smtClean="0"/>
+              <a:rPr lang="en-US" sz="2600" dirty="0"/>
               <a:t>Similar response trend</a:t>
             </a:r>
           </a:p>
@@ -4290,10 +4233,9 @@
           <a:lstStyle/>
           <a:p>
             <a:r>
-              <a:rPr lang="en-US" sz="3600" dirty="0" smtClean="0"/>
+              <a:rPr lang="en-US" sz="3600" dirty="0"/>
               <a:t>Gender vs. Race in Sample 1</a:t>
             </a:r>
-            <a:endParaRPr lang="en-US" sz="3600" dirty="0"/>
           </a:p>
         </p:txBody>
       </p:sp>
@@ -4354,7 +4296,7 @@
               <a:buChar char="•"/>
             </a:pPr>
             <a:r>
-              <a:rPr lang="en-US" sz="2600" dirty="0" smtClean="0">
+              <a:rPr lang="en-US" sz="2600" dirty="0">
                 <a:solidFill>
                   <a:srgbClr val="FF0000"/>
                 </a:solidFill>
@@ -4362,7 +4304,7 @@
               <a:t>Male and White </a:t>
             </a:r>
             <a:r>
-              <a:rPr lang="en-US" sz="2600" dirty="0" smtClean="0"/>
+              <a:rPr lang="en-US" sz="2600" dirty="0"/>
               <a:t>are overrepresented</a:t>
             </a:r>
           </a:p>
@@ -4379,7 +4321,7 @@
               <a:buChar char="•"/>
             </a:pPr>
             <a:r>
-              <a:rPr lang="en-US" sz="2600" dirty="0" smtClean="0"/>
+              <a:rPr lang="en-US" sz="2600" dirty="0"/>
               <a:t>Similar patterns of response for both </a:t>
             </a:r>
             <a:r>
@@ -4388,18 +4330,10 @@
                   <a:srgbClr val="FF0000"/>
                 </a:solidFill>
               </a:rPr>
-              <a:t>G</a:t>
-            </a:r>
-            <a:r>
-              <a:rPr lang="en-US" sz="2600" dirty="0" smtClean="0">
-                <a:solidFill>
-                  <a:srgbClr val="FF0000"/>
-                </a:solidFill>
-              </a:rPr>
-              <a:t>ender</a:t>
-            </a:r>
-            <a:r>
-              <a:rPr lang="en-US" sz="2600" dirty="0" smtClean="0"/>
+              <a:t>Gender</a:t>
+            </a:r>
+            <a:r>
+              <a:rPr lang="en-US" sz="2600" dirty="0"/>
               <a:t> and </a:t>
             </a:r>
             <a:r>
@@ -4408,21 +4342,8 @@
                   <a:srgbClr val="FF0000"/>
                 </a:solidFill>
               </a:rPr>
-              <a:t>R</a:t>
-            </a:r>
-            <a:r>
-              <a:rPr lang="en-US" sz="2600" dirty="0" smtClean="0">
-                <a:solidFill>
-                  <a:srgbClr val="FF0000"/>
-                </a:solidFill>
-              </a:rPr>
-              <a:t>ace</a:t>
-            </a:r>
-            <a:endParaRPr lang="en-US" sz="2600" dirty="0">
-              <a:solidFill>
-                <a:srgbClr val="FF0000"/>
-              </a:solidFill>
-            </a:endParaRPr>
+              <a:t>Race</a:t>
+            </a:r>
           </a:p>
         </p:txBody>
       </p:sp>
@@ -4474,10 +4395,9 @@
           <a:lstStyle/>
           <a:p>
             <a:r>
-              <a:rPr lang="en-US" sz="3600" dirty="0" smtClean="0"/>
+              <a:rPr lang="en-US" sz="3600" dirty="0"/>
               <a:t>Personal Loan vs. Response in Sample 2</a:t>
             </a:r>
-            <a:endParaRPr lang="en-US" sz="3600" dirty="0"/>
           </a:p>
         </p:txBody>
       </p:sp>
@@ -4538,10 +4458,9 @@
               <a:buChar char="•"/>
             </a:pPr>
             <a:r>
-              <a:rPr lang="en-US" sz="2600" dirty="0" smtClean="0"/>
+              <a:rPr lang="en-US" sz="2600" dirty="0"/>
               <a:t>Regardless of having personal loan or not, respondents both tend to not buy the product </a:t>
             </a:r>
-            <a:endParaRPr lang="en-US" sz="2600" dirty="0"/>
           </a:p>
         </p:txBody>
       </p:sp>
@@ -4555,13 +4474,6 @@
   <p:clrMapOvr>
     <a:masterClrMapping/>
   </p:clrMapOvr>
-  <p:timing>
-    <p:tnLst>
-      <p:par>
-        <p:cTn xmlns:p14="http://schemas.microsoft.com/office/powerpoint/2010/main" id="1" dur="indefinite" restart="never" nodeType="tmRoot"/>
-      </p:par>
-    </p:tnLst>
-  </p:timing>
 </p:sld>
 </file>
 
@@ -4600,18 +4512,9 @@
           <a:lstStyle/>
           <a:p>
             <a:r>
-              <a:rPr lang="en-US" sz="3600" dirty="0" smtClean="0"/>
-              <a:t>Results of </a:t>
-            </a:r>
-            <a:r>
-              <a:rPr lang="en-US" sz="3600" dirty="0" smtClean="0"/>
-              <a:t>Likelihood Ratio Tests  </a:t>
-            </a:r>
-            <a:r>
-              <a:rPr lang="en-US" sz="3600" dirty="0" smtClean="0"/>
-              <a:t> </a:t>
-            </a:r>
-            <a:endParaRPr lang="en-US" sz="3600" dirty="0"/>
+              <a:rPr lang="en-US" sz="3600" dirty="0"/>
+              <a:t>Results of Likelihood Ratio Tests   </a:t>
+            </a:r>
           </a:p>
         </p:txBody>
       </p:sp>
@@ -4642,11 +4545,11 @@
               <a:buChar char="•"/>
             </a:pPr>
             <a:r>
-              <a:rPr lang="en-US" sz="2600" dirty="0" smtClean="0"/>
+              <a:rPr lang="en-US" sz="2600" dirty="0"/>
               <a:t>Sample 1: Response is significantly associated with </a:t>
             </a:r>
             <a:r>
-              <a:rPr lang="en-US" sz="2600" dirty="0" smtClean="0">
+              <a:rPr lang="en-US" sz="2600" dirty="0">
                 <a:solidFill>
                   <a:srgbClr val="FF0000"/>
                 </a:solidFill>
@@ -4654,7 +4557,7 @@
               <a:t>Job, Education, Marital status, Mortgage, Primary phone, </a:t>
             </a:r>
             <a:r>
-              <a:rPr lang="en-US" sz="2600" dirty="0" smtClean="0"/>
+              <a:rPr lang="en-US" sz="2600" dirty="0"/>
               <a:t>Delinquency, Gender and Race</a:t>
             </a:r>
           </a:p>
@@ -4664,11 +4567,11 @@
               <a:buChar char="•"/>
             </a:pPr>
             <a:r>
-              <a:rPr lang="en-US" sz="2600" dirty="0" smtClean="0"/>
+              <a:rPr lang="en-US" sz="2600" dirty="0"/>
               <a:t>Sample 2: Response is significantly associated with </a:t>
             </a:r>
             <a:r>
-              <a:rPr lang="en-US" sz="2600" dirty="0" smtClean="0">
+              <a:rPr lang="en-US" sz="2600" dirty="0">
                 <a:solidFill>
                   <a:srgbClr val="FF0000"/>
                 </a:solidFill>
@@ -4676,7 +4579,7 @@
               <a:t>Job, Education, Marital status, Mortgage, Primary phone, </a:t>
             </a:r>
             <a:r>
-              <a:rPr lang="en-US" sz="2600" dirty="0" smtClean="0"/>
+              <a:rPr lang="en-US" sz="2600" dirty="0"/>
               <a:t>Credit in default and Personal loan</a:t>
             </a:r>
           </a:p>
@@ -4686,11 +4589,11 @@
               <a:buChar char="•"/>
             </a:pPr>
             <a:r>
-              <a:rPr lang="en-US" sz="2600" dirty="0" smtClean="0"/>
+              <a:rPr lang="en-US" sz="2600" dirty="0"/>
               <a:t>Sample 1 and Sample 2 (</a:t>
             </a:r>
             <a:r>
-              <a:rPr lang="en-US" sz="2600" dirty="0" smtClean="0">
+              <a:rPr lang="en-US" sz="2600" dirty="0">
                 <a:solidFill>
                   <a:srgbClr val="FF0000"/>
                 </a:solidFill>
@@ -4698,11 +4601,11 @@
               <a:t>5 variables </a:t>
             </a:r>
             <a:r>
-              <a:rPr lang="en-US" sz="2600" dirty="0" smtClean="0"/>
+              <a:rPr lang="en-US" sz="2600" dirty="0"/>
               <a:t>in common): </a:t>
             </a:r>
             <a:r>
-              <a:rPr lang="en-US" sz="2600" dirty="0" smtClean="0">
+              <a:rPr lang="en-US" sz="2600" dirty="0">
                 <a:solidFill>
                   <a:srgbClr val="FF0000"/>
                 </a:solidFill>
@@ -4710,22 +4613,17 @@
               <a:t>not</a:t>
             </a:r>
             <a:r>
-              <a:rPr lang="en-US" sz="2600" dirty="0" smtClean="0"/>
+              <a:rPr lang="en-US" sz="2600" dirty="0"/>
               <a:t> from </a:t>
             </a:r>
             <a:r>
-              <a:rPr lang="en-US" sz="2600" dirty="0" smtClean="0">
+              <a:rPr lang="en-US" sz="2600" dirty="0">
                 <a:solidFill>
                   <a:srgbClr val="FF0000"/>
                 </a:solidFill>
               </a:rPr>
               <a:t>the same population</a:t>
             </a:r>
-            <a:endParaRPr lang="en-US" sz="2600" dirty="0" smtClean="0">
-              <a:solidFill>
-                <a:srgbClr val="FF0000"/>
-              </a:solidFill>
-            </a:endParaRPr>
           </a:p>
           <a:p>
             <a:endParaRPr lang="en-US" sz="2600" dirty="0"/>
@@ -4742,13 +4640,6 @@
   <p:clrMapOvr>
     <a:masterClrMapping/>
   </p:clrMapOvr>
-  <p:timing>
-    <p:tnLst>
-      <p:par>
-        <p:cTn xmlns:p14="http://schemas.microsoft.com/office/powerpoint/2010/main" id="1" dur="indefinite" restart="never" nodeType="tmRoot"/>
-      </p:par>
-    </p:tnLst>
-  </p:timing>
 </p:sld>
 </file>
 
@@ -4792,14 +4683,9 @@
           <a:lstStyle/>
           <a:p>
             <a:r>
-              <a:rPr lang="en-US" sz="3600" dirty="0" smtClean="0"/>
-              <a:t>Summary: </a:t>
-            </a:r>
-            <a:r>
-              <a:rPr lang="en-US" sz="3600" dirty="0" smtClean="0"/>
-              <a:t>Comparisons of the Two Samples</a:t>
-            </a:r>
-            <a:endParaRPr lang="en-US" sz="3600" dirty="0"/>
+              <a:rPr lang="en-US" sz="3600" dirty="0"/>
+              <a:t>Summary: Comparisons of the Two Samples</a:t>
+            </a:r>
           </a:p>
         </p:txBody>
       </p:sp>
@@ -4826,9 +4712,27 @@
             <a:tbl>
               <a:tblPr/>
               <a:tblGrid>
-                <a:gridCol w="2189806"/>
-                <a:gridCol w="2577874"/>
-                <a:gridCol w="2661030"/>
+                <a:gridCol w="2189806">
+                  <a:extLst>
+                    <a:ext uri="{9D8B030D-6E8A-4147-A177-3AD203B41FA5}">
+                      <a16:colId xmlns:a16="http://schemas.microsoft.com/office/drawing/2014/main" val="20000"/>
+                    </a:ext>
+                  </a:extLst>
+                </a:gridCol>
+                <a:gridCol w="2577874">
+                  <a:extLst>
+                    <a:ext uri="{9D8B030D-6E8A-4147-A177-3AD203B41FA5}">
+                      <a16:colId xmlns:a16="http://schemas.microsoft.com/office/drawing/2014/main" val="20001"/>
+                    </a:ext>
+                  </a:extLst>
+                </a:gridCol>
+                <a:gridCol w="2661030">
+                  <a:extLst>
+                    <a:ext uri="{9D8B030D-6E8A-4147-A177-3AD203B41FA5}">
+                      <a16:colId xmlns:a16="http://schemas.microsoft.com/office/drawing/2014/main" val="20002"/>
+                    </a:ext>
+                  </a:extLst>
+                </a:gridCol>
               </a:tblGrid>
               <a:tr h="386452">
                 <a:tc>
@@ -5002,6 +4906,11 @@
                     </a:lnB>
                   </a:tcPr>
                 </a:tc>
+                <a:extLst>
+                  <a:ext uri="{0D108BD9-81ED-4DB2-BD59-A6C34878D82A}">
+                    <a16:rowId xmlns:a16="http://schemas.microsoft.com/office/drawing/2014/main" val="10000"/>
+                  </a:ext>
+                </a:extLst>
               </a:tr>
               <a:tr h="375390">
                 <a:tc>
@@ -5175,6 +5084,11 @@
                     </a:lnB>
                   </a:tcPr>
                 </a:tc>
+                <a:extLst>
+                  <a:ext uri="{0D108BD9-81ED-4DB2-BD59-A6C34878D82A}">
+                    <a16:rowId xmlns:a16="http://schemas.microsoft.com/office/drawing/2014/main" val="10001"/>
+                  </a:ext>
+                </a:extLst>
               </a:tr>
               <a:tr h="375390">
                 <a:tc>
@@ -5348,6 +5262,11 @@
                     </a:lnB>
                   </a:tcPr>
                 </a:tc>
+                <a:extLst>
+                  <a:ext uri="{0D108BD9-81ED-4DB2-BD59-A6C34878D82A}">
+                    <a16:rowId xmlns:a16="http://schemas.microsoft.com/office/drawing/2014/main" val="10002"/>
+                  </a:ext>
+                </a:extLst>
               </a:tr>
               <a:tr h="375390">
                 <a:tc>
@@ -5521,6 +5440,11 @@
                     </a:lnB>
                   </a:tcPr>
                 </a:tc>
+                <a:extLst>
+                  <a:ext uri="{0D108BD9-81ED-4DB2-BD59-A6C34878D82A}">
+                    <a16:rowId xmlns:a16="http://schemas.microsoft.com/office/drawing/2014/main" val="10003"/>
+                  </a:ext>
+                </a:extLst>
               </a:tr>
               <a:tr h="375390">
                 <a:tc>
@@ -5644,7 +5568,7 @@
                     <a:p>
                       <a:pPr algn="ctr" fontAlgn="b"/>
                       <a:r>
-                        <a:rPr lang="en-US" sz="2600" b="0" i="0" u="none" strike="noStrike" dirty="0" smtClean="0">
+                        <a:rPr lang="en-US" sz="2600" b="0" i="0" u="none" strike="noStrike" dirty="0">
                           <a:solidFill>
                             <a:srgbClr val="000000"/>
                           </a:solidFill>
@@ -5654,7 +5578,7 @@
                         <a:t>With</a:t>
                       </a:r>
                       <a:r>
-                        <a:rPr lang="en-US" sz="2600" b="0" i="0" u="none" strike="noStrike" baseline="0" dirty="0" smtClean="0">
+                        <a:rPr lang="en-US" sz="2600" b="0" i="0" u="none" strike="noStrike" baseline="0" dirty="0">
                           <a:solidFill>
                             <a:srgbClr val="000000"/>
                           </a:solidFill>
@@ -5711,6 +5635,11 @@
                     </a:lnB>
                   </a:tcPr>
                 </a:tc>
+                <a:extLst>
+                  <a:ext uri="{0D108BD9-81ED-4DB2-BD59-A6C34878D82A}">
+                    <a16:rowId xmlns:a16="http://schemas.microsoft.com/office/drawing/2014/main" val="10004"/>
+                  </a:ext>
+                </a:extLst>
               </a:tr>
               <a:tr h="375390">
                 <a:tc>
@@ -5884,6 +5813,11 @@
                     </a:lnB>
                   </a:tcPr>
                 </a:tc>
+                <a:extLst>
+                  <a:ext uri="{0D108BD9-81ED-4DB2-BD59-A6C34878D82A}">
+                    <a16:rowId xmlns:a16="http://schemas.microsoft.com/office/drawing/2014/main" val="10005"/>
+                  </a:ext>
+                </a:extLst>
               </a:tr>
             </a:tbl>
           </a:graphicData>
@@ -5937,10 +5871,9 @@
           <a:lstStyle/>
           <a:p>
             <a:r>
-              <a:rPr lang="en-US" sz="3600" dirty="0" smtClean="0"/>
+              <a:rPr lang="en-US" sz="3600" dirty="0"/>
               <a:t>Outline</a:t>
             </a:r>
-            <a:endParaRPr lang="en-US" sz="3600" dirty="0"/>
           </a:p>
         </p:txBody>
       </p:sp>
@@ -5967,73 +5900,51 @@
           <a:lstStyle/>
           <a:p>
             <a:r>
-              <a:rPr lang="en-US" sz="3300" dirty="0" smtClean="0"/>
+              <a:rPr lang="en-US" sz="3300" dirty="0"/>
               <a:t>Introduction</a:t>
             </a:r>
           </a:p>
           <a:p>
             <a:r>
-              <a:rPr lang="en-US" sz="3300" dirty="0" smtClean="0"/>
+              <a:rPr lang="en-US" sz="3300" dirty="0"/>
               <a:t>Data processing</a:t>
             </a:r>
-            <a:endParaRPr lang="en-US" sz="3300" dirty="0"/>
-          </a:p>
-          <a:p>
-            <a:r>
-              <a:rPr lang="en-US" sz="3300" dirty="0" smtClean="0"/>
-              <a:t>Comparisons of the two </a:t>
-            </a:r>
+          </a:p>
+          <a:p>
             <a:r>
               <a:rPr lang="en-US" sz="3300" dirty="0"/>
-              <a:t>s</a:t>
-            </a:r>
-            <a:r>
-              <a:rPr lang="en-US" sz="3300" dirty="0" smtClean="0"/>
-              <a:t>amples</a:t>
-            </a:r>
-          </a:p>
-          <a:p>
-            <a:r>
-              <a:rPr lang="en-US" sz="3300" dirty="0" smtClean="0"/>
-              <a:t>Exploratory data </a:t>
-            </a:r>
+              <a:t>Comparisons of the two samples</a:t>
+            </a:r>
+          </a:p>
+          <a:p>
             <a:r>
               <a:rPr lang="en-US" sz="3300" dirty="0"/>
-              <a:t>a</a:t>
-            </a:r>
-            <a:r>
-              <a:rPr lang="en-US" sz="3300" dirty="0" smtClean="0"/>
-              <a:t>nalysis</a:t>
-            </a:r>
-          </a:p>
-          <a:p>
-            <a:r>
-              <a:rPr lang="en-US" sz="3300" dirty="0" smtClean="0"/>
+              <a:t>Exploratory data analysis</a:t>
+            </a:r>
+          </a:p>
+          <a:p>
+            <a:r>
+              <a:rPr lang="en-US" sz="3300" dirty="0"/>
               <a:t>Data Modeling</a:t>
             </a:r>
           </a:p>
           <a:p>
             <a:r>
-              <a:rPr lang="en-US" sz="3300" dirty="0" smtClean="0"/>
+              <a:rPr lang="en-US" sz="3300" dirty="0"/>
               <a:t>Application of model to determine a </a:t>
             </a:r>
             <a:r>
-              <a:rPr lang="en-US" sz="3300" dirty="0" smtClean="0">
+              <a:rPr lang="en-US" sz="3300" dirty="0">
                 <a:solidFill>
                   <a:srgbClr val="FF0000"/>
                 </a:solidFill>
               </a:rPr>
               <a:t>Manufacturer suggested Retail Price (MSRP)</a:t>
             </a:r>
-            <a:endParaRPr lang="en-US" sz="3300" dirty="0" smtClean="0">
-              <a:solidFill>
-                <a:srgbClr val="FF0000"/>
-              </a:solidFill>
-            </a:endParaRPr>
-          </a:p>
-          <a:p>
-            <a:r>
-              <a:rPr lang="en-US" sz="3300" dirty="0" smtClean="0"/>
+          </a:p>
+          <a:p>
+            <a:r>
+              <a:rPr lang="en-US" sz="3300" dirty="0"/>
               <a:t>Conclusions</a:t>
             </a:r>
           </a:p>
@@ -6041,28 +5952,28 @@
             <a:pPr marL="0" indent="0">
               <a:buNone/>
             </a:pPr>
-            <a:endParaRPr lang="en-US" dirty="0" smtClean="0"/>
+            <a:endParaRPr lang="en-US" dirty="0"/>
           </a:p>
           <a:p>
             <a:pPr marL="0" indent="0">
               <a:buNone/>
             </a:pPr>
-            <a:endParaRPr lang="en-US" dirty="0" smtClean="0"/>
-          </a:p>
-          <a:p>
             <a:endParaRPr lang="en-US" dirty="0"/>
           </a:p>
           <a:p>
-            <a:endParaRPr lang="en-US" dirty="0" smtClean="0"/>
-          </a:p>
-          <a:p>
-            <a:endParaRPr lang="en-US" dirty="0" smtClean="0"/>
+            <a:endParaRPr lang="en-US" dirty="0"/>
+          </a:p>
+          <a:p>
+            <a:endParaRPr lang="en-US" dirty="0"/>
+          </a:p>
+          <a:p>
+            <a:endParaRPr lang="en-US" dirty="0"/>
           </a:p>
           <a:p>
             <a:pPr marL="0" indent="0">
               <a:buNone/>
             </a:pPr>
-            <a:endParaRPr lang="en-US" dirty="0" smtClean="0"/>
+            <a:endParaRPr lang="en-US" dirty="0"/>
           </a:p>
           <a:p>
             <a:endParaRPr lang="en-US" dirty="0"/>
@@ -6082,13 +5993,1157 @@
   <p:clrMapOvr>
     <a:masterClrMapping/>
   </p:clrMapOvr>
-  <p:timing>
-    <p:tnLst>
-      <p:par>
-        <p:cTn xmlns:p14="http://schemas.microsoft.com/office/powerpoint/2010/main" id="1" dur="indefinite" restart="never" nodeType="tmRoot"/>
-      </p:par>
-    </p:tnLst>
-  </p:timing>
+</p:sld>
+</file>
+
+<file path=ppt/slides/slide20.xml><?xml version="1.0" encoding="utf-8"?>
+<p:sld xmlns:a="http://schemas.openxmlformats.org/drawingml/2006/main" xmlns:r="http://schemas.openxmlformats.org/officeDocument/2006/relationships" xmlns:p="http://schemas.openxmlformats.org/presentationml/2006/main">
+  <p:cSld>
+    <p:spTree>
+      <p:nvGrpSpPr>
+        <p:cNvPr id="1" name=""/>
+        <p:cNvGrpSpPr/>
+        <p:nvPr/>
+      </p:nvGrpSpPr>
+      <p:grpSpPr>
+        <a:xfrm>
+          <a:off x="0" y="0"/>
+          <a:ext cx="0" cy="0"/>
+          <a:chOff x="0" y="0"/>
+          <a:chExt cx="0" cy="0"/>
+        </a:xfrm>
+      </p:grpSpPr>
+      <p:sp>
+        <p:nvSpPr>
+          <p:cNvPr id="2" name="Title 1">
+            <a:extLst>
+              <a:ext uri="{FF2B5EF4-FFF2-40B4-BE49-F238E27FC236}">
+                <a16:creationId xmlns:a16="http://schemas.microsoft.com/office/drawing/2014/main" id="{BCF2C811-FC29-4ADB-A975-AE08695CE2EC}"/>
+              </a:ext>
+            </a:extLst>
+          </p:cNvPr>
+          <p:cNvSpPr>
+            <a:spLocks noGrp="1"/>
+          </p:cNvSpPr>
+          <p:nvPr>
+            <p:ph type="title"/>
+          </p:nvPr>
+        </p:nvSpPr>
+        <p:spPr/>
+        <p:txBody>
+          <a:bodyPr/>
+          <a:lstStyle/>
+          <a:p>
+            <a:r>
+              <a:rPr lang="en-US" dirty="0"/>
+              <a:t>Exploratory Data Analysis</a:t>
+            </a:r>
+          </a:p>
+        </p:txBody>
+      </p:sp>
+      <p:sp>
+        <p:nvSpPr>
+          <p:cNvPr id="3" name="Content Placeholder 2">
+            <a:extLst>
+              <a:ext uri="{FF2B5EF4-FFF2-40B4-BE49-F238E27FC236}">
+                <a16:creationId xmlns:a16="http://schemas.microsoft.com/office/drawing/2014/main" id="{6A0C1EF8-B3FA-49AE-A46B-787C6C35737B}"/>
+              </a:ext>
+            </a:extLst>
+          </p:cNvPr>
+          <p:cNvSpPr>
+            <a:spLocks noGrp="1"/>
+          </p:cNvSpPr>
+          <p:nvPr>
+            <p:ph idx="1"/>
+          </p:nvPr>
+        </p:nvSpPr>
+        <p:spPr/>
+        <p:txBody>
+          <a:bodyPr/>
+          <a:lstStyle/>
+          <a:p>
+            <a:r>
+              <a:rPr lang="en-US" dirty="0"/>
+              <a:t>Goal: To find variables such that they will create a linear boundary between the two classes, “willing to purchase” and “not willing to purchase”</a:t>
+            </a:r>
+          </a:p>
+        </p:txBody>
+      </p:sp>
+    </p:spTree>
+    <p:extLst>
+      <p:ext uri="{BB962C8B-B14F-4D97-AF65-F5344CB8AC3E}">
+        <p14:creationId xmlns:p14="http://schemas.microsoft.com/office/powerpoint/2010/main" val="1187401738"/>
+      </p:ext>
+    </p:extLst>
+  </p:cSld>
+  <p:clrMapOvr>
+    <a:masterClrMapping/>
+  </p:clrMapOvr>
+</p:sld>
+</file>
+
+<file path=ppt/slides/slide21.xml><?xml version="1.0" encoding="utf-8"?>
+<p:sld xmlns:a="http://schemas.openxmlformats.org/drawingml/2006/main" xmlns:r="http://schemas.openxmlformats.org/officeDocument/2006/relationships" xmlns:p="http://schemas.openxmlformats.org/presentationml/2006/main">
+  <p:cSld>
+    <p:spTree>
+      <p:nvGrpSpPr>
+        <p:cNvPr id="1" name=""/>
+        <p:cNvGrpSpPr/>
+        <p:nvPr/>
+      </p:nvGrpSpPr>
+      <p:grpSpPr>
+        <a:xfrm>
+          <a:off x="0" y="0"/>
+          <a:ext cx="0" cy="0"/>
+          <a:chOff x="0" y="0"/>
+          <a:chExt cx="0" cy="0"/>
+        </a:xfrm>
+      </p:grpSpPr>
+      <p:sp>
+        <p:nvSpPr>
+          <p:cNvPr id="2" name="Title 1">
+            <a:extLst>
+              <a:ext uri="{FF2B5EF4-FFF2-40B4-BE49-F238E27FC236}">
+                <a16:creationId xmlns:a16="http://schemas.microsoft.com/office/drawing/2014/main" id="{4928F543-7A5B-44C7-A079-B44B7B744AA0}"/>
+              </a:ext>
+            </a:extLst>
+          </p:cNvPr>
+          <p:cNvSpPr>
+            <a:spLocks noGrp="1"/>
+          </p:cNvSpPr>
+          <p:nvPr>
+            <p:ph type="title"/>
+          </p:nvPr>
+        </p:nvSpPr>
+        <p:spPr/>
+        <p:txBody>
+          <a:bodyPr/>
+          <a:lstStyle/>
+          <a:p>
+            <a:r>
+              <a:rPr lang="en-US" dirty="0"/>
+              <a:t>Age and Price</a:t>
+            </a:r>
+          </a:p>
+        </p:txBody>
+      </p:sp>
+      <p:sp>
+        <p:nvSpPr>
+          <p:cNvPr id="3" name="Content Placeholder 2">
+            <a:extLst>
+              <a:ext uri="{FF2B5EF4-FFF2-40B4-BE49-F238E27FC236}">
+                <a16:creationId xmlns:a16="http://schemas.microsoft.com/office/drawing/2014/main" id="{791329C3-E2D1-48AD-9F85-B005BD1474ED}"/>
+              </a:ext>
+            </a:extLst>
+          </p:cNvPr>
+          <p:cNvSpPr>
+            <a:spLocks noGrp="1"/>
+          </p:cNvSpPr>
+          <p:nvPr>
+            <p:ph idx="1"/>
+          </p:nvPr>
+        </p:nvSpPr>
+        <p:spPr>
+          <a:xfrm>
+            <a:off x="5289412" y="1200150"/>
+            <a:ext cx="3742223" cy="3538103"/>
+          </a:xfrm>
+        </p:spPr>
+        <p:txBody>
+          <a:bodyPr>
+            <a:normAutofit lnSpcReduction="10000"/>
+          </a:bodyPr>
+          <a:lstStyle/>
+          <a:p>
+            <a:r>
+              <a:rPr lang="en-US" dirty="0"/>
+              <a:t>Respondents with higher price value or more willing to purchase</a:t>
+            </a:r>
+          </a:p>
+          <a:p>
+            <a:r>
+              <a:rPr lang="en-US" dirty="0"/>
+              <a:t>Older age demographic more willing to purchase.</a:t>
+            </a:r>
+          </a:p>
+        </p:txBody>
+      </p:sp>
+      <p:pic>
+        <p:nvPicPr>
+          <p:cNvPr id="10" name="Picture 9">
+            <a:extLst>
+              <a:ext uri="{FF2B5EF4-FFF2-40B4-BE49-F238E27FC236}">
+                <a16:creationId xmlns:a16="http://schemas.microsoft.com/office/drawing/2014/main" id="{61E038A8-5048-4FEA-B8F7-3D340BECCAD9}"/>
+              </a:ext>
+            </a:extLst>
+          </p:cNvPr>
+          <p:cNvPicPr>
+            <a:picLocks noChangeAspect="1"/>
+          </p:cNvPicPr>
+          <p:nvPr/>
+        </p:nvPicPr>
+        <p:blipFill>
+          <a:blip r:embed="rId2"/>
+          <a:stretch>
+            <a:fillRect/>
+          </a:stretch>
+        </p:blipFill>
+        <p:spPr>
+          <a:xfrm>
+            <a:off x="112365" y="1167365"/>
+            <a:ext cx="4832213" cy="3570889"/>
+          </a:xfrm>
+          <a:prstGeom prst="rect">
+            <a:avLst/>
+          </a:prstGeom>
+        </p:spPr>
+      </p:pic>
+    </p:spTree>
+    <p:extLst>
+      <p:ext uri="{BB962C8B-B14F-4D97-AF65-F5344CB8AC3E}">
+        <p14:creationId xmlns:p14="http://schemas.microsoft.com/office/powerpoint/2010/main" val="3124065196"/>
+      </p:ext>
+    </p:extLst>
+  </p:cSld>
+  <p:clrMapOvr>
+    <a:masterClrMapping/>
+  </p:clrMapOvr>
+</p:sld>
+</file>
+
+<file path=ppt/slides/slide22.xml><?xml version="1.0" encoding="utf-8"?>
+<p:sld xmlns:a="http://schemas.openxmlformats.org/drawingml/2006/main" xmlns:r="http://schemas.openxmlformats.org/officeDocument/2006/relationships" xmlns:p="http://schemas.openxmlformats.org/presentationml/2006/main">
+  <p:cSld>
+    <p:spTree>
+      <p:nvGrpSpPr>
+        <p:cNvPr id="1" name=""/>
+        <p:cNvGrpSpPr/>
+        <p:nvPr/>
+      </p:nvGrpSpPr>
+      <p:grpSpPr>
+        <a:xfrm>
+          <a:off x="0" y="0"/>
+          <a:ext cx="0" cy="0"/>
+          <a:chOff x="0" y="0"/>
+          <a:chExt cx="0" cy="0"/>
+        </a:xfrm>
+      </p:grpSpPr>
+      <p:sp>
+        <p:nvSpPr>
+          <p:cNvPr id="2" name="Title 1">
+            <a:extLst>
+              <a:ext uri="{FF2B5EF4-FFF2-40B4-BE49-F238E27FC236}">
+                <a16:creationId xmlns:a16="http://schemas.microsoft.com/office/drawing/2014/main" id="{B754F08E-CD41-4DA8-B30E-09AD23CCD7A8}"/>
+              </a:ext>
+            </a:extLst>
+          </p:cNvPr>
+          <p:cNvSpPr>
+            <a:spLocks noGrp="1"/>
+          </p:cNvSpPr>
+          <p:nvPr>
+            <p:ph type="title"/>
+          </p:nvPr>
+        </p:nvSpPr>
+        <p:spPr/>
+        <p:txBody>
+          <a:bodyPr/>
+          <a:lstStyle/>
+          <a:p>
+            <a:r>
+              <a:rPr lang="en-US" dirty="0"/>
+              <a:t>Default on Credit</a:t>
+            </a:r>
+          </a:p>
+        </p:txBody>
+      </p:sp>
+      <p:sp>
+        <p:nvSpPr>
+          <p:cNvPr id="7" name="Content Placeholder 6">
+            <a:extLst>
+              <a:ext uri="{FF2B5EF4-FFF2-40B4-BE49-F238E27FC236}">
+                <a16:creationId xmlns:a16="http://schemas.microsoft.com/office/drawing/2014/main" id="{21D0FDE8-9E68-477D-8F85-9C5F30F2AC49}"/>
+              </a:ext>
+            </a:extLst>
+          </p:cNvPr>
+          <p:cNvSpPr>
+            <a:spLocks noGrp="1"/>
+          </p:cNvSpPr>
+          <p:nvPr>
+            <p:ph idx="1"/>
+          </p:nvPr>
+        </p:nvSpPr>
+        <p:spPr>
+          <a:xfrm>
+            <a:off x="5805056" y="1200150"/>
+            <a:ext cx="2881744" cy="3695147"/>
+          </a:xfrm>
+        </p:spPr>
+        <p:txBody>
+          <a:bodyPr/>
+          <a:lstStyle/>
+          <a:p>
+            <a:r>
+              <a:rPr lang="en-US" dirty="0"/>
+              <a:t>Not defaulting on credit, improves likelihood of purchase</a:t>
+            </a:r>
+          </a:p>
+        </p:txBody>
+      </p:sp>
+      <p:pic>
+        <p:nvPicPr>
+          <p:cNvPr id="9" name="Picture 8">
+            <a:extLst>
+              <a:ext uri="{FF2B5EF4-FFF2-40B4-BE49-F238E27FC236}">
+                <a16:creationId xmlns:a16="http://schemas.microsoft.com/office/drawing/2014/main" id="{97FD963A-36EE-47B9-843A-F0D03AFB3A8B}"/>
+              </a:ext>
+            </a:extLst>
+          </p:cNvPr>
+          <p:cNvPicPr>
+            <a:picLocks noChangeAspect="1"/>
+          </p:cNvPicPr>
+          <p:nvPr/>
+        </p:nvPicPr>
+        <p:blipFill>
+          <a:blip r:embed="rId2"/>
+          <a:stretch>
+            <a:fillRect/>
+          </a:stretch>
+        </p:blipFill>
+        <p:spPr>
+          <a:xfrm>
+            <a:off x="457201" y="1200152"/>
+            <a:ext cx="5166287" cy="3695146"/>
+          </a:xfrm>
+          <a:prstGeom prst="rect">
+            <a:avLst/>
+          </a:prstGeom>
+        </p:spPr>
+      </p:pic>
+    </p:spTree>
+    <p:extLst>
+      <p:ext uri="{BB962C8B-B14F-4D97-AF65-F5344CB8AC3E}">
+        <p14:creationId xmlns:p14="http://schemas.microsoft.com/office/powerpoint/2010/main" val="2625548649"/>
+      </p:ext>
+    </p:extLst>
+  </p:cSld>
+  <p:clrMapOvr>
+    <a:masterClrMapping/>
+  </p:clrMapOvr>
+</p:sld>
+</file>
+
+<file path=ppt/slides/slide23.xml><?xml version="1.0" encoding="utf-8"?>
+<p:sld xmlns:a="http://schemas.openxmlformats.org/drawingml/2006/main" xmlns:r="http://schemas.openxmlformats.org/officeDocument/2006/relationships" xmlns:p="http://schemas.openxmlformats.org/presentationml/2006/main">
+  <p:cSld>
+    <p:spTree>
+      <p:nvGrpSpPr>
+        <p:cNvPr id="1" name=""/>
+        <p:cNvGrpSpPr/>
+        <p:nvPr/>
+      </p:nvGrpSpPr>
+      <p:grpSpPr>
+        <a:xfrm>
+          <a:off x="0" y="0"/>
+          <a:ext cx="0" cy="0"/>
+          <a:chOff x="0" y="0"/>
+          <a:chExt cx="0" cy="0"/>
+        </a:xfrm>
+      </p:grpSpPr>
+      <p:sp>
+        <p:nvSpPr>
+          <p:cNvPr id="2" name="Title 1">
+            <a:extLst>
+              <a:ext uri="{FF2B5EF4-FFF2-40B4-BE49-F238E27FC236}">
+                <a16:creationId xmlns:a16="http://schemas.microsoft.com/office/drawing/2014/main" id="{5BCE32FE-4C6E-436C-9CA2-9A55BDDDF5F4}"/>
+              </a:ext>
+            </a:extLst>
+          </p:cNvPr>
+          <p:cNvSpPr>
+            <a:spLocks noGrp="1"/>
+          </p:cNvSpPr>
+          <p:nvPr>
+            <p:ph type="title"/>
+          </p:nvPr>
+        </p:nvSpPr>
+        <p:spPr/>
+        <p:txBody>
+          <a:bodyPr/>
+          <a:lstStyle/>
+          <a:p>
+            <a:r>
+              <a:rPr lang="en-US" dirty="0"/>
+              <a:t>Non-mortgage Loan Status</a:t>
+            </a:r>
+          </a:p>
+        </p:txBody>
+      </p:sp>
+      <p:sp>
+        <p:nvSpPr>
+          <p:cNvPr id="3" name="Content Placeholder 2">
+            <a:extLst>
+              <a:ext uri="{FF2B5EF4-FFF2-40B4-BE49-F238E27FC236}">
+                <a16:creationId xmlns:a16="http://schemas.microsoft.com/office/drawing/2014/main" id="{BB0AF09D-15C9-4A10-ABCF-A1551D0E999F}"/>
+              </a:ext>
+            </a:extLst>
+          </p:cNvPr>
+          <p:cNvSpPr>
+            <a:spLocks noGrp="1"/>
+          </p:cNvSpPr>
+          <p:nvPr>
+            <p:ph idx="1"/>
+          </p:nvPr>
+        </p:nvSpPr>
+        <p:spPr>
+          <a:xfrm>
+            <a:off x="6234544" y="1200151"/>
+            <a:ext cx="2452255" cy="3737370"/>
+          </a:xfrm>
+        </p:spPr>
+        <p:txBody>
+          <a:bodyPr>
+            <a:normAutofit fontScale="92500" lnSpcReduction="20000"/>
+          </a:bodyPr>
+          <a:lstStyle/>
+          <a:p>
+            <a:r>
+              <a:rPr lang="en-US" dirty="0"/>
+              <a:t>People without loans more willing to purchase</a:t>
+            </a:r>
+          </a:p>
+          <a:p>
+            <a:r>
+              <a:rPr lang="en-US" dirty="0"/>
+              <a:t>Financial freedom improves likelihood</a:t>
+            </a:r>
+          </a:p>
+        </p:txBody>
+      </p:sp>
+      <p:pic>
+        <p:nvPicPr>
+          <p:cNvPr id="7" name="Picture 6">
+            <a:extLst>
+              <a:ext uri="{FF2B5EF4-FFF2-40B4-BE49-F238E27FC236}">
+                <a16:creationId xmlns:a16="http://schemas.microsoft.com/office/drawing/2014/main" id="{EB6D8B6B-AB20-437B-B184-A74A2D609BC5}"/>
+              </a:ext>
+            </a:extLst>
+          </p:cNvPr>
+          <p:cNvPicPr>
+            <a:picLocks noChangeAspect="1"/>
+          </p:cNvPicPr>
+          <p:nvPr/>
+        </p:nvPicPr>
+        <p:blipFill>
+          <a:blip r:embed="rId2"/>
+          <a:stretch>
+            <a:fillRect/>
+          </a:stretch>
+        </p:blipFill>
+        <p:spPr>
+          <a:xfrm>
+            <a:off x="457200" y="1200151"/>
+            <a:ext cx="5470153" cy="3737370"/>
+          </a:xfrm>
+          <a:prstGeom prst="rect">
+            <a:avLst/>
+          </a:prstGeom>
+        </p:spPr>
+      </p:pic>
+    </p:spTree>
+    <p:extLst>
+      <p:ext uri="{BB962C8B-B14F-4D97-AF65-F5344CB8AC3E}">
+        <p14:creationId xmlns:p14="http://schemas.microsoft.com/office/powerpoint/2010/main" val="3655648711"/>
+      </p:ext>
+    </p:extLst>
+  </p:cSld>
+  <p:clrMapOvr>
+    <a:masterClrMapping/>
+  </p:clrMapOvr>
+</p:sld>
+</file>
+
+<file path=ppt/slides/slide24.xml><?xml version="1.0" encoding="utf-8"?>
+<p:sld xmlns:a="http://schemas.openxmlformats.org/drawingml/2006/main" xmlns:r="http://schemas.openxmlformats.org/officeDocument/2006/relationships" xmlns:p="http://schemas.openxmlformats.org/presentationml/2006/main">
+  <p:cSld>
+    <p:spTree>
+      <p:nvGrpSpPr>
+        <p:cNvPr id="1" name=""/>
+        <p:cNvGrpSpPr/>
+        <p:nvPr/>
+      </p:nvGrpSpPr>
+      <p:grpSpPr>
+        <a:xfrm>
+          <a:off x="0" y="0"/>
+          <a:ext cx="0" cy="0"/>
+          <a:chOff x="0" y="0"/>
+          <a:chExt cx="0" cy="0"/>
+        </a:xfrm>
+      </p:grpSpPr>
+      <p:sp>
+        <p:nvSpPr>
+          <p:cNvPr id="2" name="Title 1">
+            <a:extLst>
+              <a:ext uri="{FF2B5EF4-FFF2-40B4-BE49-F238E27FC236}">
+                <a16:creationId xmlns:a16="http://schemas.microsoft.com/office/drawing/2014/main" id="{9D6DC599-D44E-4B12-9C01-600C753AA370}"/>
+              </a:ext>
+            </a:extLst>
+          </p:cNvPr>
+          <p:cNvSpPr>
+            <a:spLocks noGrp="1"/>
+          </p:cNvSpPr>
+          <p:nvPr>
+            <p:ph type="title"/>
+          </p:nvPr>
+        </p:nvSpPr>
+        <p:spPr/>
+        <p:txBody>
+          <a:bodyPr/>
+          <a:lstStyle/>
+          <a:p>
+            <a:r>
+              <a:rPr lang="en-US" dirty="0"/>
+              <a:t>Level of Education</a:t>
+            </a:r>
+          </a:p>
+        </p:txBody>
+      </p:sp>
+      <p:sp>
+        <p:nvSpPr>
+          <p:cNvPr id="3" name="Content Placeholder 2">
+            <a:extLst>
+              <a:ext uri="{FF2B5EF4-FFF2-40B4-BE49-F238E27FC236}">
+                <a16:creationId xmlns:a16="http://schemas.microsoft.com/office/drawing/2014/main" id="{C6F1A9E0-F282-45D0-8CF1-DD995CD7E9BA}"/>
+              </a:ext>
+            </a:extLst>
+          </p:cNvPr>
+          <p:cNvSpPr>
+            <a:spLocks noGrp="1"/>
+          </p:cNvSpPr>
+          <p:nvPr>
+            <p:ph idx="1"/>
+          </p:nvPr>
+        </p:nvSpPr>
+        <p:spPr>
+          <a:xfrm>
+            <a:off x="5577840" y="1201421"/>
+            <a:ext cx="3405695" cy="3736099"/>
+          </a:xfrm>
+        </p:spPr>
+        <p:txBody>
+          <a:bodyPr/>
+          <a:lstStyle/>
+          <a:p>
+            <a:r>
+              <a:rPr lang="en-US" dirty="0"/>
+              <a:t>Individuals with tertiary and secondary education are more likely to purchase.</a:t>
+            </a:r>
+          </a:p>
+        </p:txBody>
+      </p:sp>
+      <p:pic>
+        <p:nvPicPr>
+          <p:cNvPr id="7" name="Picture 6">
+            <a:extLst>
+              <a:ext uri="{FF2B5EF4-FFF2-40B4-BE49-F238E27FC236}">
+                <a16:creationId xmlns:a16="http://schemas.microsoft.com/office/drawing/2014/main" id="{3F8B4E09-C317-42E8-ADBC-259E60CB77C8}"/>
+              </a:ext>
+            </a:extLst>
+          </p:cNvPr>
+          <p:cNvPicPr>
+            <a:picLocks noChangeAspect="1"/>
+          </p:cNvPicPr>
+          <p:nvPr/>
+        </p:nvPicPr>
+        <p:blipFill>
+          <a:blip r:embed="rId2"/>
+          <a:stretch>
+            <a:fillRect/>
+          </a:stretch>
+        </p:blipFill>
+        <p:spPr>
+          <a:xfrm>
+            <a:off x="160465" y="1201420"/>
+            <a:ext cx="5323937" cy="3736099"/>
+          </a:xfrm>
+          <a:prstGeom prst="rect">
+            <a:avLst/>
+          </a:prstGeom>
+        </p:spPr>
+      </p:pic>
+    </p:spTree>
+    <p:extLst>
+      <p:ext uri="{BB962C8B-B14F-4D97-AF65-F5344CB8AC3E}">
+        <p14:creationId xmlns:p14="http://schemas.microsoft.com/office/powerpoint/2010/main" val="3457945900"/>
+      </p:ext>
+    </p:extLst>
+  </p:cSld>
+  <p:clrMapOvr>
+    <a:masterClrMapping/>
+  </p:clrMapOvr>
+</p:sld>
+</file>
+
+<file path=ppt/slides/slide25.xml><?xml version="1.0" encoding="utf-8"?>
+<p:sld xmlns:a="http://schemas.openxmlformats.org/drawingml/2006/main" xmlns:r="http://schemas.openxmlformats.org/officeDocument/2006/relationships" xmlns:p="http://schemas.openxmlformats.org/presentationml/2006/main">
+  <p:cSld>
+    <p:spTree>
+      <p:nvGrpSpPr>
+        <p:cNvPr id="1" name=""/>
+        <p:cNvGrpSpPr/>
+        <p:nvPr/>
+      </p:nvGrpSpPr>
+      <p:grpSpPr>
+        <a:xfrm>
+          <a:off x="0" y="0"/>
+          <a:ext cx="0" cy="0"/>
+          <a:chOff x="0" y="0"/>
+          <a:chExt cx="0" cy="0"/>
+        </a:xfrm>
+      </p:grpSpPr>
+      <p:sp>
+        <p:nvSpPr>
+          <p:cNvPr id="2" name="Title 1">
+            <a:extLst>
+              <a:ext uri="{FF2B5EF4-FFF2-40B4-BE49-F238E27FC236}">
+                <a16:creationId xmlns:a16="http://schemas.microsoft.com/office/drawing/2014/main" id="{907DE251-AA4B-4623-AD34-FAD44A85AA02}"/>
+              </a:ext>
+            </a:extLst>
+          </p:cNvPr>
+          <p:cNvSpPr>
+            <a:spLocks noGrp="1"/>
+          </p:cNvSpPr>
+          <p:nvPr>
+            <p:ph type="title"/>
+          </p:nvPr>
+        </p:nvSpPr>
+        <p:spPr/>
+        <p:txBody>
+          <a:bodyPr/>
+          <a:lstStyle/>
+          <a:p>
+            <a:r>
+              <a:rPr lang="en-US" dirty="0"/>
+              <a:t>Non-informative Variables</a:t>
+            </a:r>
+          </a:p>
+        </p:txBody>
+      </p:sp>
+      <p:sp>
+        <p:nvSpPr>
+          <p:cNvPr id="3" name="Content Placeholder 2">
+            <a:extLst>
+              <a:ext uri="{FF2B5EF4-FFF2-40B4-BE49-F238E27FC236}">
+                <a16:creationId xmlns:a16="http://schemas.microsoft.com/office/drawing/2014/main" id="{BC73E3A6-297C-4211-9EB0-B7621FA1F8B4}"/>
+              </a:ext>
+            </a:extLst>
+          </p:cNvPr>
+          <p:cNvSpPr>
+            <a:spLocks noGrp="1"/>
+          </p:cNvSpPr>
+          <p:nvPr>
+            <p:ph idx="1"/>
+          </p:nvPr>
+        </p:nvSpPr>
+        <p:spPr>
+          <a:xfrm>
+            <a:off x="5347854" y="1200151"/>
+            <a:ext cx="3338945" cy="3394472"/>
+          </a:xfrm>
+        </p:spPr>
+        <p:txBody>
+          <a:bodyPr/>
+          <a:lstStyle/>
+          <a:p>
+            <a:r>
+              <a:rPr lang="en-US" dirty="0"/>
+              <a:t>Marital Status shows little to no difference in difference in proportions.</a:t>
+            </a:r>
+          </a:p>
+        </p:txBody>
+      </p:sp>
+      <p:pic>
+        <p:nvPicPr>
+          <p:cNvPr id="7" name="Picture 6">
+            <a:extLst>
+              <a:ext uri="{FF2B5EF4-FFF2-40B4-BE49-F238E27FC236}">
+                <a16:creationId xmlns:a16="http://schemas.microsoft.com/office/drawing/2014/main" id="{C70AAB59-4935-4E83-A26D-038F526A068E}"/>
+              </a:ext>
+            </a:extLst>
+          </p:cNvPr>
+          <p:cNvPicPr>
+            <a:picLocks noChangeAspect="1"/>
+          </p:cNvPicPr>
+          <p:nvPr/>
+        </p:nvPicPr>
+        <p:blipFill>
+          <a:blip r:embed="rId2"/>
+          <a:stretch>
+            <a:fillRect/>
+          </a:stretch>
+        </p:blipFill>
+        <p:spPr>
+          <a:xfrm>
+            <a:off x="118196" y="1200151"/>
+            <a:ext cx="5081929" cy="3737370"/>
+          </a:xfrm>
+          <a:prstGeom prst="rect">
+            <a:avLst/>
+          </a:prstGeom>
+        </p:spPr>
+      </p:pic>
+    </p:spTree>
+    <p:extLst>
+      <p:ext uri="{BB962C8B-B14F-4D97-AF65-F5344CB8AC3E}">
+        <p14:creationId xmlns:p14="http://schemas.microsoft.com/office/powerpoint/2010/main" val="2698421686"/>
+      </p:ext>
+    </p:extLst>
+  </p:cSld>
+  <p:clrMapOvr>
+    <a:masterClrMapping/>
+  </p:clrMapOvr>
+</p:sld>
+</file>
+
+<file path=ppt/slides/slide26.xml><?xml version="1.0" encoding="utf-8"?>
+<p:sld xmlns:a="http://schemas.openxmlformats.org/drawingml/2006/main" xmlns:r="http://schemas.openxmlformats.org/officeDocument/2006/relationships" xmlns:p="http://schemas.openxmlformats.org/presentationml/2006/main">
+  <p:cSld>
+    <p:spTree>
+      <p:nvGrpSpPr>
+        <p:cNvPr id="1" name=""/>
+        <p:cNvGrpSpPr/>
+        <p:nvPr/>
+      </p:nvGrpSpPr>
+      <p:grpSpPr>
+        <a:xfrm>
+          <a:off x="0" y="0"/>
+          <a:ext cx="0" cy="0"/>
+          <a:chOff x="0" y="0"/>
+          <a:chExt cx="0" cy="0"/>
+        </a:xfrm>
+      </p:grpSpPr>
+      <p:sp>
+        <p:nvSpPr>
+          <p:cNvPr id="2" name="Title 1">
+            <a:extLst>
+              <a:ext uri="{FF2B5EF4-FFF2-40B4-BE49-F238E27FC236}">
+                <a16:creationId xmlns:a16="http://schemas.microsoft.com/office/drawing/2014/main" id="{1B48AC63-00A3-41EF-BF2F-85D07338D62B}"/>
+              </a:ext>
+            </a:extLst>
+          </p:cNvPr>
+          <p:cNvSpPr>
+            <a:spLocks noGrp="1"/>
+          </p:cNvSpPr>
+          <p:nvPr>
+            <p:ph type="title"/>
+          </p:nvPr>
+        </p:nvSpPr>
+        <p:spPr/>
+        <p:txBody>
+          <a:bodyPr/>
+          <a:lstStyle/>
+          <a:p>
+            <a:r>
+              <a:rPr lang="en-US" dirty="0"/>
+              <a:t>Job </a:t>
+            </a:r>
+          </a:p>
+        </p:txBody>
+      </p:sp>
+      <p:pic>
+        <p:nvPicPr>
+          <p:cNvPr id="5" name="Picture 4">
+            <a:extLst>
+              <a:ext uri="{FF2B5EF4-FFF2-40B4-BE49-F238E27FC236}">
+                <a16:creationId xmlns:a16="http://schemas.microsoft.com/office/drawing/2014/main" id="{9B8F4216-2D2D-41E6-BC8F-675E9C2E9798}"/>
+              </a:ext>
+            </a:extLst>
+          </p:cNvPr>
+          <p:cNvPicPr>
+            <a:picLocks noChangeAspect="1"/>
+          </p:cNvPicPr>
+          <p:nvPr/>
+        </p:nvPicPr>
+        <p:blipFill>
+          <a:blip r:embed="rId2"/>
+          <a:stretch>
+            <a:fillRect/>
+          </a:stretch>
+        </p:blipFill>
+        <p:spPr>
+          <a:xfrm>
+            <a:off x="198120" y="1063229"/>
+            <a:ext cx="8229600" cy="3874292"/>
+          </a:xfrm>
+          <a:prstGeom prst="rect">
+            <a:avLst/>
+          </a:prstGeom>
+        </p:spPr>
+      </p:pic>
+    </p:spTree>
+    <p:extLst>
+      <p:ext uri="{BB962C8B-B14F-4D97-AF65-F5344CB8AC3E}">
+        <p14:creationId xmlns:p14="http://schemas.microsoft.com/office/powerpoint/2010/main" val="4256436821"/>
+      </p:ext>
+    </p:extLst>
+  </p:cSld>
+  <p:clrMapOvr>
+    <a:masterClrMapping/>
+  </p:clrMapOvr>
+</p:sld>
+</file>
+
+<file path=ppt/slides/slide27.xml><?xml version="1.0" encoding="utf-8"?>
+<p:sld xmlns:a="http://schemas.openxmlformats.org/drawingml/2006/main" xmlns:r="http://schemas.openxmlformats.org/officeDocument/2006/relationships" xmlns:p="http://schemas.openxmlformats.org/presentationml/2006/main">
+  <p:cSld>
+    <p:spTree>
+      <p:nvGrpSpPr>
+        <p:cNvPr id="1" name=""/>
+        <p:cNvGrpSpPr/>
+        <p:nvPr/>
+      </p:nvGrpSpPr>
+      <p:grpSpPr>
+        <a:xfrm>
+          <a:off x="0" y="0"/>
+          <a:ext cx="0" cy="0"/>
+          <a:chOff x="0" y="0"/>
+          <a:chExt cx="0" cy="0"/>
+        </a:xfrm>
+      </p:grpSpPr>
+      <p:sp>
+        <p:nvSpPr>
+          <p:cNvPr id="2" name="Title 1">
+            <a:extLst>
+              <a:ext uri="{FF2B5EF4-FFF2-40B4-BE49-F238E27FC236}">
+                <a16:creationId xmlns:a16="http://schemas.microsoft.com/office/drawing/2014/main" id="{166BF736-152A-42E1-87E7-816FE1385869}"/>
+              </a:ext>
+            </a:extLst>
+          </p:cNvPr>
+          <p:cNvSpPr>
+            <a:spLocks noGrp="1"/>
+          </p:cNvSpPr>
+          <p:nvPr>
+            <p:ph type="title"/>
+          </p:nvPr>
+        </p:nvSpPr>
+        <p:spPr/>
+        <p:txBody>
+          <a:bodyPr/>
+          <a:lstStyle/>
+          <a:p>
+            <a:r>
+              <a:rPr lang="en-US" dirty="0"/>
+              <a:t>Modeling Process</a:t>
+            </a:r>
+          </a:p>
+        </p:txBody>
+      </p:sp>
+      <p:sp>
+        <p:nvSpPr>
+          <p:cNvPr id="3" name="Content Placeholder 2">
+            <a:extLst>
+              <a:ext uri="{FF2B5EF4-FFF2-40B4-BE49-F238E27FC236}">
+                <a16:creationId xmlns:a16="http://schemas.microsoft.com/office/drawing/2014/main" id="{ED8D196D-690F-4619-8922-72AC795D0ECC}"/>
+              </a:ext>
+            </a:extLst>
+          </p:cNvPr>
+          <p:cNvSpPr>
+            <a:spLocks noGrp="1"/>
+          </p:cNvSpPr>
+          <p:nvPr>
+            <p:ph idx="1"/>
+          </p:nvPr>
+        </p:nvSpPr>
+        <p:spPr/>
+        <p:txBody>
+          <a:bodyPr>
+            <a:normAutofit lnSpcReduction="10000"/>
+          </a:bodyPr>
+          <a:lstStyle/>
+          <a:p>
+            <a:r>
+              <a:rPr lang="en-US" dirty="0"/>
+              <a:t>Selected variables Age, default, loan status, and education.</a:t>
+            </a:r>
+          </a:p>
+          <a:p>
+            <a:r>
+              <a:rPr lang="en-US" dirty="0"/>
+              <a:t>Only 15 possible models when considering to include variable or not.</a:t>
+            </a:r>
+          </a:p>
+          <a:p>
+            <a:r>
+              <a:rPr lang="en-US" dirty="0"/>
+              <a:t>We tried every model picking the best one, using cross-validation to ensure we did not overfit.</a:t>
+            </a:r>
+          </a:p>
+        </p:txBody>
+      </p:sp>
+    </p:spTree>
+    <p:extLst>
+      <p:ext uri="{BB962C8B-B14F-4D97-AF65-F5344CB8AC3E}">
+        <p14:creationId xmlns:p14="http://schemas.microsoft.com/office/powerpoint/2010/main" val="996163412"/>
+      </p:ext>
+    </p:extLst>
+  </p:cSld>
+  <p:clrMapOvr>
+    <a:masterClrMapping/>
+  </p:clrMapOvr>
+</p:sld>
+</file>
+
+<file path=ppt/slides/slide28.xml><?xml version="1.0" encoding="utf-8"?>
+<p:sld xmlns:a="http://schemas.openxmlformats.org/drawingml/2006/main" xmlns:r="http://schemas.openxmlformats.org/officeDocument/2006/relationships" xmlns:p="http://schemas.openxmlformats.org/presentationml/2006/main">
+  <p:cSld>
+    <p:spTree>
+      <p:nvGrpSpPr>
+        <p:cNvPr id="1" name=""/>
+        <p:cNvGrpSpPr/>
+        <p:nvPr/>
+      </p:nvGrpSpPr>
+      <p:grpSpPr>
+        <a:xfrm>
+          <a:off x="0" y="0"/>
+          <a:ext cx="0" cy="0"/>
+          <a:chOff x="0" y="0"/>
+          <a:chExt cx="0" cy="0"/>
+        </a:xfrm>
+      </p:grpSpPr>
+      <p:sp>
+        <p:nvSpPr>
+          <p:cNvPr id="2" name="Title 1">
+            <a:extLst>
+              <a:ext uri="{FF2B5EF4-FFF2-40B4-BE49-F238E27FC236}">
+                <a16:creationId xmlns:a16="http://schemas.microsoft.com/office/drawing/2014/main" id="{CBF33E67-D1E4-4F72-9922-FD7DFB02B3DF}"/>
+              </a:ext>
+            </a:extLst>
+          </p:cNvPr>
+          <p:cNvSpPr>
+            <a:spLocks noGrp="1"/>
+          </p:cNvSpPr>
+          <p:nvPr>
+            <p:ph type="title"/>
+          </p:nvPr>
+        </p:nvSpPr>
+        <p:spPr/>
+        <p:txBody>
+          <a:bodyPr/>
+          <a:lstStyle/>
+          <a:p>
+            <a:r>
+              <a:rPr lang="en-US" dirty="0"/>
+              <a:t>Model Results</a:t>
+            </a:r>
+          </a:p>
+        </p:txBody>
+      </p:sp>
+      <p:sp>
+        <p:nvSpPr>
+          <p:cNvPr id="3" name="Content Placeholder 2">
+            <a:extLst>
+              <a:ext uri="{FF2B5EF4-FFF2-40B4-BE49-F238E27FC236}">
+                <a16:creationId xmlns:a16="http://schemas.microsoft.com/office/drawing/2014/main" id="{ED274ED1-0472-4B33-92A9-670A14201F89}"/>
+              </a:ext>
+            </a:extLst>
+          </p:cNvPr>
+          <p:cNvSpPr>
+            <a:spLocks noGrp="1"/>
+          </p:cNvSpPr>
+          <p:nvPr>
+            <p:ph idx="1"/>
+          </p:nvPr>
+        </p:nvSpPr>
+        <p:spPr>
+          <a:xfrm>
+            <a:off x="215583" y="3892551"/>
+            <a:ext cx="8471217" cy="1044970"/>
+          </a:xfrm>
+        </p:spPr>
+        <p:txBody>
+          <a:bodyPr>
+            <a:normAutofit lnSpcReduction="10000"/>
+          </a:bodyPr>
+          <a:lstStyle/>
+          <a:p>
+            <a:r>
+              <a:rPr lang="en-US" dirty="0"/>
+              <a:t>Tertiary educated individuals without a loan will be the most likely group to advertise to.</a:t>
+            </a:r>
+          </a:p>
+        </p:txBody>
+      </p:sp>
+      <p:pic>
+        <p:nvPicPr>
+          <p:cNvPr id="5" name="Picture 4">
+            <a:extLst>
+              <a:ext uri="{FF2B5EF4-FFF2-40B4-BE49-F238E27FC236}">
+                <a16:creationId xmlns:a16="http://schemas.microsoft.com/office/drawing/2014/main" id="{D33F2666-A712-47CB-8AEF-65D1D9117C36}"/>
+              </a:ext>
+            </a:extLst>
+          </p:cNvPr>
+          <p:cNvPicPr>
+            <a:picLocks noChangeAspect="1"/>
+          </p:cNvPicPr>
+          <p:nvPr/>
+        </p:nvPicPr>
+        <p:blipFill>
+          <a:blip r:embed="rId2"/>
+          <a:stretch>
+            <a:fillRect/>
+          </a:stretch>
+        </p:blipFill>
+        <p:spPr>
+          <a:xfrm>
+            <a:off x="215582" y="1063229"/>
+            <a:ext cx="4191635" cy="2704291"/>
+          </a:xfrm>
+          <a:prstGeom prst="rect">
+            <a:avLst/>
+          </a:prstGeom>
+        </p:spPr>
+      </p:pic>
+      <p:pic>
+        <p:nvPicPr>
+          <p:cNvPr id="7" name="Picture 6">
+            <a:extLst>
+              <a:ext uri="{FF2B5EF4-FFF2-40B4-BE49-F238E27FC236}">
+                <a16:creationId xmlns:a16="http://schemas.microsoft.com/office/drawing/2014/main" id="{8B0360A7-1474-411C-A1EB-0122A406DB41}"/>
+              </a:ext>
+            </a:extLst>
+          </p:cNvPr>
+          <p:cNvPicPr>
+            <a:picLocks noChangeAspect="1"/>
+          </p:cNvPicPr>
+          <p:nvPr/>
+        </p:nvPicPr>
+        <p:blipFill>
+          <a:blip r:embed="rId3"/>
+          <a:stretch>
+            <a:fillRect/>
+          </a:stretch>
+        </p:blipFill>
+        <p:spPr>
+          <a:xfrm>
+            <a:off x="4572000" y="1063228"/>
+            <a:ext cx="4356417" cy="2704292"/>
+          </a:xfrm>
+          <a:prstGeom prst="rect">
+            <a:avLst/>
+          </a:prstGeom>
+        </p:spPr>
+      </p:pic>
+    </p:spTree>
+    <p:extLst>
+      <p:ext uri="{BB962C8B-B14F-4D97-AF65-F5344CB8AC3E}">
+        <p14:creationId xmlns:p14="http://schemas.microsoft.com/office/powerpoint/2010/main" val="2394735419"/>
+      </p:ext>
+    </p:extLst>
+  </p:cSld>
+  <p:clrMapOvr>
+    <a:masterClrMapping/>
+  </p:clrMapOvr>
+</p:sld>
+</file>
+
+<file path=ppt/slides/slide29.xml><?xml version="1.0" encoding="utf-8"?>
+<p:sld xmlns:a="http://schemas.openxmlformats.org/drawingml/2006/main" xmlns:r="http://schemas.openxmlformats.org/officeDocument/2006/relationships" xmlns:p="http://schemas.openxmlformats.org/presentationml/2006/main">
+  <p:cSld>
+    <p:spTree>
+      <p:nvGrpSpPr>
+        <p:cNvPr id="1" name=""/>
+        <p:cNvGrpSpPr/>
+        <p:nvPr/>
+      </p:nvGrpSpPr>
+      <p:grpSpPr>
+        <a:xfrm>
+          <a:off x="0" y="0"/>
+          <a:ext cx="0" cy="0"/>
+          <a:chOff x="0" y="0"/>
+          <a:chExt cx="0" cy="0"/>
+        </a:xfrm>
+      </p:grpSpPr>
+      <p:sp>
+        <p:nvSpPr>
+          <p:cNvPr id="2" name="Title 1">
+            <a:extLst>
+              <a:ext uri="{FF2B5EF4-FFF2-40B4-BE49-F238E27FC236}">
+                <a16:creationId xmlns:a16="http://schemas.microsoft.com/office/drawing/2014/main" id="{97B47588-85B7-4CB8-975E-E0F14196A17C}"/>
+              </a:ext>
+            </a:extLst>
+          </p:cNvPr>
+          <p:cNvSpPr>
+            <a:spLocks noGrp="1"/>
+          </p:cNvSpPr>
+          <p:nvPr>
+            <p:ph type="title"/>
+          </p:nvPr>
+        </p:nvSpPr>
+        <p:spPr/>
+        <p:txBody>
+          <a:bodyPr/>
+          <a:lstStyle/>
+          <a:p>
+            <a:r>
+              <a:rPr lang="en-US" dirty="0"/>
+              <a:t>The estimated Response Rate</a:t>
+            </a:r>
+          </a:p>
+        </p:txBody>
+      </p:sp>
+      <p:sp>
+        <p:nvSpPr>
+          <p:cNvPr id="3" name="Content Placeholder 2">
+            <a:extLst>
+              <a:ext uri="{FF2B5EF4-FFF2-40B4-BE49-F238E27FC236}">
+                <a16:creationId xmlns:a16="http://schemas.microsoft.com/office/drawing/2014/main" id="{87C640BF-8586-4924-8AE5-1B6D92039785}"/>
+              </a:ext>
+            </a:extLst>
+          </p:cNvPr>
+          <p:cNvSpPr>
+            <a:spLocks noGrp="1"/>
+          </p:cNvSpPr>
+          <p:nvPr>
+            <p:ph idx="1"/>
+          </p:nvPr>
+        </p:nvSpPr>
+        <p:spPr/>
+        <p:txBody>
+          <a:bodyPr/>
+          <a:lstStyle/>
+          <a:p>
+            <a:r>
+              <a:rPr lang="en-US" dirty="0"/>
+              <a:t>We withheld 50% of our data to test our model against.</a:t>
+            </a:r>
+          </a:p>
+          <a:p>
+            <a:r>
+              <a:rPr lang="en-US" dirty="0"/>
+              <a:t>For every observation, the model gave a predicted probability of a purchase.</a:t>
+            </a:r>
+          </a:p>
+          <a:p>
+            <a:r>
+              <a:rPr lang="en-US" dirty="0"/>
+              <a:t>From these probabilities we have an estimated favorable response rate of </a:t>
+            </a:r>
+            <a:r>
+              <a:rPr lang="en-US" b="1" dirty="0"/>
+              <a:t>12.14%</a:t>
+            </a:r>
+            <a:endParaRPr lang="en-US" dirty="0"/>
+          </a:p>
+        </p:txBody>
+      </p:sp>
+    </p:spTree>
+    <p:extLst>
+      <p:ext uri="{BB962C8B-B14F-4D97-AF65-F5344CB8AC3E}">
+        <p14:creationId xmlns:p14="http://schemas.microsoft.com/office/powerpoint/2010/main" val="3811606259"/>
+      </p:ext>
+    </p:extLst>
+  </p:cSld>
+  <p:clrMapOvr>
+    <a:masterClrMapping/>
+  </p:clrMapOvr>
 </p:sld>
 </file>
 
@@ -6127,14 +7182,9 @@
           <a:lstStyle/>
           <a:p>
             <a:r>
-              <a:rPr lang="en-US" sz="3600" dirty="0" smtClean="0"/>
-              <a:t>Introduction: </a:t>
-            </a:r>
-            <a:r>
-              <a:rPr lang="en-US" sz="3600" dirty="0" smtClean="0"/>
-              <a:t>Data</a:t>
-            </a:r>
-            <a:endParaRPr lang="en-US" sz="3600" dirty="0"/>
+              <a:rPr lang="en-US" sz="3600" dirty="0"/>
+              <a:t>Introduction: Data</a:t>
+            </a:r>
           </a:p>
         </p:txBody>
       </p:sp>
@@ -6161,7 +7211,7 @@
           <a:lstStyle/>
           <a:p>
             <a:r>
-              <a:rPr lang="en-US" altLang="zh-CN" sz="2600" dirty="0" smtClean="0"/>
+              <a:rPr lang="en-US" altLang="zh-CN" sz="2600" dirty="0"/>
               <a:t>5 major metropolitan areas</a:t>
             </a:r>
           </a:p>
@@ -6169,15 +7219,15 @@
             <a:pPr marL="0" indent="0">
               <a:buNone/>
             </a:pPr>
-            <a:endParaRPr lang="en-US" altLang="zh-CN" sz="2600" dirty="0" smtClean="0"/>
-          </a:p>
-          <a:p>
-            <a:r>
-              <a:rPr lang="en-US" altLang="zh-CN" sz="2600" dirty="0" smtClean="0"/>
+            <a:endParaRPr lang="en-US" altLang="zh-CN" sz="2600" dirty="0"/>
+          </a:p>
+          <a:p>
+            <a:r>
+              <a:rPr lang="en-US" altLang="zh-CN" sz="2600" dirty="0"/>
               <a:t>Sample 1: </a:t>
             </a:r>
             <a:r>
-              <a:rPr lang="en-US" altLang="zh-CN" sz="2600" dirty="0" smtClean="0">
+              <a:rPr lang="en-US" altLang="zh-CN" sz="2600" dirty="0">
                 <a:solidFill>
                   <a:srgbClr val="FF0000"/>
                 </a:solidFill>
@@ -6185,11 +7235,11 @@
               <a:t>421</a:t>
             </a:r>
             <a:r>
-              <a:rPr lang="en-US" altLang="zh-CN" sz="2600" dirty="0" smtClean="0"/>
+              <a:rPr lang="en-US" altLang="zh-CN" sz="2600" dirty="0"/>
               <a:t> observations of 8 variables; </a:t>
             </a:r>
             <a:r>
-              <a:rPr lang="en-US" altLang="zh-CN" sz="2600" dirty="0" smtClean="0">
+              <a:rPr lang="en-US" altLang="zh-CN" sz="2600" dirty="0">
                 <a:solidFill>
                   <a:srgbClr val="FF0000"/>
                 </a:solidFill>
@@ -6198,15 +7248,15 @@
             </a:r>
           </a:p>
           <a:p>
-            <a:endParaRPr lang="en-US" altLang="zh-CN" sz="2600" dirty="0" smtClean="0"/>
-          </a:p>
-          <a:p>
-            <a:r>
-              <a:rPr lang="en-US" altLang="zh-CN" sz="2600" dirty="0" smtClean="0"/>
+            <a:endParaRPr lang="en-US" altLang="zh-CN" sz="2600" dirty="0"/>
+          </a:p>
+          <a:p>
+            <a:r>
+              <a:rPr lang="en-US" altLang="zh-CN" sz="2600" dirty="0"/>
               <a:t>Sample 2: </a:t>
             </a:r>
             <a:r>
-              <a:rPr lang="en-US" sz="2600" dirty="0" smtClean="0">
+              <a:rPr lang="en-US" sz="2600" dirty="0">
                 <a:solidFill>
                   <a:srgbClr val="FF0000"/>
                 </a:solidFill>
@@ -6214,27 +7264,19 @@
               <a:t>45,211</a:t>
             </a:r>
             <a:r>
-              <a:rPr lang="en-US" sz="2600" dirty="0" smtClean="0"/>
-              <a:t> </a:t>
-            </a:r>
-            <a:r>
               <a:rPr lang="en-US" sz="2600" dirty="0"/>
-              <a:t>observations </a:t>
-            </a:r>
-            <a:r>
-              <a:rPr lang="en-US" altLang="zh-CN" sz="2600" dirty="0" smtClean="0"/>
+              <a:t> observations </a:t>
+            </a:r>
+            <a:r>
+              <a:rPr lang="en-US" altLang="zh-CN" sz="2600" dirty="0"/>
               <a:t>of</a:t>
             </a:r>
             <a:r>
-              <a:rPr lang="en-US" sz="2600" dirty="0" smtClean="0"/>
-              <a:t> 17 variables; </a:t>
-            </a:r>
-            <a:r>
-              <a:rPr lang="en-US" sz="2600" dirty="0" smtClean="0"/>
-              <a:t>response rate</a:t>
-            </a:r>
-            <a:r>
-              <a:rPr lang="en-US" sz="2600" dirty="0" smtClean="0">
+              <a:rPr lang="en-US" sz="2600" dirty="0"/>
+              <a:t> 17 variables; response rate</a:t>
+            </a:r>
+            <a:r>
+              <a:rPr lang="en-US" sz="2600" dirty="0">
                 <a:solidFill>
                   <a:srgbClr val="FF0000"/>
                 </a:solidFill>
@@ -6246,11 +7288,11 @@
             <a:pPr marL="0" indent="0">
               <a:buNone/>
             </a:pPr>
-            <a:endParaRPr lang="en-US" sz="2600" dirty="0" smtClean="0"/>
-          </a:p>
-          <a:p>
-            <a:r>
-              <a:rPr lang="en-US" sz="2600" dirty="0" smtClean="0">
+            <a:endParaRPr lang="en-US" sz="2600" dirty="0"/>
+          </a:p>
+          <a:p>
+            <a:r>
+              <a:rPr lang="en-US" sz="2600" dirty="0">
                 <a:solidFill>
                   <a:srgbClr val="FF0000"/>
                 </a:solidFill>
@@ -6258,22 +7300,17 @@
               <a:t>Break-even </a:t>
             </a:r>
             <a:r>
-              <a:rPr lang="en-US" sz="2600" dirty="0" smtClean="0"/>
+              <a:rPr lang="en-US" sz="2600" dirty="0"/>
               <a:t>response rate: </a:t>
             </a:r>
             <a:r>
-              <a:rPr lang="en-US" sz="2600" dirty="0" smtClean="0">
+              <a:rPr lang="en-US" sz="2600" dirty="0">
                 <a:solidFill>
                   <a:srgbClr val="FF0000"/>
                 </a:solidFill>
               </a:rPr>
               <a:t>24.13%</a:t>
             </a:r>
-            <a:endParaRPr lang="en-US" sz="2600" dirty="0" smtClean="0">
-              <a:solidFill>
-                <a:srgbClr val="FF0000"/>
-              </a:solidFill>
-            </a:endParaRPr>
           </a:p>
         </p:txBody>
       </p:sp>
@@ -6287,13 +7324,235 @@
   <p:clrMapOvr>
     <a:masterClrMapping/>
   </p:clrMapOvr>
-  <p:timing>
-    <p:tnLst>
-      <p:par>
-        <p:cTn xmlns:p14="http://schemas.microsoft.com/office/powerpoint/2010/main" id="1" dur="indefinite" restart="never" nodeType="tmRoot"/>
-      </p:par>
-    </p:tnLst>
-  </p:timing>
+</p:sld>
+</file>
+
+<file path=ppt/slides/slide30.xml><?xml version="1.0" encoding="utf-8"?>
+<p:sld xmlns:a="http://schemas.openxmlformats.org/drawingml/2006/main" xmlns:r="http://schemas.openxmlformats.org/officeDocument/2006/relationships" xmlns:p="http://schemas.openxmlformats.org/presentationml/2006/main">
+  <p:cSld>
+    <p:spTree>
+      <p:nvGrpSpPr>
+        <p:cNvPr id="1" name=""/>
+        <p:cNvGrpSpPr/>
+        <p:nvPr/>
+      </p:nvGrpSpPr>
+      <p:grpSpPr>
+        <a:xfrm>
+          <a:off x="0" y="0"/>
+          <a:ext cx="0" cy="0"/>
+          <a:chOff x="0" y="0"/>
+          <a:chExt cx="0" cy="0"/>
+        </a:xfrm>
+      </p:grpSpPr>
+      <p:sp>
+        <p:nvSpPr>
+          <p:cNvPr id="2" name="Title 1">
+            <a:extLst>
+              <a:ext uri="{FF2B5EF4-FFF2-40B4-BE49-F238E27FC236}">
+                <a16:creationId xmlns:a16="http://schemas.microsoft.com/office/drawing/2014/main" id="{7D434CF8-E195-42CE-B212-9EA8D02B832C}"/>
+              </a:ext>
+            </a:extLst>
+          </p:cNvPr>
+          <p:cNvSpPr>
+            <a:spLocks noGrp="1"/>
+          </p:cNvSpPr>
+          <p:nvPr>
+            <p:ph type="title"/>
+          </p:nvPr>
+        </p:nvSpPr>
+        <p:spPr/>
+        <p:txBody>
+          <a:bodyPr/>
+          <a:lstStyle/>
+          <a:p>
+            <a:r>
+              <a:rPr lang="en-US" dirty="0"/>
+              <a:t>Suggested MSRP</a:t>
+            </a:r>
+          </a:p>
+        </p:txBody>
+      </p:sp>
+      <p:sp>
+        <p:nvSpPr>
+          <p:cNvPr id="3" name="Content Placeholder 2">
+            <a:extLst>
+              <a:ext uri="{FF2B5EF4-FFF2-40B4-BE49-F238E27FC236}">
+                <a16:creationId xmlns:a16="http://schemas.microsoft.com/office/drawing/2014/main" id="{FA73F023-068B-4042-B992-92FE4B4B44D3}"/>
+              </a:ext>
+            </a:extLst>
+          </p:cNvPr>
+          <p:cNvSpPr>
+            <a:spLocks noGrp="1"/>
+          </p:cNvSpPr>
+          <p:nvPr>
+            <p:ph idx="1"/>
+          </p:nvPr>
+        </p:nvSpPr>
+        <p:spPr>
+          <a:xfrm>
+            <a:off x="5689599" y="1063229"/>
+            <a:ext cx="3341053" cy="3874292"/>
+          </a:xfrm>
+        </p:spPr>
+        <p:txBody>
+          <a:bodyPr/>
+          <a:lstStyle/>
+          <a:p>
+            <a:r>
+              <a:rPr lang="en-US" dirty="0"/>
+              <a:t>Simulation on test set using probabilities of purchase and price willing to pay to estimate revenue.</a:t>
+            </a:r>
+          </a:p>
+        </p:txBody>
+      </p:sp>
+      <p:pic>
+        <p:nvPicPr>
+          <p:cNvPr id="5" name="Picture 4">
+            <a:extLst>
+              <a:ext uri="{FF2B5EF4-FFF2-40B4-BE49-F238E27FC236}">
+                <a16:creationId xmlns:a16="http://schemas.microsoft.com/office/drawing/2014/main" id="{BC2EE734-F4DA-4BC6-8B44-727C91150F6F}"/>
+              </a:ext>
+            </a:extLst>
+          </p:cNvPr>
+          <p:cNvPicPr>
+            <a:picLocks noChangeAspect="1"/>
+          </p:cNvPicPr>
+          <p:nvPr/>
+        </p:nvPicPr>
+        <p:blipFill>
+          <a:blip r:embed="rId2"/>
+          <a:stretch>
+            <a:fillRect/>
+          </a:stretch>
+        </p:blipFill>
+        <p:spPr>
+          <a:xfrm>
+            <a:off x="113347" y="1063229"/>
+            <a:ext cx="5434013" cy="3874292"/>
+          </a:xfrm>
+          <a:prstGeom prst="rect">
+            <a:avLst/>
+          </a:prstGeom>
+        </p:spPr>
+      </p:pic>
+    </p:spTree>
+    <p:extLst>
+      <p:ext uri="{BB962C8B-B14F-4D97-AF65-F5344CB8AC3E}">
+        <p14:creationId xmlns:p14="http://schemas.microsoft.com/office/powerpoint/2010/main" val="2845804772"/>
+      </p:ext>
+    </p:extLst>
+  </p:cSld>
+  <p:clrMapOvr>
+    <a:masterClrMapping/>
+  </p:clrMapOvr>
+</p:sld>
+</file>
+
+<file path=ppt/slides/slide31.xml><?xml version="1.0" encoding="utf-8"?>
+<p:sld xmlns:a="http://schemas.openxmlformats.org/drawingml/2006/main" xmlns:r="http://schemas.openxmlformats.org/officeDocument/2006/relationships" xmlns:p="http://schemas.openxmlformats.org/presentationml/2006/main">
+  <p:cSld>
+    <p:spTree>
+      <p:nvGrpSpPr>
+        <p:cNvPr id="1" name=""/>
+        <p:cNvGrpSpPr/>
+        <p:nvPr/>
+      </p:nvGrpSpPr>
+      <p:grpSpPr>
+        <a:xfrm>
+          <a:off x="0" y="0"/>
+          <a:ext cx="0" cy="0"/>
+          <a:chOff x="0" y="0"/>
+          <a:chExt cx="0" cy="0"/>
+        </a:xfrm>
+      </p:grpSpPr>
+      <p:sp>
+        <p:nvSpPr>
+          <p:cNvPr id="2" name="Title 1">
+            <a:extLst>
+              <a:ext uri="{FF2B5EF4-FFF2-40B4-BE49-F238E27FC236}">
+                <a16:creationId xmlns:a16="http://schemas.microsoft.com/office/drawing/2014/main" id="{F7401D15-A9CF-491F-8A44-73CB09455836}"/>
+              </a:ext>
+            </a:extLst>
+          </p:cNvPr>
+          <p:cNvSpPr>
+            <a:spLocks noGrp="1"/>
+          </p:cNvSpPr>
+          <p:nvPr>
+            <p:ph type="title"/>
+          </p:nvPr>
+        </p:nvSpPr>
+        <p:spPr/>
+        <p:txBody>
+          <a:bodyPr/>
+          <a:lstStyle/>
+          <a:p>
+            <a:r>
+              <a:rPr lang="en-US" dirty="0"/>
+              <a:t>Conclusion &amp; Further Discussion</a:t>
+            </a:r>
+          </a:p>
+        </p:txBody>
+      </p:sp>
+      <p:sp>
+        <p:nvSpPr>
+          <p:cNvPr id="3" name="Content Placeholder 2">
+            <a:extLst>
+              <a:ext uri="{FF2B5EF4-FFF2-40B4-BE49-F238E27FC236}">
+                <a16:creationId xmlns:a16="http://schemas.microsoft.com/office/drawing/2014/main" id="{C3184F5D-7B1E-4488-B6F0-B8415061081B}"/>
+              </a:ext>
+            </a:extLst>
+          </p:cNvPr>
+          <p:cNvSpPr>
+            <a:spLocks noGrp="1"/>
+          </p:cNvSpPr>
+          <p:nvPr>
+            <p:ph idx="1"/>
+          </p:nvPr>
+        </p:nvSpPr>
+        <p:spPr/>
+        <p:txBody>
+          <a:bodyPr>
+            <a:normAutofit lnSpcReduction="10000"/>
+          </a:bodyPr>
+          <a:lstStyle/>
+          <a:p>
+            <a:r>
+              <a:rPr lang="en-US" dirty="0"/>
+              <a:t>Results of our likelihood test suggest that initial survey was not representative of greater population</a:t>
+            </a:r>
+          </a:p>
+          <a:p>
+            <a:r>
+              <a:rPr lang="en-US" dirty="0"/>
+              <a:t>Results of logistic regression modeling suggest a 12.14% favorable response rate.</a:t>
+            </a:r>
+          </a:p>
+          <a:p>
+            <a:r>
+              <a:rPr lang="en-US" dirty="0"/>
+              <a:t>If launch of product does occur, </a:t>
+            </a:r>
+            <a:r>
+              <a:rPr lang="en-US"/>
+              <a:t>our suggested </a:t>
+            </a:r>
+            <a:r>
+              <a:rPr lang="en-US" dirty="0"/>
+              <a:t>MSRP is roughly $49.99.</a:t>
+            </a:r>
+          </a:p>
+        </p:txBody>
+      </p:sp>
+    </p:spTree>
+    <p:extLst>
+      <p:ext uri="{BB962C8B-B14F-4D97-AF65-F5344CB8AC3E}">
+        <p14:creationId xmlns:p14="http://schemas.microsoft.com/office/powerpoint/2010/main" val="223056873"/>
+      </p:ext>
+    </p:extLst>
+  </p:cSld>
+  <p:clrMapOvr>
+    <a:masterClrMapping/>
+  </p:clrMapOvr>
 </p:sld>
 </file>
 
@@ -6332,14 +7591,9 @@
           <a:lstStyle/>
           <a:p>
             <a:r>
-              <a:rPr lang="en-US" sz="3600" dirty="0" smtClean="0"/>
-              <a:t>Introduction: </a:t>
-            </a:r>
-            <a:r>
-              <a:rPr lang="en-US" sz="3600" dirty="0" smtClean="0"/>
-              <a:t>Specific Aims</a:t>
-            </a:r>
-            <a:endParaRPr lang="en-US" sz="3600" dirty="0"/>
+              <a:rPr lang="en-US" sz="3600" dirty="0"/>
+              <a:t>Introduction: Specific Aims</a:t>
+            </a:r>
           </a:p>
         </p:txBody>
       </p:sp>
@@ -6366,12 +7620,8 @@
           <a:lstStyle/>
           <a:p>
             <a:r>
-              <a:rPr lang="en-US" sz="2800" dirty="0" smtClean="0"/>
-              <a:t>Specific Aim </a:t>
-            </a:r>
-            <a:r>
               <a:rPr lang="en-US" sz="2800" dirty="0"/>
-              <a:t>1: To compare the </a:t>
+              <a:t>Specific Aim 1: To compare the </a:t>
             </a:r>
             <a:r>
               <a:rPr lang="en-US" sz="2800" dirty="0">
@@ -6386,7 +7636,7 @@
               <a:t> of the </a:t>
             </a:r>
             <a:r>
-              <a:rPr lang="en-US" sz="2800" dirty="0" smtClean="0">
+              <a:rPr lang="en-US" sz="2800" dirty="0">
                 <a:solidFill>
                   <a:srgbClr val="FF0000"/>
                 </a:solidFill>
@@ -6394,33 +7644,17 @@
               <a:t>two samples </a:t>
             </a:r>
             <a:r>
-              <a:rPr lang="en-US" sz="2800" dirty="0" smtClean="0"/>
-              <a:t>qualitatively </a:t>
-            </a:r>
-            <a:r>
               <a:rPr lang="en-US" sz="2800" dirty="0"/>
-              <a:t>and quantitatively</a:t>
-            </a:r>
-            <a:r>
-              <a:rPr lang="en-US" sz="2800" dirty="0" smtClean="0"/>
-              <a:t>.</a:t>
-            </a:r>
-          </a:p>
-          <a:p>
-            <a:endParaRPr lang="en-US" sz="2800" dirty="0" smtClean="0"/>
+              <a:t>qualitatively and quantitatively.</a:t>
+            </a:r>
+          </a:p>
+          <a:p>
+            <a:endParaRPr lang="en-US" sz="2800" dirty="0"/>
           </a:p>
           <a:p>
             <a:r>
               <a:rPr lang="en-US" sz="2800" dirty="0"/>
-              <a:t> </a:t>
-            </a:r>
-            <a:r>
-              <a:rPr lang="en-US" sz="2800" dirty="0" smtClean="0"/>
-              <a:t>Specific Aim </a:t>
-            </a:r>
-            <a:r>
-              <a:rPr lang="en-US" sz="2800" dirty="0"/>
-              <a:t>2: To recommend on </a:t>
+              <a:t> Specific Aim 2: To recommend on </a:t>
             </a:r>
             <a:r>
               <a:rPr lang="en-US" sz="2800" dirty="0">
@@ -6432,22 +7666,10 @@
             </a:r>
             <a:r>
               <a:rPr lang="en-US" sz="2800" dirty="0"/>
-              <a:t> the client should move </a:t>
-            </a:r>
-            <a:r>
-              <a:rPr lang="en-US" sz="2800" dirty="0" smtClean="0"/>
-              <a:t>forward with </a:t>
-            </a:r>
-            <a:r>
-              <a:rPr lang="en-US" sz="2800" dirty="0"/>
-              <a:t>the </a:t>
-            </a:r>
-            <a:r>
-              <a:rPr lang="en-US" sz="2800" dirty="0" smtClean="0"/>
-              <a:t>campaign and provide suggestions on </a:t>
-            </a:r>
-            <a:r>
-              <a:rPr lang="en-US" sz="2800" dirty="0" smtClean="0">
+              <a:t> the client should move forward with the campaign and provide suggestions on </a:t>
+            </a:r>
+            <a:r>
+              <a:rPr lang="en-US" sz="2800" dirty="0">
                 <a:solidFill>
                   <a:srgbClr val="FF0000"/>
                 </a:solidFill>
@@ -6455,7 +7677,7 @@
               <a:t>campaign strategies</a:t>
             </a:r>
             <a:r>
-              <a:rPr lang="en-US" sz="2800" dirty="0" smtClean="0"/>
+              <a:rPr lang="en-US" sz="2800" dirty="0"/>
               <a:t>.</a:t>
             </a:r>
           </a:p>
@@ -6463,20 +7685,12 @@
             <a:pPr marL="0" indent="0">
               <a:buNone/>
             </a:pPr>
-            <a:endParaRPr lang="en-US" sz="2800" dirty="0" smtClean="0"/>
+            <a:endParaRPr lang="en-US" sz="2800" dirty="0"/>
           </a:p>
           <a:p>
             <a:r>
               <a:rPr lang="en-US" sz="2800" dirty="0"/>
-              <a:t> </a:t>
-            </a:r>
-            <a:r>
-              <a:rPr lang="en-US" sz="2800" dirty="0" smtClean="0"/>
-              <a:t>Specific </a:t>
-            </a:r>
-            <a:r>
-              <a:rPr lang="en-US" sz="2800" dirty="0"/>
-              <a:t>Aims 3: To determine </a:t>
+              <a:t> Specific Aims 3: To determine </a:t>
             </a:r>
             <a:r>
               <a:rPr lang="en-US" sz="2800" dirty="0">
@@ -6484,23 +7698,7 @@
                   <a:srgbClr val="FF0000"/>
                 </a:solidFill>
               </a:rPr>
-              <a:t>a Manufacturer Suggested Retail </a:t>
-            </a:r>
-            <a:r>
-              <a:rPr lang="en-US" sz="2800" dirty="0" smtClean="0">
-                <a:solidFill>
-                  <a:srgbClr val="FF0000"/>
-                </a:solidFill>
-              </a:rPr>
-              <a:t>Price (</a:t>
-            </a:r>
-            <a:r>
-              <a:rPr lang="en-US" sz="2800" dirty="0">
-                <a:solidFill>
-                  <a:srgbClr val="FF0000"/>
-                </a:solidFill>
-              </a:rPr>
-              <a:t>MSRP)</a:t>
+              <a:t>a Manufacturer Suggested Retail Price (MSRP)</a:t>
             </a:r>
             <a:r>
               <a:rPr lang="en-US" sz="2800" dirty="0"/>
@@ -6519,13 +7717,6 @@
   <p:clrMapOvr>
     <a:masterClrMapping/>
   </p:clrMapOvr>
-  <p:timing>
-    <p:tnLst>
-      <p:par>
-        <p:cTn xmlns:p14="http://schemas.microsoft.com/office/powerpoint/2010/main" id="1" dur="indefinite" restart="never" nodeType="tmRoot"/>
-      </p:par>
-    </p:tnLst>
-  </p:timing>
 </p:sld>
 </file>
 
@@ -6569,10 +7760,9 @@
           <a:lstStyle/>
           <a:p>
             <a:r>
-              <a:rPr lang="en-US" sz="3600" dirty="0" smtClean="0"/>
+              <a:rPr lang="en-US" sz="3600" dirty="0"/>
               <a:t>Data Processing</a:t>
             </a:r>
-            <a:endParaRPr lang="en-US" sz="3600" dirty="0"/>
           </a:p>
         </p:txBody>
       </p:sp>
@@ -6633,15 +7823,11 @@
               <a:buChar char="•"/>
             </a:pPr>
             <a:r>
-              <a:rPr lang="en-US" sz="2600" dirty="0" smtClean="0"/>
-              <a:t>17216 (38.10%)      ≥1 </a:t>
-            </a:r>
-            <a:r>
-              <a:rPr lang="en-US" sz="2600" dirty="0" smtClean="0"/>
-              <a:t>missing</a:t>
-            </a:r>
-            <a:r>
-              <a:rPr lang="en-US" altLang="zh-CN" sz="2600" dirty="0" smtClean="0"/>
+              <a:rPr lang="en-US" sz="2600" dirty="0"/>
+              <a:t>17216 (38.10%)      ≥1 missing</a:t>
+            </a:r>
+            <a:r>
+              <a:rPr lang="en-US" altLang="zh-CN" sz="2600" dirty="0"/>
               <a:t> values</a:t>
             </a:r>
           </a:p>
@@ -6658,11 +7844,11 @@
               <a:buChar char="•"/>
             </a:pPr>
             <a:r>
-              <a:rPr lang="en-US" altLang="zh-CN" sz="2600" dirty="0" smtClean="0"/>
+              <a:rPr lang="en-US" altLang="zh-CN" sz="2600" dirty="0"/>
               <a:t>Categorical variables (</a:t>
             </a:r>
             <a:r>
-              <a:rPr lang="en-US" altLang="zh-CN" sz="2600" dirty="0" smtClean="0">
+              <a:rPr lang="en-US" altLang="zh-CN" sz="2600" dirty="0">
                 <a:solidFill>
                   <a:srgbClr val="FF0000"/>
                 </a:solidFill>
@@ -6670,7 +7856,7 @@
               <a:t>“Unknown”</a:t>
             </a:r>
             <a:r>
-              <a:rPr lang="en-US" altLang="zh-CN" sz="2600" dirty="0" smtClean="0"/>
+              <a:rPr lang="en-US" altLang="zh-CN" sz="2600" dirty="0"/>
               <a:t>)</a:t>
             </a:r>
           </a:p>
@@ -6687,7 +7873,7 @@
               <a:buChar char="•"/>
             </a:pPr>
             <a:r>
-              <a:rPr lang="en-US" altLang="zh-CN" sz="2600" dirty="0" smtClean="0"/>
+              <a:rPr lang="en-US" altLang="zh-CN" sz="2600" dirty="0"/>
               <a:t>Numeric variables</a:t>
             </a:r>
           </a:p>
@@ -6697,15 +7883,15 @@
               <a:buChar char="•"/>
             </a:pPr>
             <a:r>
-              <a:rPr lang="en-US" altLang="zh-CN" sz="2200" dirty="0" smtClean="0"/>
+              <a:rPr lang="en-US" altLang="zh-CN" sz="2200" dirty="0"/>
               <a:t> 439 (0.97%)      </a:t>
             </a:r>
             <a:r>
-              <a:rPr lang="en-US" sz="2200" dirty="0" smtClean="0"/>
+              <a:rPr lang="en-US" sz="2200" dirty="0"/>
               <a:t>≥2 missing</a:t>
             </a:r>
             <a:r>
-              <a:rPr lang="en-US" altLang="zh-CN" sz="2200" dirty="0" smtClean="0"/>
+              <a:rPr lang="en-US" altLang="zh-CN" sz="2200" dirty="0"/>
               <a:t> num. variables</a:t>
             </a:r>
           </a:p>
@@ -6715,7 +7901,7 @@
               <a:buChar char="•"/>
             </a:pPr>
             <a:r>
-              <a:rPr lang="en-US" altLang="zh-CN" sz="2200" dirty="0" smtClean="0"/>
+              <a:rPr lang="en-US" altLang="zh-CN" sz="2200" dirty="0"/>
               <a:t>Missing at random</a:t>
             </a:r>
           </a:p>
@@ -6725,11 +7911,11 @@
               <a:buChar char="•"/>
             </a:pPr>
             <a:r>
-              <a:rPr lang="en-US" altLang="zh-CN" sz="2200" dirty="0" smtClean="0"/>
+              <a:rPr lang="en-US" altLang="zh-CN" sz="2200" dirty="0"/>
               <a:t>Replace missing values with the </a:t>
             </a:r>
             <a:r>
-              <a:rPr lang="en-US" altLang="zh-CN" sz="2200" dirty="0" smtClean="0">
+              <a:rPr lang="en-US" altLang="zh-CN" sz="2200" dirty="0">
                 <a:solidFill>
                   <a:srgbClr val="FF0000"/>
                 </a:solidFill>
@@ -6739,18 +7925,18 @@
           </a:p>
           <a:p>
             <a:pPr lvl="1"/>
-            <a:endParaRPr lang="en-US" altLang="zh-CN" sz="2200" dirty="0" smtClean="0"/>
+            <a:endParaRPr lang="en-US" altLang="zh-CN" sz="2200" dirty="0"/>
           </a:p>
           <a:p>
             <a:pPr lvl="1"/>
-            <a:endParaRPr lang="en-US" altLang="zh-CN" sz="2200" dirty="0" smtClean="0"/>
+            <a:endParaRPr lang="en-US" altLang="zh-CN" sz="2200" dirty="0"/>
           </a:p>
           <a:p>
             <a:pPr marL="457200" indent="-457200">
               <a:buFont typeface="Arial"/>
               <a:buChar char="•"/>
             </a:pPr>
-            <a:endParaRPr lang="en-US" altLang="zh-CN" sz="2400" dirty="0" smtClean="0"/>
+            <a:endParaRPr lang="en-US" altLang="zh-CN" sz="2400" dirty="0"/>
           </a:p>
           <a:p>
             <a:endParaRPr lang="en-US" dirty="0"/>
@@ -6774,13 +7960,6 @@
   <p:clrMapOvr>
     <a:masterClrMapping/>
   </p:clrMapOvr>
-  <p:timing>
-    <p:tnLst>
-      <p:par>
-        <p:cTn xmlns:p14="http://schemas.microsoft.com/office/powerpoint/2010/main" id="1" dur="indefinite" restart="never" nodeType="tmRoot"/>
-      </p:par>
-    </p:tnLst>
-  </p:timing>
 </p:sld>
 </file>
 
@@ -6864,18 +8043,9 @@
           <a:lstStyle/>
           <a:p>
             <a:r>
-              <a:rPr lang="en-US" sz="3600" dirty="0" smtClean="0"/>
-              <a:t>Comparisons of the Two </a:t>
-            </a:r>
-            <a:r>
               <a:rPr lang="en-US" sz="3600" dirty="0"/>
-              <a:t>S</a:t>
-            </a:r>
-            <a:r>
-              <a:rPr lang="en-US" sz="3600" dirty="0" smtClean="0"/>
-              <a:t>amples</a:t>
-            </a:r>
-            <a:endParaRPr lang="en-US" sz="3600" dirty="0"/>
+              <a:t>Comparisons of the Two Samples</a:t>
+            </a:r>
           </a:p>
         </p:txBody>
       </p:sp>
@@ -6968,7 +8138,7 @@
             <a:p>
               <a:pPr algn="ctr"/>
               <a:r>
-                <a:rPr lang="en-US" sz="2400" dirty="0" smtClean="0">
+                <a:rPr lang="en-US" sz="2400" dirty="0">
                   <a:solidFill>
                     <a:srgbClr val="000090"/>
                   </a:solidFill>
@@ -6979,40 +8149,34 @@
             <a:p>
               <a:pPr algn="ctr"/>
               <a:r>
-                <a:rPr lang="en-US" sz="2400" dirty="0" smtClean="0">
+                <a:rPr lang="en-US" sz="2400" dirty="0">
                   <a:solidFill>
                     <a:srgbClr val="000090"/>
                   </a:solidFill>
                 </a:rPr>
                 <a:t>Balance</a:t>
               </a:r>
-              <a:endParaRPr lang="en-US" sz="2400" dirty="0" smtClean="0">
-                <a:solidFill>
-                  <a:srgbClr val="000090"/>
-                </a:solidFill>
-              </a:endParaRPr>
             </a:p>
             <a:p>
               <a:pPr algn="ctr"/>
               <a:r>
-                <a:rPr lang="en-US" sz="2400" dirty="0" smtClean="0"/>
+                <a:rPr lang="en-US" sz="2400" dirty="0"/>
                 <a:t>Job</a:t>
               </a:r>
             </a:p>
             <a:p>
               <a:pPr algn="ctr"/>
               <a:r>
-                <a:rPr lang="en-US" sz="2400" dirty="0" smtClean="0"/>
+                <a:rPr lang="en-US" sz="2400" dirty="0"/>
                 <a:t>Education</a:t>
               </a:r>
             </a:p>
             <a:p>
               <a:pPr algn="ctr"/>
               <a:r>
-                <a:rPr lang="en-US" sz="2400" dirty="0" smtClean="0"/>
+                <a:rPr lang="en-US" sz="2400" dirty="0"/>
                 <a:t>Marital status Mortgage Primary phone</a:t>
               </a:r>
-              <a:endParaRPr lang="en-US" sz="2400" dirty="0"/>
             </a:p>
           </p:txBody>
         </p:sp>
@@ -7039,18 +8203,13 @@
             <a:lstStyle/>
             <a:p>
               <a:r>
-                <a:rPr lang="en-US" sz="2400" b="1" dirty="0" smtClean="0">
+                <a:rPr lang="en-US" sz="2400" b="1" dirty="0">
                   <a:solidFill>
                     <a:srgbClr val="000000"/>
                   </a:solidFill>
                 </a:rPr>
                 <a:t>Delinquency</a:t>
               </a:r>
-              <a:endParaRPr lang="en-US" sz="2400" b="1" dirty="0">
-                <a:solidFill>
-                  <a:srgbClr val="000000"/>
-                </a:solidFill>
-              </a:endParaRPr>
             </a:p>
           </p:txBody>
         </p:sp>
@@ -7077,7 +8236,7 @@
             <a:lstStyle/>
             <a:p>
               <a:r>
-                <a:rPr lang="en-US" sz="2400" dirty="0" smtClean="0"/>
+                <a:rPr lang="en-US" sz="2400" dirty="0"/>
                 <a:t>Gender</a:t>
               </a:r>
             </a:p>
@@ -7086,10 +8245,9 @@
             </a:p>
             <a:p>
               <a:r>
-                <a:rPr lang="en-US" sz="2400" dirty="0" smtClean="0"/>
+                <a:rPr lang="en-US" sz="2400" dirty="0"/>
                 <a:t>Race</a:t>
               </a:r>
-              <a:endParaRPr lang="en-US" sz="2400" dirty="0"/>
             </a:p>
           </p:txBody>
         </p:sp>
@@ -7116,7 +8274,7 @@
             <a:lstStyle/>
             <a:p>
               <a:r>
-                <a:rPr lang="en-US" sz="2400" b="1" dirty="0" smtClean="0"/>
+                <a:rPr lang="en-US" sz="2400" b="1" dirty="0"/>
                 <a:t>Credit in default</a:t>
               </a:r>
             </a:p>
@@ -7125,16 +8283,15 @@
             </a:p>
             <a:p>
               <a:r>
-                <a:rPr lang="en-US" sz="2400" dirty="0" smtClean="0"/>
+                <a:rPr lang="en-US" sz="2400" dirty="0"/>
                 <a:t>Personal</a:t>
               </a:r>
             </a:p>
             <a:p>
               <a:r>
-                <a:rPr lang="en-US" sz="2400" dirty="0" smtClean="0"/>
+                <a:rPr lang="en-US" sz="2400" dirty="0"/>
                 <a:t>loan</a:t>
               </a:r>
-              <a:endParaRPr lang="en-US" sz="2400" dirty="0"/>
             </a:p>
           </p:txBody>
         </p:sp>
@@ -7191,12 +8348,12 @@
           <a:lstStyle/>
           <a:p>
             <a:r>
-              <a:rPr lang="en-US" sz="2600" dirty="0" smtClean="0"/>
+              <a:rPr lang="en-US" sz="2600" dirty="0"/>
               <a:t>Variables common in both samples:</a:t>
             </a:r>
           </a:p>
           <a:p>
-            <a:endParaRPr lang="en-US" sz="2600" dirty="0" smtClean="0"/>
+            <a:endParaRPr lang="en-US" sz="2600" dirty="0"/>
           </a:p>
           <a:p>
             <a:pPr marL="342900" indent="-342900">
@@ -7204,12 +8361,12 @@
               <a:buChar char="•"/>
             </a:pPr>
             <a:r>
-              <a:rPr lang="en-US" sz="2200" dirty="0" smtClean="0"/>
+              <a:rPr lang="en-US" sz="2200" dirty="0"/>
               <a:t>2 numeric variables</a:t>
             </a:r>
           </a:p>
           <a:p>
-            <a:endParaRPr lang="en-US" sz="2200" dirty="0" smtClean="0"/>
+            <a:endParaRPr lang="en-US" sz="2200" dirty="0"/>
           </a:p>
           <a:p>
             <a:pPr marL="342900" indent="-342900">
@@ -7217,7 +8374,7 @@
               <a:buChar char="•"/>
             </a:pPr>
             <a:r>
-              <a:rPr lang="en-US" sz="2200" dirty="0" smtClean="0"/>
+              <a:rPr lang="en-US" sz="2200" dirty="0"/>
               <a:t>5 categorical variables</a:t>
             </a:r>
           </a:p>
@@ -7237,13 +8394,6 @@
   <p:clrMapOvr>
     <a:masterClrMapping/>
   </p:clrMapOvr>
-  <p:timing>
-    <p:tnLst>
-      <p:par>
-        <p:cTn xmlns:p14="http://schemas.microsoft.com/office/powerpoint/2010/main" id="1" dur="indefinite" restart="never" nodeType="tmRoot"/>
-      </p:par>
-    </p:tnLst>
-  </p:timing>
 </p:sld>
 </file>
 
@@ -7282,10 +8432,9 @@
           <a:lstStyle/>
           <a:p>
             <a:r>
-              <a:rPr lang="en-US" sz="3600" dirty="0" smtClean="0"/>
+              <a:rPr lang="en-US" sz="3600" dirty="0"/>
               <a:t>Age vs. Response</a:t>
             </a:r>
-            <a:endParaRPr lang="en-US" sz="3600" dirty="0"/>
           </a:p>
         </p:txBody>
       </p:sp>
@@ -7346,13 +8495,13 @@
               <a:buChar char="•"/>
             </a:pPr>
             <a:r>
-              <a:rPr lang="en-US" sz="2600" dirty="0" smtClean="0"/>
+              <a:rPr lang="en-US" sz="2600" dirty="0"/>
               <a:t>95% Confidence</a:t>
             </a:r>
           </a:p>
           <a:p>
             <a:r>
-              <a:rPr lang="en-US" sz="2600" dirty="0" smtClean="0"/>
+              <a:rPr lang="en-US" sz="2600" dirty="0"/>
               <a:t> Interval (sample 2)</a:t>
             </a:r>
           </a:p>
@@ -7362,11 +8511,11 @@
               <a:buChar char="•"/>
             </a:pPr>
             <a:r>
-              <a:rPr lang="en-US" sz="2200" dirty="0" smtClean="0"/>
+              <a:rPr lang="en-US" sz="2200" dirty="0"/>
               <a:t>Yes: </a:t>
             </a:r>
             <a:r>
-              <a:rPr lang="en-US" sz="2200" dirty="0" smtClean="0">
+              <a:rPr lang="en-US" sz="2200" dirty="0">
                 <a:solidFill>
                   <a:srgbClr val="FF0000"/>
                 </a:solidFill>
@@ -7375,11 +8524,7 @@
             </a:r>
             <a:r>
               <a:rPr lang="en-US" sz="2200" dirty="0"/>
-              <a:t> </a:t>
-            </a:r>
-            <a:r>
-              <a:rPr lang="en-US" sz="2200" dirty="0" smtClean="0"/>
-              <a:t>to 74</a:t>
+              <a:t> to 74</a:t>
             </a:r>
           </a:p>
           <a:p>
@@ -7388,12 +8533,12 @@
               <a:buChar char="•"/>
             </a:pPr>
             <a:r>
-              <a:rPr lang="en-US" sz="2200" dirty="0" smtClean="0"/>
+              <a:rPr lang="en-US" sz="2200" dirty="0"/>
               <a:t>No: 25 to 60 </a:t>
             </a:r>
           </a:p>
           <a:p>
-            <a:endParaRPr lang="en-US" sz="2600" dirty="0" smtClean="0"/>
+            <a:endParaRPr lang="en-US" sz="2600" dirty="0"/>
           </a:p>
           <a:p>
             <a:pPr marL="457200" indent="-457200">
@@ -7401,7 +8546,7 @@
               <a:buChar char="•"/>
             </a:pPr>
             <a:r>
-              <a:rPr lang="en-US" sz="2600" dirty="0" smtClean="0"/>
+              <a:rPr lang="en-US" sz="2600" dirty="0"/>
               <a:t>Means (sample 1)</a:t>
             </a:r>
           </a:p>
@@ -7411,11 +8556,11 @@
               <a:buChar char="•"/>
             </a:pPr>
             <a:r>
-              <a:rPr lang="en-US" sz="2200" dirty="0" smtClean="0"/>
+              <a:rPr lang="en-US" sz="2200" dirty="0"/>
               <a:t>Yes: </a:t>
             </a:r>
             <a:r>
-              <a:rPr lang="en-US" sz="2200" dirty="0" smtClean="0">
+              <a:rPr lang="en-US" sz="2200" dirty="0">
                 <a:solidFill>
                   <a:srgbClr val="FF0000"/>
                 </a:solidFill>
@@ -7423,7 +8568,7 @@
               <a:t>25.5</a:t>
             </a:r>
             <a:r>
-              <a:rPr lang="en-US" sz="2200" dirty="0" smtClean="0"/>
+              <a:rPr lang="en-US" sz="2200" dirty="0"/>
               <a:t> </a:t>
             </a:r>
           </a:p>
@@ -7433,7 +8578,7 @@
               <a:buChar char="•"/>
             </a:pPr>
             <a:r>
-              <a:rPr lang="en-US" sz="2200" dirty="0" smtClean="0"/>
+              <a:rPr lang="en-US" sz="2200" dirty="0"/>
               <a:t>No: 37.5 </a:t>
             </a:r>
           </a:p>
@@ -7442,14 +8587,13 @@
               <a:rPr lang="en-US" sz="2600" dirty="0"/>
               <a:t> </a:t>
             </a:r>
-            <a:endParaRPr lang="en-US" sz="2600" dirty="0" smtClean="0"/>
           </a:p>
           <a:p>
             <a:pPr marL="457200" indent="-457200">
               <a:buFont typeface="Arial"/>
               <a:buChar char="•"/>
             </a:pPr>
-            <a:endParaRPr lang="en-US" sz="2600" dirty="0" smtClean="0"/>
+            <a:endParaRPr lang="en-US" sz="2600" dirty="0"/>
           </a:p>
           <a:p>
             <a:endParaRPr lang="en-US" sz="2600" dirty="0"/>
@@ -7469,13 +8613,6 @@
   <p:clrMapOvr>
     <a:masterClrMapping/>
   </p:clrMapOvr>
-  <p:timing>
-    <p:tnLst>
-      <p:par>
-        <p:cTn xmlns:p14="http://schemas.microsoft.com/office/powerpoint/2010/main" id="1" dur="indefinite" restart="never" nodeType="tmRoot"/>
-      </p:par>
-    </p:tnLst>
-  </p:timing>
 </p:sld>
 </file>
 
@@ -7514,22 +8651,9 @@
           <a:lstStyle/>
           <a:p>
             <a:r>
-              <a:rPr lang="en-US" sz="3600" dirty="0" smtClean="0"/>
-              <a:t>Non-mortgage Loan </a:t>
-            </a:r>
-            <a:r>
               <a:rPr lang="en-US" sz="3600" dirty="0"/>
-              <a:t>B</a:t>
-            </a:r>
-            <a:r>
-              <a:rPr lang="en-US" sz="3600" dirty="0" smtClean="0"/>
-              <a:t>alance vs</a:t>
-            </a:r>
-            <a:r>
-              <a:rPr lang="en-US" sz="3600" dirty="0" smtClean="0"/>
-              <a:t>. Response</a:t>
-            </a:r>
-            <a:endParaRPr lang="en-US" sz="3600" dirty="0"/>
+              <a:t>Non-mortgage Loan Balance vs. Response</a:t>
+            </a:r>
           </a:p>
         </p:txBody>
       </p:sp>
@@ -7590,13 +8714,13 @@
               <a:buChar char="•"/>
             </a:pPr>
             <a:r>
-              <a:rPr lang="en-US" sz="2600" dirty="0" smtClean="0"/>
+              <a:rPr lang="en-US" sz="2600" dirty="0"/>
               <a:t>95% Confidence</a:t>
             </a:r>
           </a:p>
           <a:p>
             <a:r>
-              <a:rPr lang="en-US" sz="2600" dirty="0" smtClean="0"/>
+              <a:rPr lang="en-US" sz="2600" dirty="0"/>
               <a:t> Interval (sample 2)</a:t>
             </a:r>
           </a:p>
@@ -7606,7 +8730,7 @@
               <a:buChar char="•"/>
             </a:pPr>
             <a:r>
-              <a:rPr lang="en-US" sz="2200" dirty="0" smtClean="0"/>
+              <a:rPr lang="en-US" sz="2200" dirty="0"/>
               <a:t>Yes: -$157.45 to $10185</a:t>
             </a:r>
           </a:p>
@@ -7616,11 +8740,11 @@
               <a:buChar char="•"/>
             </a:pPr>
             <a:r>
-              <a:rPr lang="en-US" sz="2200" dirty="0" smtClean="0"/>
+              <a:rPr lang="en-US" sz="2200" dirty="0"/>
               <a:t>No: -$393 to </a:t>
             </a:r>
             <a:r>
-              <a:rPr lang="en-US" sz="2200" dirty="0" smtClean="0">
+              <a:rPr lang="en-US" sz="2200" dirty="0">
                 <a:solidFill>
                   <a:srgbClr val="FF0000"/>
                 </a:solidFill>
@@ -7629,7 +8753,7 @@
             </a:r>
           </a:p>
           <a:p>
-            <a:endParaRPr lang="en-US" sz="2600" dirty="0" smtClean="0"/>
+            <a:endParaRPr lang="en-US" sz="2600" dirty="0"/>
           </a:p>
           <a:p>
             <a:pPr marL="457200" indent="-457200">
@@ -7637,7 +8761,7 @@
               <a:buChar char="•"/>
             </a:pPr>
             <a:r>
-              <a:rPr lang="en-US" sz="2600" dirty="0" smtClean="0"/>
+              <a:rPr lang="en-US" sz="2600" dirty="0"/>
               <a:t>Means (sample 1)</a:t>
             </a:r>
           </a:p>
@@ -7647,11 +8771,11 @@
               <a:buChar char="•"/>
             </a:pPr>
             <a:r>
-              <a:rPr lang="en-US" sz="2200" dirty="0" smtClean="0"/>
+              <a:rPr lang="en-US" sz="2200" dirty="0"/>
               <a:t>Yes: $</a:t>
             </a:r>
             <a:r>
-              <a:rPr lang="en-US" sz="2200" dirty="0" smtClean="0">
+              <a:rPr lang="en-US" sz="2200" dirty="0">
                 <a:solidFill>
                   <a:srgbClr val="000000"/>
                 </a:solidFill>
@@ -7665,11 +8789,11 @@
               <a:buChar char="•"/>
             </a:pPr>
             <a:r>
-              <a:rPr lang="en-US" sz="2200" dirty="0" smtClean="0"/>
+              <a:rPr lang="en-US" sz="2200" dirty="0"/>
               <a:t>No:  </a:t>
             </a:r>
             <a:r>
-              <a:rPr lang="en-US" sz="2200" dirty="0" smtClean="0">
+              <a:rPr lang="en-US" sz="2200" dirty="0">
                 <a:solidFill>
                   <a:srgbClr val="FF0000"/>
                 </a:solidFill>
@@ -7682,14 +8806,13 @@
               <a:rPr lang="en-US" sz="2600" dirty="0"/>
               <a:t> </a:t>
             </a:r>
-            <a:endParaRPr lang="en-US" sz="2600" dirty="0" smtClean="0"/>
           </a:p>
           <a:p>
             <a:pPr marL="457200" indent="-457200">
               <a:buFont typeface="Arial"/>
               <a:buChar char="•"/>
             </a:pPr>
-            <a:endParaRPr lang="en-US" sz="2600" dirty="0" smtClean="0"/>
+            <a:endParaRPr lang="en-US" sz="2600" dirty="0"/>
           </a:p>
           <a:p>
             <a:endParaRPr lang="en-US" sz="2600" dirty="0"/>
@@ -7709,13 +8832,6 @@
   <p:clrMapOvr>
     <a:masterClrMapping/>
   </p:clrMapOvr>
-  <p:timing>
-    <p:tnLst>
-      <p:par>
-        <p:cTn xmlns:p14="http://schemas.microsoft.com/office/powerpoint/2010/main" id="1" dur="indefinite" restart="never" nodeType="tmRoot"/>
-      </p:par>
-    </p:tnLst>
-  </p:timing>
 </p:sld>
 </file>
 
@@ -7754,10 +8870,9 @@
           <a:lstStyle/>
           <a:p>
             <a:r>
-              <a:rPr lang="en-US" sz="3600" dirty="0" smtClean="0"/>
+              <a:rPr lang="en-US" sz="3600" dirty="0"/>
               <a:t>Job vs. Response </a:t>
             </a:r>
-            <a:endParaRPr lang="en-US" sz="3600" dirty="0"/>
           </a:p>
         </p:txBody>
       </p:sp>
@@ -7818,7 +8933,7 @@
               <a:buChar char="•"/>
             </a:pPr>
             <a:r>
-              <a:rPr lang="en-US" sz="2600" dirty="0" smtClean="0"/>
+              <a:rPr lang="en-US" sz="2600" dirty="0"/>
               <a:t>Most responds no</a:t>
             </a:r>
           </a:p>
@@ -7835,7 +8950,7 @@
               <a:buChar char="•"/>
             </a:pPr>
             <a:r>
-              <a:rPr lang="en-US" sz="2600" dirty="0" smtClean="0"/>
+              <a:rPr lang="en-US" sz="2600" dirty="0"/>
               <a:t>Common: Blue collar, Management, Technician</a:t>
             </a:r>
           </a:p>
@@ -7852,7 +8967,7 @@
               <a:buChar char="•"/>
             </a:pPr>
             <a:r>
-              <a:rPr lang="en-US" sz="2600" dirty="0" smtClean="0"/>
+              <a:rPr lang="en-US" sz="2600" dirty="0"/>
               <a:t>Uncommon: Housemaid and Student</a:t>
             </a:r>
           </a:p>
@@ -7864,7 +8979,7 @@
               <a:buFont typeface="Arial"/>
               <a:buChar char="•"/>
             </a:pPr>
-            <a:endParaRPr lang="en-US" sz="2200" dirty="0" smtClean="0"/>
+            <a:endParaRPr lang="en-US" sz="2200" dirty="0"/>
           </a:p>
         </p:txBody>
       </p:sp>
@@ -7878,13 +8993,6 @@
   <p:clrMapOvr>
     <a:masterClrMapping/>
   </p:clrMapOvr>
-  <p:timing>
-    <p:tnLst>
-      <p:par>
-        <p:cTn xmlns:p14="http://schemas.microsoft.com/office/powerpoint/2010/main" id="1" dur="indefinite" restart="never" nodeType="tmRoot"/>
-      </p:par>
-    </p:tnLst>
-  </p:timing>
 </p:sld>
 </file>
 

--- a/Practicum 2 presentation Nijia.pptx
+++ b/Practicum 2 presentation Nijia.pptx
@@ -6,7 +6,7 @@
   </p:sldMasterIdLst>
   <p:sldIdLst>
     <p:sldId id="256" r:id="rId2"/>
-    <p:sldId id="257" r:id="rId3"/>
+    <p:sldId id="291" r:id="rId3"/>
     <p:sldId id="269" r:id="rId4"/>
     <p:sldId id="268" r:id="rId5"/>
     <p:sldId id="258" r:id="rId6"/>
@@ -23,7 +23,7 @@
     <p:sldId id="267" r:id="rId17"/>
     <p:sldId id="270" r:id="rId18"/>
     <p:sldId id="271" r:id="rId19"/>
-    <p:sldId id="276" r:id="rId20"/>
+    <p:sldId id="290" r:id="rId20"/>
     <p:sldId id="278" r:id="rId21"/>
     <p:sldId id="279" r:id="rId22"/>
     <p:sldId id="280" r:id="rId23"/>
@@ -136,7 +136,7 @@
   </p:defaultTextStyle>
   <p:extLst>
     <p:ext uri="{EFAFB233-063F-42B5-8137-9DF3F51BA10A}">
-      <p15:sldGuideLst xmlns:p15="http://schemas.microsoft.com/office/powerpoint/2012/main">
+      <p15:sldGuideLst xmlns:p15="http://schemas.microsoft.com/office/powerpoint/2012/main" xmlns="">
         <p15:guide id="1" orient="horz" pos="1620">
           <p15:clr>
             <a:srgbClr val="A4A3A4"/>
@@ -332,7 +332,7 @@
           <a:p>
             <a:fld id="{81ACDAB1-21FC-284C-BAA7-B9306D000189}" type="datetimeFigureOut">
               <a:rPr lang="en-US" smtClean="0"/>
-              <a:t>4/1/2021</a:t>
+              <a:t>4/1/21</a:t>
             </a:fld>
             <a:endParaRPr lang="en-US"/>
           </a:p>
@@ -500,7 +500,7 @@
           <a:p>
             <a:fld id="{81ACDAB1-21FC-284C-BAA7-B9306D000189}" type="datetimeFigureOut">
               <a:rPr lang="en-US" smtClean="0"/>
-              <a:t>4/1/2021</a:t>
+              <a:t>4/1/21</a:t>
             </a:fld>
             <a:endParaRPr lang="en-US"/>
           </a:p>
@@ -678,7 +678,7 @@
           <a:p>
             <a:fld id="{81ACDAB1-21FC-284C-BAA7-B9306D000189}" type="datetimeFigureOut">
               <a:rPr lang="en-US" smtClean="0"/>
-              <a:t>4/1/2021</a:t>
+              <a:t>4/1/21</a:t>
             </a:fld>
             <a:endParaRPr lang="en-US"/>
           </a:p>
@@ -846,7 +846,7 @@
           <a:p>
             <a:fld id="{81ACDAB1-21FC-284C-BAA7-B9306D000189}" type="datetimeFigureOut">
               <a:rPr lang="en-US" smtClean="0"/>
-              <a:t>4/1/2021</a:t>
+              <a:t>4/1/21</a:t>
             </a:fld>
             <a:endParaRPr lang="en-US"/>
           </a:p>
@@ -1091,7 +1091,7 @@
           <a:p>
             <a:fld id="{81ACDAB1-21FC-284C-BAA7-B9306D000189}" type="datetimeFigureOut">
               <a:rPr lang="en-US" smtClean="0"/>
-              <a:t>4/1/2021</a:t>
+              <a:t>4/1/21</a:t>
             </a:fld>
             <a:endParaRPr lang="en-US"/>
           </a:p>
@@ -1376,7 +1376,7 @@
           <a:p>
             <a:fld id="{81ACDAB1-21FC-284C-BAA7-B9306D000189}" type="datetimeFigureOut">
               <a:rPr lang="en-US" smtClean="0"/>
-              <a:t>4/1/2021</a:t>
+              <a:t>4/1/21</a:t>
             </a:fld>
             <a:endParaRPr lang="en-US"/>
           </a:p>
@@ -1795,7 +1795,7 @@
           <a:p>
             <a:fld id="{81ACDAB1-21FC-284C-BAA7-B9306D000189}" type="datetimeFigureOut">
               <a:rPr lang="en-US" smtClean="0"/>
-              <a:t>4/1/2021</a:t>
+              <a:t>4/1/21</a:t>
             </a:fld>
             <a:endParaRPr lang="en-US"/>
           </a:p>
@@ -1912,7 +1912,7 @@
           <a:p>
             <a:fld id="{81ACDAB1-21FC-284C-BAA7-B9306D000189}" type="datetimeFigureOut">
               <a:rPr lang="en-US" smtClean="0"/>
-              <a:t>4/1/2021</a:t>
+              <a:t>4/1/21</a:t>
             </a:fld>
             <a:endParaRPr lang="en-US"/>
           </a:p>
@@ -2007,7 +2007,7 @@
           <a:p>
             <a:fld id="{81ACDAB1-21FC-284C-BAA7-B9306D000189}" type="datetimeFigureOut">
               <a:rPr lang="en-US" smtClean="0"/>
-              <a:t>4/1/2021</a:t>
+              <a:t>4/1/21</a:t>
             </a:fld>
             <a:endParaRPr lang="en-US"/>
           </a:p>
@@ -2282,7 +2282,7 @@
           <a:p>
             <a:fld id="{81ACDAB1-21FC-284C-BAA7-B9306D000189}" type="datetimeFigureOut">
               <a:rPr lang="en-US" smtClean="0"/>
-              <a:t>4/1/2021</a:t>
+              <a:t>4/1/21</a:t>
             </a:fld>
             <a:endParaRPr lang="en-US"/>
           </a:p>
@@ -2534,7 +2534,7 @@
           <a:p>
             <a:fld id="{81ACDAB1-21FC-284C-BAA7-B9306D000189}" type="datetimeFigureOut">
               <a:rPr lang="en-US" smtClean="0"/>
-              <a:t>4/1/2021</a:t>
+              <a:t>4/1/21</a:t>
             </a:fld>
             <a:endParaRPr lang="en-US"/>
           </a:p>
@@ -2751,7 +2751,7 @@
           <a:p>
             <a:fld id="{81ACDAB1-21FC-284C-BAA7-B9306D000189}" type="datetimeFigureOut">
               <a:rPr lang="en-US" smtClean="0"/>
-              <a:t>4/1/2021</a:t>
+              <a:t>4/1/21</a:t>
             </a:fld>
             <a:endParaRPr lang="en-US"/>
           </a:p>
@@ -4683,9 +4683,10 @@
           <a:lstStyle/>
           <a:p>
             <a:r>
-              <a:rPr lang="en-US" sz="3600" dirty="0"/>
+              <a:rPr lang="en-US" sz="3600" dirty="0" smtClean="0"/>
               <a:t>Summary: Comparisons of the Two Samples</a:t>
             </a:r>
+            <a:endParaRPr lang="en-US" sz="3600" dirty="0"/>
           </a:p>
         </p:txBody>
       </p:sp>
@@ -4698,13 +4699,13 @@
           <p:nvPr>
             <p:extLst>
               <p:ext uri="{D42A27DB-BD31-4B8C-83A1-F6EECF244321}">
-                <p14:modId xmlns:p14="http://schemas.microsoft.com/office/powerpoint/2010/main" val="3648742187"/>
+                <p14:modId xmlns:p14="http://schemas.microsoft.com/office/powerpoint/2010/main" val="3815625034"/>
               </p:ext>
             </p:extLst>
           </p:nvPr>
         </p:nvGraphicFramePr>
         <p:xfrm>
-          <a:off x="876610" y="1461141"/>
+          <a:off x="876610" y="1308913"/>
           <a:ext cx="7428710" cy="2453640"/>
         </p:xfrm>
         <a:graphic>
@@ -4712,27 +4713,9 @@
             <a:tbl>
               <a:tblPr/>
               <a:tblGrid>
-                <a:gridCol w="2189806">
-                  <a:extLst>
-                    <a:ext uri="{9D8B030D-6E8A-4147-A177-3AD203B41FA5}">
-                      <a16:colId xmlns:a16="http://schemas.microsoft.com/office/drawing/2014/main" val="20000"/>
-                    </a:ext>
-                  </a:extLst>
-                </a:gridCol>
-                <a:gridCol w="2577874">
-                  <a:extLst>
-                    <a:ext uri="{9D8B030D-6E8A-4147-A177-3AD203B41FA5}">
-                      <a16:colId xmlns:a16="http://schemas.microsoft.com/office/drawing/2014/main" val="20001"/>
-                    </a:ext>
-                  </a:extLst>
-                </a:gridCol>
-                <a:gridCol w="2661030">
-                  <a:extLst>
-                    <a:ext uri="{9D8B030D-6E8A-4147-A177-3AD203B41FA5}">
-                      <a16:colId xmlns:a16="http://schemas.microsoft.com/office/drawing/2014/main" val="20002"/>
-                    </a:ext>
-                  </a:extLst>
-                </a:gridCol>
+                <a:gridCol w="2189806"/>
+                <a:gridCol w="2577874"/>
+                <a:gridCol w="2661030"/>
               </a:tblGrid>
               <a:tr h="386452">
                 <a:tc>
@@ -4742,7 +4725,7 @@
                     <a:p>
                       <a:pPr algn="ctr" fontAlgn="b"/>
                       <a:r>
-                        <a:rPr lang="en-US" sz="2600" b="0" i="0" u="none" strike="noStrike">
+                        <a:rPr lang="en-US" sz="2600" b="0" i="0" u="none" strike="noStrike" dirty="0">
                           <a:solidFill>
                             <a:srgbClr val="000000"/>
                           </a:solidFill>
@@ -4790,6 +4773,9 @@
                       <a:headEnd type="none" w="med" len="med"/>
                       <a:tailEnd type="none" w="med" len="med"/>
                     </a:lnB>
+                    <a:solidFill>
+                      <a:srgbClr val="4B56F8"/>
+                    </a:solidFill>
                   </a:tcPr>
                 </a:tc>
                 <a:tc>
@@ -4799,7 +4785,7 @@
                     <a:p>
                       <a:pPr algn="ctr" fontAlgn="b"/>
                       <a:r>
-                        <a:rPr lang="en-US" sz="2600" b="0" i="0" u="none" strike="noStrike">
+                        <a:rPr lang="en-US" sz="2600" b="0" i="0" u="none" strike="noStrike" dirty="0">
                           <a:solidFill>
                             <a:srgbClr val="000000"/>
                           </a:solidFill>
@@ -4847,6 +4833,9 @@
                       <a:headEnd type="none" w="med" len="med"/>
                       <a:tailEnd type="none" w="med" len="med"/>
                     </a:lnB>
+                    <a:solidFill>
+                      <a:srgbClr val="4B56F8"/>
+                    </a:solidFill>
                   </a:tcPr>
                 </a:tc>
                 <a:tc>
@@ -4904,13 +4893,11 @@
                       <a:headEnd type="none" w="med" len="med"/>
                       <a:tailEnd type="none" w="med" len="med"/>
                     </a:lnB>
+                    <a:solidFill>
+                      <a:srgbClr val="4B56F8"/>
+                    </a:solidFill>
                   </a:tcPr>
                 </a:tc>
-                <a:extLst>
-                  <a:ext uri="{0D108BD9-81ED-4DB2-BD59-A6C34878D82A}">
-                    <a16:rowId xmlns:a16="http://schemas.microsoft.com/office/drawing/2014/main" val="10000"/>
-                  </a:ext>
-                </a:extLst>
               </a:tr>
               <a:tr h="375390">
                 <a:tc>
@@ -5084,11 +5071,6 @@
                     </a:lnB>
                   </a:tcPr>
                 </a:tc>
-                <a:extLst>
-                  <a:ext uri="{0D108BD9-81ED-4DB2-BD59-A6C34878D82A}">
-                    <a16:rowId xmlns:a16="http://schemas.microsoft.com/office/drawing/2014/main" val="10001"/>
-                  </a:ext>
-                </a:extLst>
               </a:tr>
               <a:tr h="375390">
                 <a:tc>
@@ -5212,7 +5194,7 @@
                     <a:p>
                       <a:pPr algn="ctr" fontAlgn="b"/>
                       <a:r>
-                        <a:rPr lang="sk-SK" sz="2600" b="0" i="0" u="none" strike="noStrike">
+                        <a:rPr lang="sk-SK" sz="2600" b="0" i="0" u="none" strike="noStrike" dirty="0">
                           <a:solidFill>
                             <a:srgbClr val="000000"/>
                           </a:solidFill>
@@ -5262,11 +5244,6 @@
                     </a:lnB>
                   </a:tcPr>
                 </a:tc>
-                <a:extLst>
-                  <a:ext uri="{0D108BD9-81ED-4DB2-BD59-A6C34878D82A}">
-                    <a16:rowId xmlns:a16="http://schemas.microsoft.com/office/drawing/2014/main" val="10002"/>
-                  </a:ext>
-                </a:extLst>
               </a:tr>
               <a:tr h="375390">
                 <a:tc>
@@ -5440,11 +5417,6 @@
                     </a:lnB>
                   </a:tcPr>
                 </a:tc>
-                <a:extLst>
-                  <a:ext uri="{0D108BD9-81ED-4DB2-BD59-A6C34878D82A}">
-                    <a16:rowId xmlns:a16="http://schemas.microsoft.com/office/drawing/2014/main" val="10003"/>
-                  </a:ext>
-                </a:extLst>
               </a:tr>
               <a:tr h="375390">
                 <a:tc>
@@ -5568,7 +5540,7 @@
                     <a:p>
                       <a:pPr algn="ctr" fontAlgn="b"/>
                       <a:r>
-                        <a:rPr lang="en-US" sz="2600" b="0" i="0" u="none" strike="noStrike" dirty="0">
+                        <a:rPr lang="en-US" sz="2600" b="0" i="0" u="none" strike="noStrike" dirty="0" smtClean="0">
                           <a:solidFill>
                             <a:srgbClr val="000000"/>
                           </a:solidFill>
@@ -5578,7 +5550,7 @@
                         <a:t>With</a:t>
                       </a:r>
                       <a:r>
-                        <a:rPr lang="en-US" sz="2600" b="0" i="0" u="none" strike="noStrike" baseline="0" dirty="0">
+                        <a:rPr lang="en-US" sz="2600" b="0" i="0" u="none" strike="noStrike" baseline="0" dirty="0" smtClean="0">
                           <a:solidFill>
                             <a:srgbClr val="000000"/>
                           </a:solidFill>
@@ -5635,11 +5607,6 @@
                     </a:lnB>
                   </a:tcPr>
                 </a:tc>
-                <a:extLst>
-                  <a:ext uri="{0D108BD9-81ED-4DB2-BD59-A6C34878D82A}">
-                    <a16:rowId xmlns:a16="http://schemas.microsoft.com/office/drawing/2014/main" val="10004"/>
-                  </a:ext>
-                </a:extLst>
               </a:tr>
               <a:tr h="375390">
                 <a:tc>
@@ -5813,26 +5780,76 @@
                     </a:lnB>
                   </a:tcPr>
                 </a:tc>
-                <a:extLst>
-                  <a:ext uri="{0D108BD9-81ED-4DB2-BD59-A6C34878D82A}">
-                    <a16:rowId xmlns:a16="http://schemas.microsoft.com/office/drawing/2014/main" val="10005"/>
-                  </a:ext>
-                </a:extLst>
               </a:tr>
             </a:tbl>
           </a:graphicData>
         </a:graphic>
       </p:graphicFrame>
+      <p:sp>
+        <p:nvSpPr>
+          <p:cNvPr id="3" name="TextBox 2"/>
+          <p:cNvSpPr txBox="1"/>
+          <p:nvPr/>
+        </p:nvSpPr>
+        <p:spPr>
+          <a:xfrm>
+            <a:off x="587182" y="3959708"/>
+            <a:ext cx="8739459" cy="1292662"/>
+          </a:xfrm>
+          <a:prstGeom prst="rect">
+            <a:avLst/>
+          </a:prstGeom>
+          <a:noFill/>
+        </p:spPr>
+        <p:txBody>
+          <a:bodyPr wrap="square" rtlCol="0">
+            <a:spAutoFit/>
+          </a:bodyPr>
+          <a:lstStyle/>
+          <a:p>
+            <a:r>
+              <a:rPr lang="en-US" sz="2600" dirty="0" smtClean="0">
+                <a:solidFill>
+                  <a:srgbClr val="FF0000"/>
+                </a:solidFill>
+              </a:rPr>
+              <a:t>Second sample</a:t>
+            </a:r>
+            <a:r>
+              <a:rPr lang="en-US" sz="2600" dirty="0" smtClean="0"/>
+              <a:t>: </a:t>
+            </a:r>
+            <a:r>
+              <a:rPr lang="en-US" sz="2600" dirty="0"/>
+              <a:t>more respondents who are not willing to purchase the product than those who are.</a:t>
+            </a:r>
+          </a:p>
+          <a:p>
+            <a:r>
+              <a:rPr lang="en-US" sz="2600" dirty="0" smtClean="0"/>
+              <a:t> </a:t>
+            </a:r>
+            <a:endParaRPr lang="en-US" sz="2600" dirty="0"/>
+          </a:p>
+        </p:txBody>
+      </p:sp>
     </p:spTree>
     <p:extLst>
       <p:ext uri="{BB962C8B-B14F-4D97-AF65-F5344CB8AC3E}">
-        <p14:creationId xmlns:p14="http://schemas.microsoft.com/office/powerpoint/2010/main" val="3002191971"/>
+        <p14:creationId xmlns:p14="http://schemas.microsoft.com/office/powerpoint/2010/main" val="1312878776"/>
       </p:ext>
     </p:extLst>
   </p:cSld>
   <p:clrMapOvr>
     <a:masterClrMapping/>
   </p:clrMapOvr>
+  <p:timing>
+    <p:tnLst>
+      <p:par>
+        <p:cTn xmlns:p14="http://schemas.microsoft.com/office/powerpoint/2010/main" id="1" dur="indefinite" restart="never" nodeType="tmRoot"/>
+      </p:par>
+    </p:tnLst>
+  </p:timing>
 </p:sld>
 </file>
 
@@ -5871,9 +5888,10 @@
           <a:lstStyle/>
           <a:p>
             <a:r>
-              <a:rPr lang="en-US" sz="3600" dirty="0"/>
+              <a:rPr lang="en-US" sz="3600" dirty="0" smtClean="0"/>
               <a:t>Outline</a:t>
             </a:r>
+            <a:endParaRPr lang="en-US" sz="3600" dirty="0"/>
           </a:p>
         </p:txBody>
       </p:sp>
@@ -5889,52 +5907,99 @@
         </p:nvSpPr>
         <p:spPr>
           <a:xfrm>
-            <a:off x="581671" y="1209801"/>
-            <a:ext cx="8562329" cy="3394472"/>
+            <a:off x="581671" y="1209800"/>
+            <a:ext cx="8562329" cy="3933699"/>
           </a:xfrm>
         </p:spPr>
         <p:txBody>
           <a:bodyPr>
-            <a:normAutofit fontScale="85000" lnSpcReduction="20000"/>
+            <a:normAutofit fontScale="92500" lnSpcReduction="10000"/>
           </a:bodyPr>
           <a:lstStyle/>
           <a:p>
-            <a:r>
-              <a:rPr lang="en-US" sz="3300" dirty="0"/>
+            <a:pPr>
+              <a:lnSpc>
+                <a:spcPct val="110000"/>
+              </a:lnSpc>
+            </a:pPr>
+            <a:r>
+              <a:rPr lang="en-US" sz="2800" dirty="0" smtClean="0"/>
               <a:t>Introduction</a:t>
             </a:r>
           </a:p>
           <a:p>
-            <a:r>
-              <a:rPr lang="en-US" sz="3300" dirty="0"/>
+            <a:pPr>
+              <a:lnSpc>
+                <a:spcPct val="110000"/>
+              </a:lnSpc>
+            </a:pPr>
+            <a:r>
+              <a:rPr lang="en-US" sz="2800" dirty="0" smtClean="0"/>
               <a:t>Data processing</a:t>
             </a:r>
-          </a:p>
-          <a:p>
-            <a:r>
-              <a:rPr lang="en-US" sz="3300" dirty="0"/>
-              <a:t>Comparisons of the two samples</a:t>
-            </a:r>
-          </a:p>
-          <a:p>
-            <a:r>
-              <a:rPr lang="en-US" sz="3300" dirty="0"/>
-              <a:t>Exploratory data analysis</a:t>
-            </a:r>
-          </a:p>
-          <a:p>
-            <a:r>
-              <a:rPr lang="en-US" sz="3300" dirty="0"/>
+            <a:endParaRPr lang="en-US" sz="2800" dirty="0"/>
+          </a:p>
+          <a:p>
+            <a:pPr>
+              <a:lnSpc>
+                <a:spcPct val="110000"/>
+              </a:lnSpc>
+            </a:pPr>
+            <a:r>
+              <a:rPr lang="en-US" sz="2800" dirty="0" smtClean="0"/>
+              <a:t>Comparisons of the two </a:t>
+            </a:r>
+            <a:r>
+              <a:rPr lang="en-US" sz="2800" dirty="0"/>
+              <a:t>s</a:t>
+            </a:r>
+            <a:r>
+              <a:rPr lang="en-US" sz="2800" dirty="0" smtClean="0"/>
+              <a:t>amples</a:t>
+            </a:r>
+          </a:p>
+          <a:p>
+            <a:pPr>
+              <a:lnSpc>
+                <a:spcPct val="110000"/>
+              </a:lnSpc>
+            </a:pPr>
+            <a:r>
+              <a:rPr lang="en-US" sz="2800" dirty="0" smtClean="0"/>
+              <a:t>Exploratory data </a:t>
+            </a:r>
+            <a:r>
+              <a:rPr lang="en-US" sz="2800" dirty="0"/>
+              <a:t>a</a:t>
+            </a:r>
+            <a:r>
+              <a:rPr lang="en-US" sz="2800" dirty="0" smtClean="0"/>
+              <a:t>nalysis</a:t>
+            </a:r>
+          </a:p>
+          <a:p>
+            <a:pPr>
+              <a:lnSpc>
+                <a:spcPct val="110000"/>
+              </a:lnSpc>
+            </a:pPr>
+            <a:r>
+              <a:rPr lang="en-US" sz="2800" dirty="0" smtClean="0"/>
               <a:t>Data Modeling</a:t>
             </a:r>
           </a:p>
           <a:p>
-            <a:r>
-              <a:rPr lang="en-US" sz="3300" dirty="0"/>
+            <a:pPr>
+              <a:lnSpc>
+                <a:spcPct val="110000"/>
+              </a:lnSpc>
+            </a:pPr>
+            <a:r>
+              <a:rPr lang="en-US" sz="2800" dirty="0" smtClean="0"/>
               <a:t>Application of model to determine a </a:t>
             </a:r>
             <a:r>
-              <a:rPr lang="en-US" sz="3300" dirty="0">
+              <a:rPr lang="en-US" sz="2800" dirty="0" smtClean="0">
                 <a:solidFill>
                   <a:srgbClr val="FF0000"/>
                 </a:solidFill>
@@ -5943,42 +6008,82 @@
             </a:r>
           </a:p>
           <a:p>
-            <a:r>
-              <a:rPr lang="en-US" sz="3300" dirty="0"/>
-              <a:t>Conclusions</a:t>
-            </a:r>
+            <a:pPr>
+              <a:lnSpc>
+                <a:spcPct val="110000"/>
+              </a:lnSpc>
+            </a:pPr>
+            <a:r>
+              <a:rPr lang="en-US" sz="2800" dirty="0" smtClean="0"/>
+              <a:t>Conclusions </a:t>
+            </a:r>
+            <a:endParaRPr lang="en-US" sz="2800" dirty="0" smtClean="0"/>
           </a:p>
           <a:p>
             <a:pPr marL="0" indent="0">
+              <a:lnSpc>
+                <a:spcPct val="110000"/>
+              </a:lnSpc>
               <a:buNone/>
             </a:pPr>
-            <a:endParaRPr lang="en-US" dirty="0"/>
+            <a:endParaRPr lang="en-US" dirty="0" smtClean="0"/>
           </a:p>
           <a:p>
             <a:pPr marL="0" indent="0">
+              <a:lnSpc>
+                <a:spcPct val="110000"/>
+              </a:lnSpc>
               <a:buNone/>
             </a:pPr>
+            <a:endParaRPr lang="en-US" dirty="0" smtClean="0"/>
+          </a:p>
+          <a:p>
+            <a:pPr>
+              <a:lnSpc>
+                <a:spcPct val="110000"/>
+              </a:lnSpc>
+            </a:pPr>
             <a:endParaRPr lang="en-US" dirty="0"/>
           </a:p>
           <a:p>
-            <a:endParaRPr lang="en-US" dirty="0"/>
-          </a:p>
-          <a:p>
-            <a:endParaRPr lang="en-US" dirty="0"/>
-          </a:p>
-          <a:p>
-            <a:endParaRPr lang="en-US" dirty="0"/>
+            <a:pPr>
+              <a:lnSpc>
+                <a:spcPct val="110000"/>
+              </a:lnSpc>
+            </a:pPr>
+            <a:endParaRPr lang="en-US" dirty="0" smtClean="0"/>
+          </a:p>
+          <a:p>
+            <a:pPr>
+              <a:lnSpc>
+                <a:spcPct val="110000"/>
+              </a:lnSpc>
+            </a:pPr>
+            <a:endParaRPr lang="en-US" dirty="0" smtClean="0"/>
           </a:p>
           <a:p>
             <a:pPr marL="0" indent="0">
+              <a:lnSpc>
+                <a:spcPct val="110000"/>
+              </a:lnSpc>
               <a:buNone/>
             </a:pPr>
+            <a:endParaRPr lang="en-US" dirty="0" smtClean="0"/>
+          </a:p>
+          <a:p>
+            <a:pPr>
+              <a:lnSpc>
+                <a:spcPct val="110000"/>
+              </a:lnSpc>
+            </a:pPr>
             <a:endParaRPr lang="en-US" dirty="0"/>
           </a:p>
           <a:p>
-            <a:endParaRPr lang="en-US" dirty="0"/>
-          </a:p>
-          <a:p>
+            <a:pPr>
+              <a:lnSpc>
+                <a:spcPct val="110000"/>
+              </a:lnSpc>
+            </a:pPr>
             <a:endParaRPr lang="en-US" dirty="0"/>
           </a:p>
         </p:txBody>
@@ -5986,13 +6091,20 @@
     </p:spTree>
     <p:extLst>
       <p:ext uri="{BB962C8B-B14F-4D97-AF65-F5344CB8AC3E}">
-        <p14:creationId xmlns:p14="http://schemas.microsoft.com/office/powerpoint/2010/main" val="1851389802"/>
+        <p14:creationId xmlns:p14="http://schemas.microsoft.com/office/powerpoint/2010/main" val="1580487823"/>
       </p:ext>
     </p:extLst>
   </p:cSld>
   <p:clrMapOvr>
     <a:masterClrMapping/>
   </p:clrMapOvr>
+  <p:timing>
+    <p:tnLst>
+      <p:par>
+        <p:cTn xmlns:p14="http://schemas.microsoft.com/office/powerpoint/2010/main" id="1" dur="indefinite" restart="never" nodeType="tmRoot"/>
+      </p:par>
+    </p:tnLst>
+  </p:timing>
 </p:sld>
 </file>
 
@@ -6018,7 +6130,7 @@
           <p:cNvPr id="2" name="Title 1">
             <a:extLst>
               <a:ext uri="{FF2B5EF4-FFF2-40B4-BE49-F238E27FC236}">
-                <a16:creationId xmlns:a16="http://schemas.microsoft.com/office/drawing/2014/main" id="{BCF2C811-FC29-4ADB-A975-AE08695CE2EC}"/>
+                <a16:creationId xmlns:a16="http://schemas.microsoft.com/office/drawing/2014/main" xmlns="" id="{BCF2C811-FC29-4ADB-A975-AE08695CE2EC}"/>
               </a:ext>
             </a:extLst>
           </p:cNvPr>
@@ -6046,7 +6158,7 @@
           <p:cNvPr id="3" name="Content Placeholder 2">
             <a:extLst>
               <a:ext uri="{FF2B5EF4-FFF2-40B4-BE49-F238E27FC236}">
-                <a16:creationId xmlns:a16="http://schemas.microsoft.com/office/drawing/2014/main" id="{6A0C1EF8-B3FA-49AE-A46B-787C6C35737B}"/>
+                <a16:creationId xmlns:a16="http://schemas.microsoft.com/office/drawing/2014/main" xmlns="" id="{6A0C1EF8-B3FA-49AE-A46B-787C6C35737B}"/>
               </a:ext>
             </a:extLst>
           </p:cNvPr>
@@ -6104,7 +6216,7 @@
           <p:cNvPr id="2" name="Title 1">
             <a:extLst>
               <a:ext uri="{FF2B5EF4-FFF2-40B4-BE49-F238E27FC236}">
-                <a16:creationId xmlns:a16="http://schemas.microsoft.com/office/drawing/2014/main" id="{4928F543-7A5B-44C7-A079-B44B7B744AA0}"/>
+                <a16:creationId xmlns:a16="http://schemas.microsoft.com/office/drawing/2014/main" xmlns="" id="{4928F543-7A5B-44C7-A079-B44B7B744AA0}"/>
               </a:ext>
             </a:extLst>
           </p:cNvPr>
@@ -6117,11 +6229,13 @@
         </p:nvSpPr>
         <p:spPr/>
         <p:txBody>
-          <a:bodyPr/>
-          <a:lstStyle/>
-          <a:p>
-            <a:r>
-              <a:rPr lang="en-US" dirty="0"/>
+          <a:bodyPr>
+            <a:normAutofit/>
+          </a:bodyPr>
+          <a:lstStyle/>
+          <a:p>
+            <a:r>
+              <a:rPr lang="en-US" sz="3600" dirty="0"/>
               <a:t>Age and Price</a:t>
             </a:r>
           </a:p>
@@ -6132,7 +6246,7 @@
           <p:cNvPr id="3" name="Content Placeholder 2">
             <a:extLst>
               <a:ext uri="{FF2B5EF4-FFF2-40B4-BE49-F238E27FC236}">
-                <a16:creationId xmlns:a16="http://schemas.microsoft.com/office/drawing/2014/main" id="{791329C3-E2D1-48AD-9F85-B005BD1474ED}"/>
+                <a16:creationId xmlns:a16="http://schemas.microsoft.com/office/drawing/2014/main" xmlns="" id="{791329C3-E2D1-48AD-9F85-B005BD1474ED}"/>
               </a:ext>
             </a:extLst>
           </p:cNvPr>
@@ -6151,18 +6265,28 @@
         </p:spPr>
         <p:txBody>
           <a:bodyPr>
-            <a:normAutofit lnSpcReduction="10000"/>
+            <a:normAutofit/>
           </a:bodyPr>
           <a:lstStyle/>
           <a:p>
             <a:r>
-              <a:rPr lang="en-US" dirty="0"/>
-              <a:t>Respondents with higher price value or more willing to purchase</a:t>
-            </a:r>
-          </a:p>
-          <a:p>
-            <a:r>
-              <a:rPr lang="en-US" dirty="0"/>
+              <a:rPr lang="en-US" sz="2600" dirty="0"/>
+              <a:t>Respondents with higher price value or more willing to </a:t>
+            </a:r>
+            <a:r>
+              <a:rPr lang="en-US" sz="2600" dirty="0" smtClean="0"/>
+              <a:t>purchase</a:t>
+            </a:r>
+          </a:p>
+          <a:p>
+            <a:pPr marL="0" indent="0">
+              <a:buNone/>
+            </a:pPr>
+            <a:endParaRPr lang="en-US" sz="2600" dirty="0"/>
+          </a:p>
+          <a:p>
+            <a:r>
+              <a:rPr lang="en-US" sz="2600" dirty="0"/>
               <a:t>Older age demographic more willing to purchase.</a:t>
             </a:r>
           </a:p>
@@ -6173,7 +6297,7 @@
           <p:cNvPr id="10" name="Picture 9">
             <a:extLst>
               <a:ext uri="{FF2B5EF4-FFF2-40B4-BE49-F238E27FC236}">
-                <a16:creationId xmlns:a16="http://schemas.microsoft.com/office/drawing/2014/main" id="{61E038A8-5048-4FEA-B8F7-3D340BECCAD9}"/>
+                <a16:creationId xmlns:a16="http://schemas.microsoft.com/office/drawing/2014/main" xmlns="" id="{61E038A8-5048-4FEA-B8F7-3D340BECCAD9}"/>
               </a:ext>
             </a:extLst>
           </p:cNvPr>
@@ -6233,7 +6357,7 @@
           <p:cNvPr id="2" name="Title 1">
             <a:extLst>
               <a:ext uri="{FF2B5EF4-FFF2-40B4-BE49-F238E27FC236}">
-                <a16:creationId xmlns:a16="http://schemas.microsoft.com/office/drawing/2014/main" id="{B754F08E-CD41-4DA8-B30E-09AD23CCD7A8}"/>
+                <a16:creationId xmlns:a16="http://schemas.microsoft.com/office/drawing/2014/main" xmlns="" id="{B754F08E-CD41-4DA8-B30E-09AD23CCD7A8}"/>
               </a:ext>
             </a:extLst>
           </p:cNvPr>
@@ -6246,11 +6370,13 @@
         </p:nvSpPr>
         <p:spPr/>
         <p:txBody>
-          <a:bodyPr/>
-          <a:lstStyle/>
-          <a:p>
-            <a:r>
-              <a:rPr lang="en-US" dirty="0"/>
+          <a:bodyPr>
+            <a:normAutofit/>
+          </a:bodyPr>
+          <a:lstStyle/>
+          <a:p>
+            <a:r>
+              <a:rPr lang="en-US" sz="3600" dirty="0"/>
               <a:t>Default on Credit</a:t>
             </a:r>
           </a:p>
@@ -6261,7 +6387,7 @@
           <p:cNvPr id="7" name="Content Placeholder 6">
             <a:extLst>
               <a:ext uri="{FF2B5EF4-FFF2-40B4-BE49-F238E27FC236}">
-                <a16:creationId xmlns:a16="http://schemas.microsoft.com/office/drawing/2014/main" id="{21D0FDE8-9E68-477D-8F85-9C5F30F2AC49}"/>
+                <a16:creationId xmlns:a16="http://schemas.microsoft.com/office/drawing/2014/main" xmlns="" id="{21D0FDE8-9E68-477D-8F85-9C5F30F2AC49}"/>
               </a:ext>
             </a:extLst>
           </p:cNvPr>
@@ -6279,11 +6405,13 @@
           </a:xfrm>
         </p:spPr>
         <p:txBody>
-          <a:bodyPr/>
-          <a:lstStyle/>
-          <a:p>
-            <a:r>
-              <a:rPr lang="en-US" dirty="0"/>
+          <a:bodyPr>
+            <a:normAutofit/>
+          </a:bodyPr>
+          <a:lstStyle/>
+          <a:p>
+            <a:r>
+              <a:rPr lang="en-US" sz="2600" dirty="0"/>
               <a:t>Not defaulting on credit, improves likelihood of purchase</a:t>
             </a:r>
           </a:p>
@@ -6294,7 +6422,7 @@
           <p:cNvPr id="9" name="Picture 8">
             <a:extLst>
               <a:ext uri="{FF2B5EF4-FFF2-40B4-BE49-F238E27FC236}">
-                <a16:creationId xmlns:a16="http://schemas.microsoft.com/office/drawing/2014/main" id="{97FD963A-36EE-47B9-843A-F0D03AFB3A8B}"/>
+                <a16:creationId xmlns:a16="http://schemas.microsoft.com/office/drawing/2014/main" xmlns="" id="{97FD963A-36EE-47B9-843A-F0D03AFB3A8B}"/>
               </a:ext>
             </a:extLst>
           </p:cNvPr>
@@ -6354,7 +6482,7 @@
           <p:cNvPr id="2" name="Title 1">
             <a:extLst>
               <a:ext uri="{FF2B5EF4-FFF2-40B4-BE49-F238E27FC236}">
-                <a16:creationId xmlns:a16="http://schemas.microsoft.com/office/drawing/2014/main" id="{5BCE32FE-4C6E-436C-9CA2-9A55BDDDF5F4}"/>
+                <a16:creationId xmlns:a16="http://schemas.microsoft.com/office/drawing/2014/main" xmlns="" id="{5BCE32FE-4C6E-436C-9CA2-9A55BDDDF5F4}"/>
               </a:ext>
             </a:extLst>
           </p:cNvPr>
@@ -6367,11 +6495,13 @@
         </p:nvSpPr>
         <p:spPr/>
         <p:txBody>
-          <a:bodyPr/>
-          <a:lstStyle/>
-          <a:p>
-            <a:r>
-              <a:rPr lang="en-US" dirty="0"/>
+          <a:bodyPr>
+            <a:normAutofit/>
+          </a:bodyPr>
+          <a:lstStyle/>
+          <a:p>
+            <a:r>
+              <a:rPr lang="en-US" sz="3600" dirty="0"/>
               <a:t>Non-mortgage Loan Status</a:t>
             </a:r>
           </a:p>
@@ -6382,7 +6512,7 @@
           <p:cNvPr id="3" name="Content Placeholder 2">
             <a:extLst>
               <a:ext uri="{FF2B5EF4-FFF2-40B4-BE49-F238E27FC236}">
-                <a16:creationId xmlns:a16="http://schemas.microsoft.com/office/drawing/2014/main" id="{BB0AF09D-15C9-4A10-ABCF-A1551D0E999F}"/>
+                <a16:creationId xmlns:a16="http://schemas.microsoft.com/office/drawing/2014/main" xmlns="" id="{BB0AF09D-15C9-4A10-ABCF-A1551D0E999F}"/>
               </a:ext>
             </a:extLst>
           </p:cNvPr>
@@ -6395,24 +6525,34 @@
         </p:nvSpPr>
         <p:spPr>
           <a:xfrm>
-            <a:off x="6234544" y="1200151"/>
-            <a:ext cx="2452255" cy="3737370"/>
+            <a:off x="6234544" y="1200150"/>
+            <a:ext cx="2742560" cy="4020685"/>
           </a:xfrm>
         </p:spPr>
         <p:txBody>
           <a:bodyPr>
-            <a:normAutofit fontScale="92500" lnSpcReduction="20000"/>
+            <a:normAutofit/>
           </a:bodyPr>
           <a:lstStyle/>
           <a:p>
             <a:r>
-              <a:rPr lang="en-US" dirty="0"/>
-              <a:t>People without loans more willing to purchase</a:t>
-            </a:r>
-          </a:p>
-          <a:p>
-            <a:r>
-              <a:rPr lang="en-US" dirty="0"/>
+              <a:rPr lang="en-US" sz="2600" dirty="0"/>
+              <a:t>People without loans more willing to </a:t>
+            </a:r>
+            <a:r>
+              <a:rPr lang="en-US" sz="2600" dirty="0" smtClean="0"/>
+              <a:t>purchase</a:t>
+            </a:r>
+          </a:p>
+          <a:p>
+            <a:pPr marL="0" indent="0">
+              <a:buNone/>
+            </a:pPr>
+            <a:endParaRPr lang="en-US" sz="2600" dirty="0"/>
+          </a:p>
+          <a:p>
+            <a:r>
+              <a:rPr lang="en-US" sz="2600" dirty="0"/>
               <a:t>Financial freedom improves likelihood</a:t>
             </a:r>
           </a:p>
@@ -6423,7 +6563,7 @@
           <p:cNvPr id="7" name="Picture 6">
             <a:extLst>
               <a:ext uri="{FF2B5EF4-FFF2-40B4-BE49-F238E27FC236}">
-                <a16:creationId xmlns:a16="http://schemas.microsoft.com/office/drawing/2014/main" id="{EB6D8B6B-AB20-437B-B184-A74A2D609BC5}"/>
+                <a16:creationId xmlns:a16="http://schemas.microsoft.com/office/drawing/2014/main" xmlns="" id="{EB6D8B6B-AB20-437B-B184-A74A2D609BC5}"/>
               </a:ext>
             </a:extLst>
           </p:cNvPr>
@@ -6483,7 +6623,7 @@
           <p:cNvPr id="2" name="Title 1">
             <a:extLst>
               <a:ext uri="{FF2B5EF4-FFF2-40B4-BE49-F238E27FC236}">
-                <a16:creationId xmlns:a16="http://schemas.microsoft.com/office/drawing/2014/main" id="{9D6DC599-D44E-4B12-9C01-600C753AA370}"/>
+                <a16:creationId xmlns:a16="http://schemas.microsoft.com/office/drawing/2014/main" xmlns="" id="{9D6DC599-D44E-4B12-9C01-600C753AA370}"/>
               </a:ext>
             </a:extLst>
           </p:cNvPr>
@@ -6496,11 +6636,13 @@
         </p:nvSpPr>
         <p:spPr/>
         <p:txBody>
-          <a:bodyPr/>
-          <a:lstStyle/>
-          <a:p>
-            <a:r>
-              <a:rPr lang="en-US" dirty="0"/>
+          <a:bodyPr>
+            <a:normAutofit/>
+          </a:bodyPr>
+          <a:lstStyle/>
+          <a:p>
+            <a:r>
+              <a:rPr lang="en-US" sz="3600" dirty="0"/>
               <a:t>Level of Education</a:t>
             </a:r>
           </a:p>
@@ -6511,7 +6653,7 @@
           <p:cNvPr id="3" name="Content Placeholder 2">
             <a:extLst>
               <a:ext uri="{FF2B5EF4-FFF2-40B4-BE49-F238E27FC236}">
-                <a16:creationId xmlns:a16="http://schemas.microsoft.com/office/drawing/2014/main" id="{C6F1A9E0-F282-45D0-8CF1-DD995CD7E9BA}"/>
+                <a16:creationId xmlns:a16="http://schemas.microsoft.com/office/drawing/2014/main" xmlns="" id="{C6F1A9E0-F282-45D0-8CF1-DD995CD7E9BA}"/>
               </a:ext>
             </a:extLst>
           </p:cNvPr>
@@ -6529,11 +6671,13 @@
           </a:xfrm>
         </p:spPr>
         <p:txBody>
-          <a:bodyPr/>
-          <a:lstStyle/>
-          <a:p>
-            <a:r>
-              <a:rPr lang="en-US" dirty="0"/>
+          <a:bodyPr>
+            <a:normAutofit/>
+          </a:bodyPr>
+          <a:lstStyle/>
+          <a:p>
+            <a:r>
+              <a:rPr lang="en-US" sz="2600" dirty="0"/>
               <a:t>Individuals with tertiary and secondary education are more likely to purchase.</a:t>
             </a:r>
           </a:p>
@@ -6544,7 +6688,7 @@
           <p:cNvPr id="7" name="Picture 6">
             <a:extLst>
               <a:ext uri="{FF2B5EF4-FFF2-40B4-BE49-F238E27FC236}">
-                <a16:creationId xmlns:a16="http://schemas.microsoft.com/office/drawing/2014/main" id="{3F8B4E09-C317-42E8-ADBC-259E60CB77C8}"/>
+                <a16:creationId xmlns:a16="http://schemas.microsoft.com/office/drawing/2014/main" xmlns="" id="{3F8B4E09-C317-42E8-ADBC-259E60CB77C8}"/>
               </a:ext>
             </a:extLst>
           </p:cNvPr>
@@ -6604,7 +6748,7 @@
           <p:cNvPr id="2" name="Title 1">
             <a:extLst>
               <a:ext uri="{FF2B5EF4-FFF2-40B4-BE49-F238E27FC236}">
-                <a16:creationId xmlns:a16="http://schemas.microsoft.com/office/drawing/2014/main" id="{907DE251-AA4B-4623-AD34-FAD44A85AA02}"/>
+                <a16:creationId xmlns:a16="http://schemas.microsoft.com/office/drawing/2014/main" xmlns="" id="{907DE251-AA4B-4623-AD34-FAD44A85AA02}"/>
               </a:ext>
             </a:extLst>
           </p:cNvPr>
@@ -6617,11 +6761,13 @@
         </p:nvSpPr>
         <p:spPr/>
         <p:txBody>
-          <a:bodyPr/>
-          <a:lstStyle/>
-          <a:p>
-            <a:r>
-              <a:rPr lang="en-US" dirty="0"/>
+          <a:bodyPr>
+            <a:normAutofit/>
+          </a:bodyPr>
+          <a:lstStyle/>
+          <a:p>
+            <a:r>
+              <a:rPr lang="en-US" sz="3600" dirty="0"/>
               <a:t>Non-informative Variables</a:t>
             </a:r>
           </a:p>
@@ -6632,7 +6778,7 @@
           <p:cNvPr id="3" name="Content Placeholder 2">
             <a:extLst>
               <a:ext uri="{FF2B5EF4-FFF2-40B4-BE49-F238E27FC236}">
-                <a16:creationId xmlns:a16="http://schemas.microsoft.com/office/drawing/2014/main" id="{BC73E3A6-297C-4211-9EB0-B7621FA1F8B4}"/>
+                <a16:creationId xmlns:a16="http://schemas.microsoft.com/office/drawing/2014/main" xmlns="" id="{BC73E3A6-297C-4211-9EB0-B7621FA1F8B4}"/>
               </a:ext>
             </a:extLst>
           </p:cNvPr>
@@ -6646,16 +6792,26 @@
         <p:spPr>
           <a:xfrm>
             <a:off x="5347854" y="1200151"/>
-            <a:ext cx="3338945" cy="3394472"/>
+            <a:ext cx="3574975" cy="3394472"/>
           </a:xfrm>
         </p:spPr>
         <p:txBody>
-          <a:bodyPr/>
-          <a:lstStyle/>
-          <a:p>
-            <a:r>
-              <a:rPr lang="en-US" dirty="0"/>
-              <a:t>Marital Status shows little to no difference in difference in proportions.</a:t>
+          <a:bodyPr>
+            <a:normAutofit/>
+          </a:bodyPr>
+          <a:lstStyle/>
+          <a:p>
+            <a:r>
+              <a:rPr lang="en-US" sz="2600" dirty="0"/>
+              <a:t>Marital Status shows little to </a:t>
+            </a:r>
+            <a:r>
+              <a:rPr lang="en-US" sz="2600" dirty="0" smtClean="0"/>
+              <a:t>no difference </a:t>
+            </a:r>
+            <a:r>
+              <a:rPr lang="en-US" sz="2600" dirty="0"/>
+              <a:t>in difference in proportions.</a:t>
             </a:r>
           </a:p>
         </p:txBody>
@@ -6665,7 +6821,7 @@
           <p:cNvPr id="7" name="Picture 6">
             <a:extLst>
               <a:ext uri="{FF2B5EF4-FFF2-40B4-BE49-F238E27FC236}">
-                <a16:creationId xmlns:a16="http://schemas.microsoft.com/office/drawing/2014/main" id="{C70AAB59-4935-4E83-A26D-038F526A068E}"/>
+                <a16:creationId xmlns:a16="http://schemas.microsoft.com/office/drawing/2014/main" xmlns="" id="{C70AAB59-4935-4E83-A26D-038F526A068E}"/>
               </a:ext>
             </a:extLst>
           </p:cNvPr>
@@ -6725,7 +6881,7 @@
           <p:cNvPr id="2" name="Title 1">
             <a:extLst>
               <a:ext uri="{FF2B5EF4-FFF2-40B4-BE49-F238E27FC236}">
-                <a16:creationId xmlns:a16="http://schemas.microsoft.com/office/drawing/2014/main" id="{1B48AC63-00A3-41EF-BF2F-85D07338D62B}"/>
+                <a16:creationId xmlns:a16="http://schemas.microsoft.com/office/drawing/2014/main" xmlns="" id="{1B48AC63-00A3-41EF-BF2F-85D07338D62B}"/>
               </a:ext>
             </a:extLst>
           </p:cNvPr>
@@ -6742,8 +6898,12 @@
           <a:lstStyle/>
           <a:p>
             <a:r>
+              <a:rPr lang="en-US" sz="3600" dirty="0"/>
+              <a:t>Job</a:t>
+            </a:r>
+            <a:r>
               <a:rPr lang="en-US" dirty="0"/>
-              <a:t>Job </a:t>
+              <a:t> </a:t>
             </a:r>
           </a:p>
         </p:txBody>
@@ -6753,7 +6913,7 @@
           <p:cNvPr id="5" name="Picture 4">
             <a:extLst>
               <a:ext uri="{FF2B5EF4-FFF2-40B4-BE49-F238E27FC236}">
-                <a16:creationId xmlns:a16="http://schemas.microsoft.com/office/drawing/2014/main" id="{9B8F4216-2D2D-41E6-BC8F-675E9C2E9798}"/>
+                <a16:creationId xmlns:a16="http://schemas.microsoft.com/office/drawing/2014/main" xmlns="" id="{9B8F4216-2D2D-41E6-BC8F-675E9C2E9798}"/>
               </a:ext>
             </a:extLst>
           </p:cNvPr>
@@ -6813,7 +6973,7 @@
           <p:cNvPr id="2" name="Title 1">
             <a:extLst>
               <a:ext uri="{FF2B5EF4-FFF2-40B4-BE49-F238E27FC236}">
-                <a16:creationId xmlns:a16="http://schemas.microsoft.com/office/drawing/2014/main" id="{166BF736-152A-42E1-87E7-816FE1385869}"/>
+                <a16:creationId xmlns:a16="http://schemas.microsoft.com/office/drawing/2014/main" xmlns="" id="{166BF736-152A-42E1-87E7-816FE1385869}"/>
               </a:ext>
             </a:extLst>
           </p:cNvPr>
@@ -6826,11 +6986,13 @@
         </p:nvSpPr>
         <p:spPr/>
         <p:txBody>
-          <a:bodyPr/>
-          <a:lstStyle/>
-          <a:p>
-            <a:r>
-              <a:rPr lang="en-US" dirty="0"/>
+          <a:bodyPr>
+            <a:normAutofit/>
+          </a:bodyPr>
+          <a:lstStyle/>
+          <a:p>
+            <a:r>
+              <a:rPr lang="en-US" sz="3600" dirty="0"/>
               <a:t>Modeling Process</a:t>
             </a:r>
           </a:p>
@@ -6841,7 +7003,7 @@
           <p:cNvPr id="3" name="Content Placeholder 2">
             <a:extLst>
               <a:ext uri="{FF2B5EF4-FFF2-40B4-BE49-F238E27FC236}">
-                <a16:creationId xmlns:a16="http://schemas.microsoft.com/office/drawing/2014/main" id="{ED8D196D-690F-4619-8922-72AC795D0ECC}"/>
+                <a16:creationId xmlns:a16="http://schemas.microsoft.com/office/drawing/2014/main" xmlns="" id="{ED8D196D-690F-4619-8922-72AC795D0ECC}"/>
               </a:ext>
             </a:extLst>
           </p:cNvPr>
@@ -6852,27 +7014,46 @@
             <p:ph idx="1"/>
           </p:nvPr>
         </p:nvSpPr>
-        <p:spPr/>
+        <p:spPr>
+          <a:xfrm>
+            <a:off x="457200" y="1200151"/>
+            <a:ext cx="8229600" cy="3771040"/>
+          </a:xfrm>
+        </p:spPr>
         <p:txBody>
           <a:bodyPr>
-            <a:normAutofit lnSpcReduction="10000"/>
+            <a:normAutofit/>
           </a:bodyPr>
           <a:lstStyle/>
           <a:p>
             <a:r>
-              <a:rPr lang="en-US" dirty="0"/>
-              <a:t>Selected variables Age, default, loan status, and education.</a:t>
-            </a:r>
-          </a:p>
-          <a:p>
-            <a:r>
-              <a:rPr lang="en-US" dirty="0"/>
-              <a:t>Only 15 possible models when considering to include variable or not.</a:t>
-            </a:r>
-          </a:p>
-          <a:p>
-            <a:r>
-              <a:rPr lang="en-US" dirty="0"/>
+              <a:rPr lang="en-US" sz="2600" dirty="0"/>
+              <a:t>Selected variables Age, default, loan status, and education</a:t>
+            </a:r>
+            <a:r>
+              <a:rPr lang="en-US" sz="2600" dirty="0" smtClean="0"/>
+              <a:t>.</a:t>
+            </a:r>
+          </a:p>
+          <a:p>
+            <a:endParaRPr lang="en-US" sz="2600" dirty="0"/>
+          </a:p>
+          <a:p>
+            <a:r>
+              <a:rPr lang="en-US" sz="2600" dirty="0"/>
+              <a:t>Only 15 possible models when considering to include variable or not</a:t>
+            </a:r>
+            <a:r>
+              <a:rPr lang="en-US" sz="2600" dirty="0" smtClean="0"/>
+              <a:t>.</a:t>
+            </a:r>
+          </a:p>
+          <a:p>
+            <a:endParaRPr lang="en-US" sz="2600" dirty="0"/>
+          </a:p>
+          <a:p>
+            <a:r>
+              <a:rPr lang="en-US" sz="2600" dirty="0"/>
               <a:t>We tried every model picking the best one, using cross-validation to ensure we did not overfit.</a:t>
             </a:r>
           </a:p>
@@ -6913,7 +7094,7 @@
           <p:cNvPr id="2" name="Title 1">
             <a:extLst>
               <a:ext uri="{FF2B5EF4-FFF2-40B4-BE49-F238E27FC236}">
-                <a16:creationId xmlns:a16="http://schemas.microsoft.com/office/drawing/2014/main" id="{CBF33E67-D1E4-4F72-9922-FD7DFB02B3DF}"/>
+                <a16:creationId xmlns:a16="http://schemas.microsoft.com/office/drawing/2014/main" xmlns="" id="{CBF33E67-D1E4-4F72-9922-FD7DFB02B3DF}"/>
               </a:ext>
             </a:extLst>
           </p:cNvPr>
@@ -6926,11 +7107,13 @@
         </p:nvSpPr>
         <p:spPr/>
         <p:txBody>
-          <a:bodyPr/>
-          <a:lstStyle/>
-          <a:p>
-            <a:r>
-              <a:rPr lang="en-US" dirty="0"/>
+          <a:bodyPr>
+            <a:normAutofit/>
+          </a:bodyPr>
+          <a:lstStyle/>
+          <a:p>
+            <a:r>
+              <a:rPr lang="en-US" sz="3600" dirty="0"/>
               <a:t>Model Results</a:t>
             </a:r>
           </a:p>
@@ -6941,7 +7124,7 @@
           <p:cNvPr id="3" name="Content Placeholder 2">
             <a:extLst>
               <a:ext uri="{FF2B5EF4-FFF2-40B4-BE49-F238E27FC236}">
-                <a16:creationId xmlns:a16="http://schemas.microsoft.com/office/drawing/2014/main" id="{ED274ED1-0472-4B33-92A9-670A14201F89}"/>
+                <a16:creationId xmlns:a16="http://schemas.microsoft.com/office/drawing/2014/main" xmlns="" id="{ED274ED1-0472-4B33-92A9-670A14201F89}"/>
               </a:ext>
             </a:extLst>
           </p:cNvPr>
@@ -6960,12 +7143,12 @@
         </p:spPr>
         <p:txBody>
           <a:bodyPr>
-            <a:normAutofit lnSpcReduction="10000"/>
+            <a:normAutofit/>
           </a:bodyPr>
           <a:lstStyle/>
           <a:p>
             <a:r>
-              <a:rPr lang="en-US" dirty="0"/>
+              <a:rPr lang="en-US" sz="2600" dirty="0"/>
               <a:t>Tertiary educated individuals without a loan will be the most likely group to advertise to.</a:t>
             </a:r>
           </a:p>
@@ -6976,7 +7159,7 @@
           <p:cNvPr id="5" name="Picture 4">
             <a:extLst>
               <a:ext uri="{FF2B5EF4-FFF2-40B4-BE49-F238E27FC236}">
-                <a16:creationId xmlns:a16="http://schemas.microsoft.com/office/drawing/2014/main" id="{D33F2666-A712-47CB-8AEF-65D1D9117C36}"/>
+                <a16:creationId xmlns:a16="http://schemas.microsoft.com/office/drawing/2014/main" xmlns="" id="{D33F2666-A712-47CB-8AEF-65D1D9117C36}"/>
               </a:ext>
             </a:extLst>
           </p:cNvPr>
@@ -7006,7 +7189,7 @@
           <p:cNvPr id="7" name="Picture 6">
             <a:extLst>
               <a:ext uri="{FF2B5EF4-FFF2-40B4-BE49-F238E27FC236}">
-                <a16:creationId xmlns:a16="http://schemas.microsoft.com/office/drawing/2014/main" id="{8B0360A7-1474-411C-A1EB-0122A406DB41}"/>
+                <a16:creationId xmlns:a16="http://schemas.microsoft.com/office/drawing/2014/main" xmlns="" id="{8B0360A7-1474-411C-A1EB-0122A406DB41}"/>
               </a:ext>
             </a:extLst>
           </p:cNvPr>
@@ -7066,7 +7249,7 @@
           <p:cNvPr id="2" name="Title 1">
             <a:extLst>
               <a:ext uri="{FF2B5EF4-FFF2-40B4-BE49-F238E27FC236}">
-                <a16:creationId xmlns:a16="http://schemas.microsoft.com/office/drawing/2014/main" id="{97B47588-85B7-4CB8-975E-E0F14196A17C}"/>
+                <a16:creationId xmlns:a16="http://schemas.microsoft.com/office/drawing/2014/main" xmlns="" id="{97B47588-85B7-4CB8-975E-E0F14196A17C}"/>
               </a:ext>
             </a:extLst>
           </p:cNvPr>
@@ -7079,11 +7262,13 @@
         </p:nvSpPr>
         <p:spPr/>
         <p:txBody>
-          <a:bodyPr/>
-          <a:lstStyle/>
-          <a:p>
-            <a:r>
-              <a:rPr lang="en-US" dirty="0"/>
+          <a:bodyPr>
+            <a:normAutofit/>
+          </a:bodyPr>
+          <a:lstStyle/>
+          <a:p>
+            <a:r>
+              <a:rPr lang="en-US" sz="3600" dirty="0"/>
               <a:t>The estimated Response Rate</a:t>
             </a:r>
           </a:p>
@@ -7094,7 +7279,7 @@
           <p:cNvPr id="3" name="Content Placeholder 2">
             <a:extLst>
               <a:ext uri="{FF2B5EF4-FFF2-40B4-BE49-F238E27FC236}">
-                <a16:creationId xmlns:a16="http://schemas.microsoft.com/office/drawing/2014/main" id="{87C640BF-8586-4924-8AE5-1B6D92039785}"/>
+                <a16:creationId xmlns:a16="http://schemas.microsoft.com/office/drawing/2014/main" xmlns="" id="{87C640BF-8586-4924-8AE5-1B6D92039785}"/>
               </a:ext>
             </a:extLst>
           </p:cNvPr>
@@ -7107,30 +7292,49 @@
         </p:nvSpPr>
         <p:spPr/>
         <p:txBody>
-          <a:bodyPr/>
-          <a:lstStyle/>
-          <a:p>
-            <a:r>
-              <a:rPr lang="en-US" dirty="0"/>
-              <a:t>We withheld 50% of our data to test our model against.</a:t>
-            </a:r>
-          </a:p>
-          <a:p>
-            <a:r>
-              <a:rPr lang="en-US" dirty="0"/>
-              <a:t>For every observation, the model gave a predicted probability of a purchase.</a:t>
-            </a:r>
-          </a:p>
-          <a:p>
-            <a:r>
-              <a:rPr lang="en-US" dirty="0"/>
+          <a:bodyPr>
+            <a:normAutofit/>
+          </a:bodyPr>
+          <a:lstStyle/>
+          <a:p>
+            <a:r>
+              <a:rPr lang="en-US" sz="2600" dirty="0"/>
+              <a:t>We withheld 50% of our data to test our model against</a:t>
+            </a:r>
+            <a:r>
+              <a:rPr lang="en-US" sz="2600" dirty="0" smtClean="0"/>
+              <a:t>.</a:t>
+            </a:r>
+          </a:p>
+          <a:p>
+            <a:pPr marL="0" indent="0">
+              <a:buNone/>
+            </a:pPr>
+            <a:endParaRPr lang="en-US" sz="2600" dirty="0"/>
+          </a:p>
+          <a:p>
+            <a:r>
+              <a:rPr lang="en-US" sz="2600" dirty="0"/>
+              <a:t>For every observation, the model gave a predicted probability of a purchase</a:t>
+            </a:r>
+            <a:r>
+              <a:rPr lang="en-US" sz="2600" dirty="0" smtClean="0"/>
+              <a:t>.</a:t>
+            </a:r>
+          </a:p>
+          <a:p>
+            <a:endParaRPr lang="en-US" sz="2600" dirty="0"/>
+          </a:p>
+          <a:p>
+            <a:r>
+              <a:rPr lang="en-US" sz="2600" dirty="0"/>
               <a:t>From these probabilities we have an estimated favorable response rate of </a:t>
             </a:r>
             <a:r>
-              <a:rPr lang="en-US" b="1" dirty="0"/>
+              <a:rPr lang="en-US" sz="2600" b="1" dirty="0"/>
               <a:t>12.14%</a:t>
             </a:r>
-            <a:endParaRPr lang="en-US" dirty="0"/>
+            <a:endParaRPr lang="en-US" sz="2600" dirty="0"/>
           </a:p>
         </p:txBody>
       </p:sp>
@@ -7349,7 +7553,7 @@
           <p:cNvPr id="2" name="Title 1">
             <a:extLst>
               <a:ext uri="{FF2B5EF4-FFF2-40B4-BE49-F238E27FC236}">
-                <a16:creationId xmlns:a16="http://schemas.microsoft.com/office/drawing/2014/main" id="{7D434CF8-E195-42CE-B212-9EA8D02B832C}"/>
+                <a16:creationId xmlns:a16="http://schemas.microsoft.com/office/drawing/2014/main" xmlns="" id="{7D434CF8-E195-42CE-B212-9EA8D02B832C}"/>
               </a:ext>
             </a:extLst>
           </p:cNvPr>
@@ -7362,11 +7566,13 @@
         </p:nvSpPr>
         <p:spPr/>
         <p:txBody>
-          <a:bodyPr/>
-          <a:lstStyle/>
-          <a:p>
-            <a:r>
-              <a:rPr lang="en-US" dirty="0"/>
+          <a:bodyPr>
+            <a:normAutofit/>
+          </a:bodyPr>
+          <a:lstStyle/>
+          <a:p>
+            <a:r>
+              <a:rPr lang="en-US" sz="3600" dirty="0"/>
               <a:t>Suggested MSRP</a:t>
             </a:r>
           </a:p>
@@ -7377,7 +7583,7 @@
           <p:cNvPr id="3" name="Content Placeholder 2">
             <a:extLst>
               <a:ext uri="{FF2B5EF4-FFF2-40B4-BE49-F238E27FC236}">
-                <a16:creationId xmlns:a16="http://schemas.microsoft.com/office/drawing/2014/main" id="{FA73F023-068B-4042-B992-92FE4B4B44D3}"/>
+                <a16:creationId xmlns:a16="http://schemas.microsoft.com/office/drawing/2014/main" xmlns="" id="{FA73F023-068B-4042-B992-92FE4B4B44D3}"/>
               </a:ext>
             </a:extLst>
           </p:cNvPr>
@@ -7390,16 +7596,18 @@
         </p:nvSpPr>
         <p:spPr>
           <a:xfrm>
-            <a:off x="5689599" y="1063229"/>
-            <a:ext cx="3341053" cy="3874292"/>
+            <a:off x="5623345" y="1063229"/>
+            <a:ext cx="3624011" cy="3874292"/>
           </a:xfrm>
         </p:spPr>
         <p:txBody>
-          <a:bodyPr/>
-          <a:lstStyle/>
-          <a:p>
-            <a:r>
-              <a:rPr lang="en-US" dirty="0"/>
+          <a:bodyPr>
+            <a:normAutofit/>
+          </a:bodyPr>
+          <a:lstStyle/>
+          <a:p>
+            <a:r>
+              <a:rPr lang="en-US" sz="2600" dirty="0"/>
               <a:t>Simulation on test set using probabilities of purchase and price willing to pay to estimate revenue.</a:t>
             </a:r>
           </a:p>
@@ -7410,7 +7618,7 @@
           <p:cNvPr id="5" name="Picture 4">
             <a:extLst>
               <a:ext uri="{FF2B5EF4-FFF2-40B4-BE49-F238E27FC236}">
-                <a16:creationId xmlns:a16="http://schemas.microsoft.com/office/drawing/2014/main" id="{BC2EE734-F4DA-4BC6-8B44-727C91150F6F}"/>
+                <a16:creationId xmlns:a16="http://schemas.microsoft.com/office/drawing/2014/main" xmlns="" id="{BC2EE734-F4DA-4BC6-8B44-727C91150F6F}"/>
               </a:ext>
             </a:extLst>
           </p:cNvPr>
@@ -7470,7 +7678,7 @@
           <p:cNvPr id="2" name="Title 1">
             <a:extLst>
               <a:ext uri="{FF2B5EF4-FFF2-40B4-BE49-F238E27FC236}">
-                <a16:creationId xmlns:a16="http://schemas.microsoft.com/office/drawing/2014/main" id="{F7401D15-A9CF-491F-8A44-73CB09455836}"/>
+                <a16:creationId xmlns:a16="http://schemas.microsoft.com/office/drawing/2014/main" xmlns="" id="{F7401D15-A9CF-491F-8A44-73CB09455836}"/>
               </a:ext>
             </a:extLst>
           </p:cNvPr>
@@ -7483,11 +7691,13 @@
         </p:nvSpPr>
         <p:spPr/>
         <p:txBody>
-          <a:bodyPr/>
-          <a:lstStyle/>
-          <a:p>
-            <a:r>
-              <a:rPr lang="en-US" dirty="0"/>
+          <a:bodyPr>
+            <a:normAutofit/>
+          </a:bodyPr>
+          <a:lstStyle/>
+          <a:p>
+            <a:r>
+              <a:rPr lang="en-US" sz="3600" dirty="0"/>
               <a:t>Conclusion &amp; Further Discussion</a:t>
             </a:r>
           </a:p>
@@ -7498,7 +7708,7 @@
           <p:cNvPr id="3" name="Content Placeholder 2">
             <a:extLst>
               <a:ext uri="{FF2B5EF4-FFF2-40B4-BE49-F238E27FC236}">
-                <a16:creationId xmlns:a16="http://schemas.microsoft.com/office/drawing/2014/main" id="{C3184F5D-7B1E-4488-B6F0-B8415061081B}"/>
+                <a16:creationId xmlns:a16="http://schemas.microsoft.com/office/drawing/2014/main" xmlns="" id="{C3184F5D-7B1E-4488-B6F0-B8415061081B}"/>
               </a:ext>
             </a:extLst>
           </p:cNvPr>
@@ -7517,28 +7727,34 @@
           <a:lstStyle/>
           <a:p>
             <a:r>
-              <a:rPr lang="en-US" dirty="0"/>
-              <a:t>Results of our likelihood test suggest that initial survey was not representative of greater population</a:t>
-            </a:r>
-          </a:p>
-          <a:p>
-            <a:r>
-              <a:rPr lang="en-US" dirty="0"/>
-              <a:t>Results of logistic regression modeling suggest a 12.14% favorable response rate.</a:t>
-            </a:r>
-          </a:p>
-          <a:p>
-            <a:r>
-              <a:rPr lang="en-US" dirty="0"/>
-              <a:t>If launch of product does occur, </a:t>
-            </a:r>
-            <a:r>
-              <a:rPr lang="en-US"/>
-              <a:t>our suggested </a:t>
-            </a:r>
-            <a:r>
-              <a:rPr lang="en-US" dirty="0"/>
-              <a:t>MSRP is roughly $49.99.</a:t>
+              <a:rPr lang="en-US" sz="2600" dirty="0"/>
+              <a:t>Results of our likelihood test suggest that initial survey was not representative of greater </a:t>
+            </a:r>
+            <a:r>
+              <a:rPr lang="en-US" sz="2600" dirty="0" smtClean="0"/>
+              <a:t>population</a:t>
+            </a:r>
+          </a:p>
+          <a:p>
+            <a:endParaRPr lang="en-US" sz="2600" dirty="0"/>
+          </a:p>
+          <a:p>
+            <a:r>
+              <a:rPr lang="en-US" sz="2600" dirty="0"/>
+              <a:t>Results of logistic regression modeling suggest a 12.14% favorable response rate</a:t>
+            </a:r>
+            <a:r>
+              <a:rPr lang="en-US" sz="2600" dirty="0" smtClean="0"/>
+              <a:t>.</a:t>
+            </a:r>
+          </a:p>
+          <a:p>
+            <a:endParaRPr lang="en-US" sz="2600" dirty="0"/>
+          </a:p>
+          <a:p>
+            <a:r>
+              <a:rPr lang="en-US" sz="2600" dirty="0"/>
+              <a:t>If launch of product does occur, our suggested MSRP is roughly $49.99.</a:t>
             </a:r>
           </a:p>
         </p:txBody>

--- a/Practicum 2 presentation Nijia.pptx
+++ b/Practicum 2 presentation Nijia.pptx
@@ -136,7 +136,7 @@
   </p:defaultTextStyle>
   <p:extLst>
     <p:ext uri="{EFAFB233-063F-42B5-8137-9DF3F51BA10A}">
-      <p15:sldGuideLst xmlns:p15="http://schemas.microsoft.com/office/powerpoint/2012/main" xmlns="">
+      <p15:sldGuideLst xmlns:p15="http://schemas.microsoft.com/office/powerpoint/2012/main">
         <p15:guide id="1" orient="horz" pos="1620">
           <p15:clr>
             <a:srgbClr val="A4A3A4"/>
@@ -332,7 +332,7 @@
           <a:p>
             <a:fld id="{81ACDAB1-21FC-284C-BAA7-B9306D000189}" type="datetimeFigureOut">
               <a:rPr lang="en-US" smtClean="0"/>
-              <a:t>4/1/21</a:t>
+              <a:t>4/1/2021</a:t>
             </a:fld>
             <a:endParaRPr lang="en-US"/>
           </a:p>
@@ -500,7 +500,7 @@
           <a:p>
             <a:fld id="{81ACDAB1-21FC-284C-BAA7-B9306D000189}" type="datetimeFigureOut">
               <a:rPr lang="en-US" smtClean="0"/>
-              <a:t>4/1/21</a:t>
+              <a:t>4/1/2021</a:t>
             </a:fld>
             <a:endParaRPr lang="en-US"/>
           </a:p>
@@ -678,7 +678,7 @@
           <a:p>
             <a:fld id="{81ACDAB1-21FC-284C-BAA7-B9306D000189}" type="datetimeFigureOut">
               <a:rPr lang="en-US" smtClean="0"/>
-              <a:t>4/1/21</a:t>
+              <a:t>4/1/2021</a:t>
             </a:fld>
             <a:endParaRPr lang="en-US"/>
           </a:p>
@@ -846,7 +846,7 @@
           <a:p>
             <a:fld id="{81ACDAB1-21FC-284C-BAA7-B9306D000189}" type="datetimeFigureOut">
               <a:rPr lang="en-US" smtClean="0"/>
-              <a:t>4/1/21</a:t>
+              <a:t>4/1/2021</a:t>
             </a:fld>
             <a:endParaRPr lang="en-US"/>
           </a:p>
@@ -1091,7 +1091,7 @@
           <a:p>
             <a:fld id="{81ACDAB1-21FC-284C-BAA7-B9306D000189}" type="datetimeFigureOut">
               <a:rPr lang="en-US" smtClean="0"/>
-              <a:t>4/1/21</a:t>
+              <a:t>4/1/2021</a:t>
             </a:fld>
             <a:endParaRPr lang="en-US"/>
           </a:p>
@@ -1376,7 +1376,7 @@
           <a:p>
             <a:fld id="{81ACDAB1-21FC-284C-BAA7-B9306D000189}" type="datetimeFigureOut">
               <a:rPr lang="en-US" smtClean="0"/>
-              <a:t>4/1/21</a:t>
+              <a:t>4/1/2021</a:t>
             </a:fld>
             <a:endParaRPr lang="en-US"/>
           </a:p>
@@ -1795,7 +1795,7 @@
           <a:p>
             <a:fld id="{81ACDAB1-21FC-284C-BAA7-B9306D000189}" type="datetimeFigureOut">
               <a:rPr lang="en-US" smtClean="0"/>
-              <a:t>4/1/21</a:t>
+              <a:t>4/1/2021</a:t>
             </a:fld>
             <a:endParaRPr lang="en-US"/>
           </a:p>
@@ -1912,7 +1912,7 @@
           <a:p>
             <a:fld id="{81ACDAB1-21FC-284C-BAA7-B9306D000189}" type="datetimeFigureOut">
               <a:rPr lang="en-US" smtClean="0"/>
-              <a:t>4/1/21</a:t>
+              <a:t>4/1/2021</a:t>
             </a:fld>
             <a:endParaRPr lang="en-US"/>
           </a:p>
@@ -2007,7 +2007,7 @@
           <a:p>
             <a:fld id="{81ACDAB1-21FC-284C-BAA7-B9306D000189}" type="datetimeFigureOut">
               <a:rPr lang="en-US" smtClean="0"/>
-              <a:t>4/1/21</a:t>
+              <a:t>4/1/2021</a:t>
             </a:fld>
             <a:endParaRPr lang="en-US"/>
           </a:p>
@@ -2282,7 +2282,7 @@
           <a:p>
             <a:fld id="{81ACDAB1-21FC-284C-BAA7-B9306D000189}" type="datetimeFigureOut">
               <a:rPr lang="en-US" smtClean="0"/>
-              <a:t>4/1/21</a:t>
+              <a:t>4/1/2021</a:t>
             </a:fld>
             <a:endParaRPr lang="en-US"/>
           </a:p>
@@ -2534,7 +2534,7 @@
           <a:p>
             <a:fld id="{81ACDAB1-21FC-284C-BAA7-B9306D000189}" type="datetimeFigureOut">
               <a:rPr lang="en-US" smtClean="0"/>
-              <a:t>4/1/21</a:t>
+              <a:t>4/1/2021</a:t>
             </a:fld>
             <a:endParaRPr lang="en-US"/>
           </a:p>
@@ -2751,7 +2751,7 @@
           <a:p>
             <a:fld id="{81ACDAB1-21FC-284C-BAA7-B9306D000189}" type="datetimeFigureOut">
               <a:rPr lang="en-US" smtClean="0"/>
-              <a:t>4/1/21</a:t>
+              <a:t>4/1/2021</a:t>
             </a:fld>
             <a:endParaRPr lang="en-US"/>
           </a:p>
@@ -4683,10 +4683,9 @@
           <a:lstStyle/>
           <a:p>
             <a:r>
-              <a:rPr lang="en-US" sz="3600" dirty="0" smtClean="0"/>
+              <a:rPr lang="en-US" sz="3600" dirty="0"/>
               <a:t>Summary: Comparisons of the Two Samples</a:t>
             </a:r>
-            <a:endParaRPr lang="en-US" sz="3600" dirty="0"/>
           </a:p>
         </p:txBody>
       </p:sp>
@@ -4713,9 +4712,27 @@
             <a:tbl>
               <a:tblPr/>
               <a:tblGrid>
-                <a:gridCol w="2189806"/>
-                <a:gridCol w="2577874"/>
-                <a:gridCol w="2661030"/>
+                <a:gridCol w="2189806">
+                  <a:extLst>
+                    <a:ext uri="{9D8B030D-6E8A-4147-A177-3AD203B41FA5}">
+                      <a16:colId xmlns:a16="http://schemas.microsoft.com/office/drawing/2014/main" val="20000"/>
+                    </a:ext>
+                  </a:extLst>
+                </a:gridCol>
+                <a:gridCol w="2577874">
+                  <a:extLst>
+                    <a:ext uri="{9D8B030D-6E8A-4147-A177-3AD203B41FA5}">
+                      <a16:colId xmlns:a16="http://schemas.microsoft.com/office/drawing/2014/main" val="20001"/>
+                    </a:ext>
+                  </a:extLst>
+                </a:gridCol>
+                <a:gridCol w="2661030">
+                  <a:extLst>
+                    <a:ext uri="{9D8B030D-6E8A-4147-A177-3AD203B41FA5}">
+                      <a16:colId xmlns:a16="http://schemas.microsoft.com/office/drawing/2014/main" val="20002"/>
+                    </a:ext>
+                  </a:extLst>
+                </a:gridCol>
               </a:tblGrid>
               <a:tr h="386452">
                 <a:tc>
@@ -4898,6 +4915,11 @@
                     </a:solidFill>
                   </a:tcPr>
                 </a:tc>
+                <a:extLst>
+                  <a:ext uri="{0D108BD9-81ED-4DB2-BD59-A6C34878D82A}">
+                    <a16:rowId xmlns:a16="http://schemas.microsoft.com/office/drawing/2014/main" val="10000"/>
+                  </a:ext>
+                </a:extLst>
               </a:tr>
               <a:tr h="375390">
                 <a:tc>
@@ -5071,6 +5093,11 @@
                     </a:lnB>
                   </a:tcPr>
                 </a:tc>
+                <a:extLst>
+                  <a:ext uri="{0D108BD9-81ED-4DB2-BD59-A6C34878D82A}">
+                    <a16:rowId xmlns:a16="http://schemas.microsoft.com/office/drawing/2014/main" val="10001"/>
+                  </a:ext>
+                </a:extLst>
               </a:tr>
               <a:tr h="375390">
                 <a:tc>
@@ -5244,6 +5271,11 @@
                     </a:lnB>
                   </a:tcPr>
                 </a:tc>
+                <a:extLst>
+                  <a:ext uri="{0D108BD9-81ED-4DB2-BD59-A6C34878D82A}">
+                    <a16:rowId xmlns:a16="http://schemas.microsoft.com/office/drawing/2014/main" val="10002"/>
+                  </a:ext>
+                </a:extLst>
               </a:tr>
               <a:tr h="375390">
                 <a:tc>
@@ -5417,6 +5449,11 @@
                     </a:lnB>
                   </a:tcPr>
                 </a:tc>
+                <a:extLst>
+                  <a:ext uri="{0D108BD9-81ED-4DB2-BD59-A6C34878D82A}">
+                    <a16:rowId xmlns:a16="http://schemas.microsoft.com/office/drawing/2014/main" val="10003"/>
+                  </a:ext>
+                </a:extLst>
               </a:tr>
               <a:tr h="375390">
                 <a:tc>
@@ -5540,7 +5577,7 @@
                     <a:p>
                       <a:pPr algn="ctr" fontAlgn="b"/>
                       <a:r>
-                        <a:rPr lang="en-US" sz="2600" b="0" i="0" u="none" strike="noStrike" dirty="0" smtClean="0">
+                        <a:rPr lang="en-US" sz="2600" b="0" i="0" u="none" strike="noStrike" dirty="0">
                           <a:solidFill>
                             <a:srgbClr val="000000"/>
                           </a:solidFill>
@@ -5550,7 +5587,7 @@
                         <a:t>With</a:t>
                       </a:r>
                       <a:r>
-                        <a:rPr lang="en-US" sz="2600" b="0" i="0" u="none" strike="noStrike" baseline="0" dirty="0" smtClean="0">
+                        <a:rPr lang="en-US" sz="2600" b="0" i="0" u="none" strike="noStrike" baseline="0" dirty="0">
                           <a:solidFill>
                             <a:srgbClr val="000000"/>
                           </a:solidFill>
@@ -5607,6 +5644,11 @@
                     </a:lnB>
                   </a:tcPr>
                 </a:tc>
+                <a:extLst>
+                  <a:ext uri="{0D108BD9-81ED-4DB2-BD59-A6C34878D82A}">
+                    <a16:rowId xmlns:a16="http://schemas.microsoft.com/office/drawing/2014/main" val="10004"/>
+                  </a:ext>
+                </a:extLst>
               </a:tr>
               <a:tr h="375390">
                 <a:tc>
@@ -5780,6 +5822,11 @@
                     </a:lnB>
                   </a:tcPr>
                 </a:tc>
+                <a:extLst>
+                  <a:ext uri="{0D108BD9-81ED-4DB2-BD59-A6C34878D82A}">
+                    <a16:rowId xmlns:a16="http://schemas.microsoft.com/office/drawing/2014/main" val="10005"/>
+                  </a:ext>
+                </a:extLst>
               </a:tr>
             </a:tbl>
           </a:graphicData>
@@ -5808,7 +5855,7 @@
           <a:lstStyle/>
           <a:p>
             <a:r>
-              <a:rPr lang="en-US" sz="2600" dirty="0" smtClean="0">
+              <a:rPr lang="en-US" sz="2600" dirty="0">
                 <a:solidFill>
                   <a:srgbClr val="FF0000"/>
                 </a:solidFill>
@@ -5816,20 +5863,15 @@
               <a:t>Second sample</a:t>
             </a:r>
             <a:r>
-              <a:rPr lang="en-US" sz="2600" dirty="0" smtClean="0"/>
-              <a:t>: </a:t>
-            </a:r>
-            <a:r>
               <a:rPr lang="en-US" sz="2600" dirty="0"/>
-              <a:t>more respondents who are not willing to purchase the product than those who are.</a:t>
-            </a:r>
-          </a:p>
-          <a:p>
-            <a:r>
-              <a:rPr lang="en-US" sz="2600" dirty="0" smtClean="0"/>
+              <a:t>: more respondents who are not willing to purchase the product than those who are.</a:t>
+            </a:r>
+          </a:p>
+          <a:p>
+            <a:r>
+              <a:rPr lang="en-US" sz="2600" dirty="0"/>
               <a:t> </a:t>
             </a:r>
-            <a:endParaRPr lang="en-US" sz="2600" dirty="0"/>
           </a:p>
         </p:txBody>
       </p:sp>
@@ -5843,13 +5885,6 @@
   <p:clrMapOvr>
     <a:masterClrMapping/>
   </p:clrMapOvr>
-  <p:timing>
-    <p:tnLst>
-      <p:par>
-        <p:cTn xmlns:p14="http://schemas.microsoft.com/office/powerpoint/2010/main" id="1" dur="indefinite" restart="never" nodeType="tmRoot"/>
-      </p:par>
-    </p:tnLst>
-  </p:timing>
 </p:sld>
 </file>
 
@@ -5888,10 +5923,9 @@
           <a:lstStyle/>
           <a:p>
             <a:r>
-              <a:rPr lang="en-US" sz="3600" dirty="0" smtClean="0"/>
+              <a:rPr lang="en-US" sz="3600" dirty="0"/>
               <a:t>Outline</a:t>
             </a:r>
-            <a:endParaRPr lang="en-US" sz="3600" dirty="0"/>
           </a:p>
         </p:txBody>
       </p:sp>
@@ -5923,7 +5957,7 @@
               </a:lnSpc>
             </a:pPr>
             <a:r>
-              <a:rPr lang="en-US" sz="2800" dirty="0" smtClean="0"/>
+              <a:rPr lang="en-US" sz="2800" dirty="0"/>
               <a:t>Introduction</a:t>
             </a:r>
           </a:p>
@@ -5934,10 +5968,9 @@
               </a:lnSpc>
             </a:pPr>
             <a:r>
-              <a:rPr lang="en-US" sz="2800" dirty="0" smtClean="0"/>
+              <a:rPr lang="en-US" sz="2800" dirty="0"/>
               <a:t>Data processing</a:t>
             </a:r>
-            <a:endParaRPr lang="en-US" sz="2800" dirty="0"/>
           </a:p>
           <a:p>
             <a:pPr>
@@ -5946,16 +5979,8 @@
               </a:lnSpc>
             </a:pPr>
             <a:r>
-              <a:rPr lang="en-US" sz="2800" dirty="0" smtClean="0"/>
-              <a:t>Comparisons of the two </a:t>
-            </a:r>
-            <a:r>
               <a:rPr lang="en-US" sz="2800" dirty="0"/>
-              <a:t>s</a:t>
-            </a:r>
-            <a:r>
-              <a:rPr lang="en-US" sz="2800" dirty="0" smtClean="0"/>
-              <a:t>amples</a:t>
+              <a:t>Comparisons of the two samples</a:t>
             </a:r>
           </a:p>
           <a:p>
@@ -5965,16 +5990,8 @@
               </a:lnSpc>
             </a:pPr>
             <a:r>
-              <a:rPr lang="en-US" sz="2800" dirty="0" smtClean="0"/>
-              <a:t>Exploratory data </a:t>
-            </a:r>
-            <a:r>
               <a:rPr lang="en-US" sz="2800" dirty="0"/>
-              <a:t>a</a:t>
-            </a:r>
-            <a:r>
-              <a:rPr lang="en-US" sz="2800" dirty="0" smtClean="0"/>
-              <a:t>nalysis</a:t>
+              <a:t>Exploratory data analysis</a:t>
             </a:r>
           </a:p>
           <a:p>
@@ -5984,7 +6001,7 @@
               </a:lnSpc>
             </a:pPr>
             <a:r>
-              <a:rPr lang="en-US" sz="2800" dirty="0" smtClean="0"/>
+              <a:rPr lang="en-US" sz="2800" dirty="0"/>
               <a:t>Data Modeling</a:t>
             </a:r>
           </a:p>
@@ -5995,11 +6012,11 @@
               </a:lnSpc>
             </a:pPr>
             <a:r>
-              <a:rPr lang="en-US" sz="2800" dirty="0" smtClean="0"/>
+              <a:rPr lang="en-US" sz="2800" dirty="0"/>
               <a:t>Application of model to determine a </a:t>
             </a:r>
             <a:r>
-              <a:rPr lang="en-US" sz="2800" dirty="0" smtClean="0">
+              <a:rPr lang="en-US" sz="2800" dirty="0">
                 <a:solidFill>
                   <a:srgbClr val="FF0000"/>
                 </a:solidFill>
@@ -6014,10 +6031,9 @@
               </a:lnSpc>
             </a:pPr>
             <a:r>
-              <a:rPr lang="en-US" sz="2800" dirty="0" smtClean="0"/>
+              <a:rPr lang="en-US" sz="2800" dirty="0"/>
               <a:t>Conclusions </a:t>
             </a:r>
-            <a:endParaRPr lang="en-US" sz="2800" dirty="0" smtClean="0"/>
           </a:p>
           <a:p>
             <a:pPr marL="0" indent="0">
@@ -6026,7 +6042,7 @@
               </a:lnSpc>
               <a:buNone/>
             </a:pPr>
-            <a:endParaRPr lang="en-US" dirty="0" smtClean="0"/>
+            <a:endParaRPr lang="en-US" dirty="0"/>
           </a:p>
           <a:p>
             <a:pPr marL="0" indent="0">
@@ -6035,7 +6051,7 @@
               </a:lnSpc>
               <a:buNone/>
             </a:pPr>
-            <a:endParaRPr lang="en-US" dirty="0" smtClean="0"/>
+            <a:endParaRPr lang="en-US" dirty="0"/>
           </a:p>
           <a:p>
             <a:pPr>
@@ -6051,7 +6067,7 @@
                 <a:spcPct val="110000"/>
               </a:lnSpc>
             </a:pPr>
-            <a:endParaRPr lang="en-US" dirty="0" smtClean="0"/>
+            <a:endParaRPr lang="en-US" dirty="0"/>
           </a:p>
           <a:p>
             <a:pPr>
@@ -6059,7 +6075,7 @@
                 <a:spcPct val="110000"/>
               </a:lnSpc>
             </a:pPr>
-            <a:endParaRPr lang="en-US" dirty="0" smtClean="0"/>
+            <a:endParaRPr lang="en-US" dirty="0"/>
           </a:p>
           <a:p>
             <a:pPr marL="0" indent="0">
@@ -6068,7 +6084,7 @@
               </a:lnSpc>
               <a:buNone/>
             </a:pPr>
-            <a:endParaRPr lang="en-US" dirty="0" smtClean="0"/>
+            <a:endParaRPr lang="en-US" dirty="0"/>
           </a:p>
           <a:p>
             <a:pPr>
@@ -6098,13 +6114,6 @@
   <p:clrMapOvr>
     <a:masterClrMapping/>
   </p:clrMapOvr>
-  <p:timing>
-    <p:tnLst>
-      <p:par>
-        <p:cTn xmlns:p14="http://schemas.microsoft.com/office/powerpoint/2010/main" id="1" dur="indefinite" restart="never" nodeType="tmRoot"/>
-      </p:par>
-    </p:tnLst>
-  </p:timing>
 </p:sld>
 </file>
 
@@ -6130,7 +6139,7 @@
           <p:cNvPr id="2" name="Title 1">
             <a:extLst>
               <a:ext uri="{FF2B5EF4-FFF2-40B4-BE49-F238E27FC236}">
-                <a16:creationId xmlns:a16="http://schemas.microsoft.com/office/drawing/2014/main" xmlns="" id="{BCF2C811-FC29-4ADB-A975-AE08695CE2EC}"/>
+                <a16:creationId xmlns:a16="http://schemas.microsoft.com/office/drawing/2014/main" id="{BCF2C811-FC29-4ADB-A975-AE08695CE2EC}"/>
               </a:ext>
             </a:extLst>
           </p:cNvPr>
@@ -6158,7 +6167,7 @@
           <p:cNvPr id="3" name="Content Placeholder 2">
             <a:extLst>
               <a:ext uri="{FF2B5EF4-FFF2-40B4-BE49-F238E27FC236}">
-                <a16:creationId xmlns:a16="http://schemas.microsoft.com/office/drawing/2014/main" xmlns="" id="{6A0C1EF8-B3FA-49AE-A46B-787C6C35737B}"/>
+                <a16:creationId xmlns:a16="http://schemas.microsoft.com/office/drawing/2014/main" id="{6A0C1EF8-B3FA-49AE-A46B-787C6C35737B}"/>
               </a:ext>
             </a:extLst>
           </p:cNvPr>
@@ -6216,7 +6225,7 @@
           <p:cNvPr id="2" name="Title 1">
             <a:extLst>
               <a:ext uri="{FF2B5EF4-FFF2-40B4-BE49-F238E27FC236}">
-                <a16:creationId xmlns:a16="http://schemas.microsoft.com/office/drawing/2014/main" xmlns="" id="{4928F543-7A5B-44C7-A079-B44B7B744AA0}"/>
+                <a16:creationId xmlns:a16="http://schemas.microsoft.com/office/drawing/2014/main" id="{4928F543-7A5B-44C7-A079-B44B7B744AA0}"/>
               </a:ext>
             </a:extLst>
           </p:cNvPr>
@@ -6246,7 +6255,7 @@
           <p:cNvPr id="3" name="Content Placeholder 2">
             <a:extLst>
               <a:ext uri="{FF2B5EF4-FFF2-40B4-BE49-F238E27FC236}">
-                <a16:creationId xmlns:a16="http://schemas.microsoft.com/office/drawing/2014/main" xmlns="" id="{791329C3-E2D1-48AD-9F85-B005BD1474ED}"/>
+                <a16:creationId xmlns:a16="http://schemas.microsoft.com/office/drawing/2014/main" id="{791329C3-E2D1-48AD-9F85-B005BD1474ED}"/>
               </a:ext>
             </a:extLst>
           </p:cNvPr>
@@ -6271,11 +6280,7 @@
           <a:p>
             <a:r>
               <a:rPr lang="en-US" sz="2600" dirty="0"/>
-              <a:t>Respondents with higher price value or more willing to </a:t>
-            </a:r>
-            <a:r>
-              <a:rPr lang="en-US" sz="2600" dirty="0" smtClean="0"/>
-              <a:t>purchase</a:t>
+              <a:t>Respondents with higher price value or more willing to purchase</a:t>
             </a:r>
           </a:p>
           <a:p>
@@ -6297,7 +6302,7 @@
           <p:cNvPr id="10" name="Picture 9">
             <a:extLst>
               <a:ext uri="{FF2B5EF4-FFF2-40B4-BE49-F238E27FC236}">
-                <a16:creationId xmlns:a16="http://schemas.microsoft.com/office/drawing/2014/main" xmlns="" id="{61E038A8-5048-4FEA-B8F7-3D340BECCAD9}"/>
+                <a16:creationId xmlns:a16="http://schemas.microsoft.com/office/drawing/2014/main" id="{61E038A8-5048-4FEA-B8F7-3D340BECCAD9}"/>
               </a:ext>
             </a:extLst>
           </p:cNvPr>
@@ -6357,7 +6362,7 @@
           <p:cNvPr id="2" name="Title 1">
             <a:extLst>
               <a:ext uri="{FF2B5EF4-FFF2-40B4-BE49-F238E27FC236}">
-                <a16:creationId xmlns:a16="http://schemas.microsoft.com/office/drawing/2014/main" xmlns="" id="{B754F08E-CD41-4DA8-B30E-09AD23CCD7A8}"/>
+                <a16:creationId xmlns:a16="http://schemas.microsoft.com/office/drawing/2014/main" id="{B754F08E-CD41-4DA8-B30E-09AD23CCD7A8}"/>
               </a:ext>
             </a:extLst>
           </p:cNvPr>
@@ -6387,7 +6392,7 @@
           <p:cNvPr id="7" name="Content Placeholder 6">
             <a:extLst>
               <a:ext uri="{FF2B5EF4-FFF2-40B4-BE49-F238E27FC236}">
-                <a16:creationId xmlns:a16="http://schemas.microsoft.com/office/drawing/2014/main" xmlns="" id="{21D0FDE8-9E68-477D-8F85-9C5F30F2AC49}"/>
+                <a16:creationId xmlns:a16="http://schemas.microsoft.com/office/drawing/2014/main" id="{21D0FDE8-9E68-477D-8F85-9C5F30F2AC49}"/>
               </a:ext>
             </a:extLst>
           </p:cNvPr>
@@ -6422,7 +6427,7 @@
           <p:cNvPr id="9" name="Picture 8">
             <a:extLst>
               <a:ext uri="{FF2B5EF4-FFF2-40B4-BE49-F238E27FC236}">
-                <a16:creationId xmlns:a16="http://schemas.microsoft.com/office/drawing/2014/main" xmlns="" id="{97FD963A-36EE-47B9-843A-F0D03AFB3A8B}"/>
+                <a16:creationId xmlns:a16="http://schemas.microsoft.com/office/drawing/2014/main" id="{97FD963A-36EE-47B9-843A-F0D03AFB3A8B}"/>
               </a:ext>
             </a:extLst>
           </p:cNvPr>
@@ -6482,7 +6487,7 @@
           <p:cNvPr id="2" name="Title 1">
             <a:extLst>
               <a:ext uri="{FF2B5EF4-FFF2-40B4-BE49-F238E27FC236}">
-                <a16:creationId xmlns:a16="http://schemas.microsoft.com/office/drawing/2014/main" xmlns="" id="{5BCE32FE-4C6E-436C-9CA2-9A55BDDDF5F4}"/>
+                <a16:creationId xmlns:a16="http://schemas.microsoft.com/office/drawing/2014/main" id="{5BCE32FE-4C6E-436C-9CA2-9A55BDDDF5F4}"/>
               </a:ext>
             </a:extLst>
           </p:cNvPr>
@@ -6512,7 +6517,7 @@
           <p:cNvPr id="3" name="Content Placeholder 2">
             <a:extLst>
               <a:ext uri="{FF2B5EF4-FFF2-40B4-BE49-F238E27FC236}">
-                <a16:creationId xmlns:a16="http://schemas.microsoft.com/office/drawing/2014/main" xmlns="" id="{BB0AF09D-15C9-4A10-ABCF-A1551D0E999F}"/>
+                <a16:creationId xmlns:a16="http://schemas.microsoft.com/office/drawing/2014/main" id="{BB0AF09D-15C9-4A10-ABCF-A1551D0E999F}"/>
               </a:ext>
             </a:extLst>
           </p:cNvPr>
@@ -6537,11 +6542,7 @@
           <a:p>
             <a:r>
               <a:rPr lang="en-US" sz="2600" dirty="0"/>
-              <a:t>People without loans more willing to </a:t>
-            </a:r>
-            <a:r>
-              <a:rPr lang="en-US" sz="2600" dirty="0" smtClean="0"/>
-              <a:t>purchase</a:t>
+              <a:t>People without loans more willing to purchase</a:t>
             </a:r>
           </a:p>
           <a:p>
@@ -6563,7 +6564,7 @@
           <p:cNvPr id="7" name="Picture 6">
             <a:extLst>
               <a:ext uri="{FF2B5EF4-FFF2-40B4-BE49-F238E27FC236}">
-                <a16:creationId xmlns:a16="http://schemas.microsoft.com/office/drawing/2014/main" xmlns="" id="{EB6D8B6B-AB20-437B-B184-A74A2D609BC5}"/>
+                <a16:creationId xmlns:a16="http://schemas.microsoft.com/office/drawing/2014/main" id="{EB6D8B6B-AB20-437B-B184-A74A2D609BC5}"/>
               </a:ext>
             </a:extLst>
           </p:cNvPr>
@@ -6623,7 +6624,7 @@
           <p:cNvPr id="2" name="Title 1">
             <a:extLst>
               <a:ext uri="{FF2B5EF4-FFF2-40B4-BE49-F238E27FC236}">
-                <a16:creationId xmlns:a16="http://schemas.microsoft.com/office/drawing/2014/main" xmlns="" id="{9D6DC599-D44E-4B12-9C01-600C753AA370}"/>
+                <a16:creationId xmlns:a16="http://schemas.microsoft.com/office/drawing/2014/main" id="{9D6DC599-D44E-4B12-9C01-600C753AA370}"/>
               </a:ext>
             </a:extLst>
           </p:cNvPr>
@@ -6653,7 +6654,7 @@
           <p:cNvPr id="3" name="Content Placeholder 2">
             <a:extLst>
               <a:ext uri="{FF2B5EF4-FFF2-40B4-BE49-F238E27FC236}">
-                <a16:creationId xmlns:a16="http://schemas.microsoft.com/office/drawing/2014/main" xmlns="" id="{C6F1A9E0-F282-45D0-8CF1-DD995CD7E9BA}"/>
+                <a16:creationId xmlns:a16="http://schemas.microsoft.com/office/drawing/2014/main" id="{C6F1A9E0-F282-45D0-8CF1-DD995CD7E9BA}"/>
               </a:ext>
             </a:extLst>
           </p:cNvPr>
@@ -6688,7 +6689,7 @@
           <p:cNvPr id="7" name="Picture 6">
             <a:extLst>
               <a:ext uri="{FF2B5EF4-FFF2-40B4-BE49-F238E27FC236}">
-                <a16:creationId xmlns:a16="http://schemas.microsoft.com/office/drawing/2014/main" xmlns="" id="{3F8B4E09-C317-42E8-ADBC-259E60CB77C8}"/>
+                <a16:creationId xmlns:a16="http://schemas.microsoft.com/office/drawing/2014/main" id="{3F8B4E09-C317-42E8-ADBC-259E60CB77C8}"/>
               </a:ext>
             </a:extLst>
           </p:cNvPr>
@@ -6748,7 +6749,7 @@
           <p:cNvPr id="2" name="Title 1">
             <a:extLst>
               <a:ext uri="{FF2B5EF4-FFF2-40B4-BE49-F238E27FC236}">
-                <a16:creationId xmlns:a16="http://schemas.microsoft.com/office/drawing/2014/main" xmlns="" id="{907DE251-AA4B-4623-AD34-FAD44A85AA02}"/>
+                <a16:creationId xmlns:a16="http://schemas.microsoft.com/office/drawing/2014/main" id="{907DE251-AA4B-4623-AD34-FAD44A85AA02}"/>
               </a:ext>
             </a:extLst>
           </p:cNvPr>
@@ -6778,7 +6779,7 @@
           <p:cNvPr id="3" name="Content Placeholder 2">
             <a:extLst>
               <a:ext uri="{FF2B5EF4-FFF2-40B4-BE49-F238E27FC236}">
-                <a16:creationId xmlns:a16="http://schemas.microsoft.com/office/drawing/2014/main" xmlns="" id="{BC73E3A6-297C-4211-9EB0-B7621FA1F8B4}"/>
+                <a16:creationId xmlns:a16="http://schemas.microsoft.com/office/drawing/2014/main" id="{BC73E3A6-297C-4211-9EB0-B7621FA1F8B4}"/>
               </a:ext>
             </a:extLst>
           </p:cNvPr>
@@ -6803,15 +6804,7 @@
           <a:p>
             <a:r>
               <a:rPr lang="en-US" sz="2600" dirty="0"/>
-              <a:t>Marital Status shows little to </a:t>
-            </a:r>
-            <a:r>
-              <a:rPr lang="en-US" sz="2600" dirty="0" smtClean="0"/>
-              <a:t>no difference </a:t>
-            </a:r>
-            <a:r>
-              <a:rPr lang="en-US" sz="2600" dirty="0"/>
-              <a:t>in difference in proportions.</a:t>
+              <a:t>Marital Status shows little to no difference in difference in proportions.</a:t>
             </a:r>
           </a:p>
         </p:txBody>
@@ -6821,7 +6814,7 @@
           <p:cNvPr id="7" name="Picture 6">
             <a:extLst>
               <a:ext uri="{FF2B5EF4-FFF2-40B4-BE49-F238E27FC236}">
-                <a16:creationId xmlns:a16="http://schemas.microsoft.com/office/drawing/2014/main" xmlns="" id="{C70AAB59-4935-4E83-A26D-038F526A068E}"/>
+                <a16:creationId xmlns:a16="http://schemas.microsoft.com/office/drawing/2014/main" id="{C70AAB59-4935-4E83-A26D-038F526A068E}"/>
               </a:ext>
             </a:extLst>
           </p:cNvPr>
@@ -6881,7 +6874,7 @@
           <p:cNvPr id="2" name="Title 1">
             <a:extLst>
               <a:ext uri="{FF2B5EF4-FFF2-40B4-BE49-F238E27FC236}">
-                <a16:creationId xmlns:a16="http://schemas.microsoft.com/office/drawing/2014/main" xmlns="" id="{1B48AC63-00A3-41EF-BF2F-85D07338D62B}"/>
+                <a16:creationId xmlns:a16="http://schemas.microsoft.com/office/drawing/2014/main" id="{1B48AC63-00A3-41EF-BF2F-85D07338D62B}"/>
               </a:ext>
             </a:extLst>
           </p:cNvPr>
@@ -6913,7 +6906,7 @@
           <p:cNvPr id="5" name="Picture 4">
             <a:extLst>
               <a:ext uri="{FF2B5EF4-FFF2-40B4-BE49-F238E27FC236}">
-                <a16:creationId xmlns:a16="http://schemas.microsoft.com/office/drawing/2014/main" xmlns="" id="{9B8F4216-2D2D-41E6-BC8F-675E9C2E9798}"/>
+                <a16:creationId xmlns:a16="http://schemas.microsoft.com/office/drawing/2014/main" id="{9B8F4216-2D2D-41E6-BC8F-675E9C2E9798}"/>
               </a:ext>
             </a:extLst>
           </p:cNvPr>
@@ -6973,7 +6966,7 @@
           <p:cNvPr id="2" name="Title 1">
             <a:extLst>
               <a:ext uri="{FF2B5EF4-FFF2-40B4-BE49-F238E27FC236}">
-                <a16:creationId xmlns:a16="http://schemas.microsoft.com/office/drawing/2014/main" xmlns="" id="{166BF736-152A-42E1-87E7-816FE1385869}"/>
+                <a16:creationId xmlns:a16="http://schemas.microsoft.com/office/drawing/2014/main" id="{166BF736-152A-42E1-87E7-816FE1385869}"/>
               </a:ext>
             </a:extLst>
           </p:cNvPr>
@@ -7003,7 +6996,7 @@
           <p:cNvPr id="3" name="Content Placeholder 2">
             <a:extLst>
               <a:ext uri="{FF2B5EF4-FFF2-40B4-BE49-F238E27FC236}">
-                <a16:creationId xmlns:a16="http://schemas.microsoft.com/office/drawing/2014/main" xmlns="" id="{ED8D196D-690F-4619-8922-72AC795D0ECC}"/>
+                <a16:creationId xmlns:a16="http://schemas.microsoft.com/office/drawing/2014/main" id="{ED8D196D-690F-4619-8922-72AC795D0ECC}"/>
               </a:ext>
             </a:extLst>
           </p:cNvPr>
@@ -7028,11 +7021,7 @@
           <a:p>
             <a:r>
               <a:rPr lang="en-US" sz="2600" dirty="0"/>
-              <a:t>Selected variables Age, default, loan status, and education</a:t>
-            </a:r>
-            <a:r>
-              <a:rPr lang="en-US" sz="2600" dirty="0" smtClean="0"/>
-              <a:t>.</a:t>
+              <a:t>Selected variables Age, default, loan status, and education.</a:t>
             </a:r>
           </a:p>
           <a:p>
@@ -7041,11 +7030,7 @@
           <a:p>
             <a:r>
               <a:rPr lang="en-US" sz="2600" dirty="0"/>
-              <a:t>Only 15 possible models when considering to include variable or not</a:t>
-            </a:r>
-            <a:r>
-              <a:rPr lang="en-US" sz="2600" dirty="0" smtClean="0"/>
-              <a:t>.</a:t>
+              <a:t>Only 15 possible models when considering to include variable or not.</a:t>
             </a:r>
           </a:p>
           <a:p>
@@ -7094,7 +7079,7 @@
           <p:cNvPr id="2" name="Title 1">
             <a:extLst>
               <a:ext uri="{FF2B5EF4-FFF2-40B4-BE49-F238E27FC236}">
-                <a16:creationId xmlns:a16="http://schemas.microsoft.com/office/drawing/2014/main" xmlns="" id="{CBF33E67-D1E4-4F72-9922-FD7DFB02B3DF}"/>
+                <a16:creationId xmlns:a16="http://schemas.microsoft.com/office/drawing/2014/main" id="{CBF33E67-D1E4-4F72-9922-FD7DFB02B3DF}"/>
               </a:ext>
             </a:extLst>
           </p:cNvPr>
@@ -7124,7 +7109,7 @@
           <p:cNvPr id="3" name="Content Placeholder 2">
             <a:extLst>
               <a:ext uri="{FF2B5EF4-FFF2-40B4-BE49-F238E27FC236}">
-                <a16:creationId xmlns:a16="http://schemas.microsoft.com/office/drawing/2014/main" xmlns="" id="{ED274ED1-0472-4B33-92A9-670A14201F89}"/>
+                <a16:creationId xmlns:a16="http://schemas.microsoft.com/office/drawing/2014/main" id="{ED274ED1-0472-4B33-92A9-670A14201F89}"/>
               </a:ext>
             </a:extLst>
           </p:cNvPr>
@@ -7159,7 +7144,7 @@
           <p:cNvPr id="5" name="Picture 4">
             <a:extLst>
               <a:ext uri="{FF2B5EF4-FFF2-40B4-BE49-F238E27FC236}">
-                <a16:creationId xmlns:a16="http://schemas.microsoft.com/office/drawing/2014/main" xmlns="" id="{D33F2666-A712-47CB-8AEF-65D1D9117C36}"/>
+                <a16:creationId xmlns:a16="http://schemas.microsoft.com/office/drawing/2014/main" id="{D33F2666-A712-47CB-8AEF-65D1D9117C36}"/>
               </a:ext>
             </a:extLst>
           </p:cNvPr>
@@ -7189,7 +7174,7 @@
           <p:cNvPr id="7" name="Picture 6">
             <a:extLst>
               <a:ext uri="{FF2B5EF4-FFF2-40B4-BE49-F238E27FC236}">
-                <a16:creationId xmlns:a16="http://schemas.microsoft.com/office/drawing/2014/main" xmlns="" id="{8B0360A7-1474-411C-A1EB-0122A406DB41}"/>
+                <a16:creationId xmlns:a16="http://schemas.microsoft.com/office/drawing/2014/main" id="{8B0360A7-1474-411C-A1EB-0122A406DB41}"/>
               </a:ext>
             </a:extLst>
           </p:cNvPr>
@@ -7249,7 +7234,7 @@
           <p:cNvPr id="2" name="Title 1">
             <a:extLst>
               <a:ext uri="{FF2B5EF4-FFF2-40B4-BE49-F238E27FC236}">
-                <a16:creationId xmlns:a16="http://schemas.microsoft.com/office/drawing/2014/main" xmlns="" id="{97B47588-85B7-4CB8-975E-E0F14196A17C}"/>
+                <a16:creationId xmlns:a16="http://schemas.microsoft.com/office/drawing/2014/main" id="{97B47588-85B7-4CB8-975E-E0F14196A17C}"/>
               </a:ext>
             </a:extLst>
           </p:cNvPr>
@@ -7279,7 +7264,7 @@
           <p:cNvPr id="3" name="Content Placeholder 2">
             <a:extLst>
               <a:ext uri="{FF2B5EF4-FFF2-40B4-BE49-F238E27FC236}">
-                <a16:creationId xmlns:a16="http://schemas.microsoft.com/office/drawing/2014/main" xmlns="" id="{87C640BF-8586-4924-8AE5-1B6D92039785}"/>
+                <a16:creationId xmlns:a16="http://schemas.microsoft.com/office/drawing/2014/main" id="{87C640BF-8586-4924-8AE5-1B6D92039785}"/>
               </a:ext>
             </a:extLst>
           </p:cNvPr>
@@ -7299,11 +7284,7 @@
           <a:p>
             <a:r>
               <a:rPr lang="en-US" sz="2600" dirty="0"/>
-              <a:t>We withheld 50% of our data to test our model against</a:t>
-            </a:r>
-            <a:r>
-              <a:rPr lang="en-US" sz="2600" dirty="0" smtClean="0"/>
-              <a:t>.</a:t>
+              <a:t>We withheld 50% of our data to test our model against.</a:t>
             </a:r>
           </a:p>
           <a:p>
@@ -7315,11 +7296,7 @@
           <a:p>
             <a:r>
               <a:rPr lang="en-US" sz="2600" dirty="0"/>
-              <a:t>For every observation, the model gave a predicted probability of a purchase</a:t>
-            </a:r>
-            <a:r>
-              <a:rPr lang="en-US" sz="2600" dirty="0" smtClean="0"/>
-              <a:t>.</a:t>
+              <a:t>For every observation, the model gave a predicted probability of a purchase.</a:t>
             </a:r>
           </a:p>
           <a:p>
@@ -7553,7 +7530,7 @@
           <p:cNvPr id="2" name="Title 1">
             <a:extLst>
               <a:ext uri="{FF2B5EF4-FFF2-40B4-BE49-F238E27FC236}">
-                <a16:creationId xmlns:a16="http://schemas.microsoft.com/office/drawing/2014/main" xmlns="" id="{7D434CF8-E195-42CE-B212-9EA8D02B832C}"/>
+                <a16:creationId xmlns:a16="http://schemas.microsoft.com/office/drawing/2014/main" id="{7D434CF8-E195-42CE-B212-9EA8D02B832C}"/>
               </a:ext>
             </a:extLst>
           </p:cNvPr>
@@ -7583,7 +7560,7 @@
           <p:cNvPr id="3" name="Content Placeholder 2">
             <a:extLst>
               <a:ext uri="{FF2B5EF4-FFF2-40B4-BE49-F238E27FC236}">
-                <a16:creationId xmlns:a16="http://schemas.microsoft.com/office/drawing/2014/main" xmlns="" id="{FA73F023-068B-4042-B992-92FE4B4B44D3}"/>
+                <a16:creationId xmlns:a16="http://schemas.microsoft.com/office/drawing/2014/main" id="{FA73F023-068B-4042-B992-92FE4B4B44D3}"/>
               </a:ext>
             </a:extLst>
           </p:cNvPr>
@@ -7618,7 +7595,7 @@
           <p:cNvPr id="5" name="Picture 4">
             <a:extLst>
               <a:ext uri="{FF2B5EF4-FFF2-40B4-BE49-F238E27FC236}">
-                <a16:creationId xmlns:a16="http://schemas.microsoft.com/office/drawing/2014/main" xmlns="" id="{BC2EE734-F4DA-4BC6-8B44-727C91150F6F}"/>
+                <a16:creationId xmlns:a16="http://schemas.microsoft.com/office/drawing/2014/main" id="{BC2EE734-F4DA-4BC6-8B44-727C91150F6F}"/>
               </a:ext>
             </a:extLst>
           </p:cNvPr>
@@ -7678,7 +7655,7 @@
           <p:cNvPr id="2" name="Title 1">
             <a:extLst>
               <a:ext uri="{FF2B5EF4-FFF2-40B4-BE49-F238E27FC236}">
-                <a16:creationId xmlns:a16="http://schemas.microsoft.com/office/drawing/2014/main" xmlns="" id="{F7401D15-A9CF-491F-8A44-73CB09455836}"/>
+                <a16:creationId xmlns:a16="http://schemas.microsoft.com/office/drawing/2014/main" id="{F7401D15-A9CF-491F-8A44-73CB09455836}"/>
               </a:ext>
             </a:extLst>
           </p:cNvPr>
@@ -7708,7 +7685,7 @@
           <p:cNvPr id="3" name="Content Placeholder 2">
             <a:extLst>
               <a:ext uri="{FF2B5EF4-FFF2-40B4-BE49-F238E27FC236}">
-                <a16:creationId xmlns:a16="http://schemas.microsoft.com/office/drawing/2014/main" xmlns="" id="{C3184F5D-7B1E-4488-B6F0-B8415061081B}"/>
+                <a16:creationId xmlns:a16="http://schemas.microsoft.com/office/drawing/2014/main" id="{C3184F5D-7B1E-4488-B6F0-B8415061081B}"/>
               </a:ext>
             </a:extLst>
           </p:cNvPr>
@@ -7722,34 +7699,31 @@
         <p:spPr/>
         <p:txBody>
           <a:bodyPr>
-            <a:normAutofit lnSpcReduction="10000"/>
+            <a:normAutofit fontScale="92500" lnSpcReduction="10000"/>
           </a:bodyPr>
           <a:lstStyle/>
           <a:p>
             <a:r>
               <a:rPr lang="en-US" sz="2600" dirty="0"/>
-              <a:t>Results of our likelihood test suggest that initial survey was not representative of greater </a:t>
-            </a:r>
-            <a:r>
-              <a:rPr lang="en-US" sz="2600" dirty="0" smtClean="0"/>
-              <a:t>population</a:t>
-            </a:r>
-          </a:p>
-          <a:p>
+              <a:t>Results of our likelihood test suggest that initial survey was not representative of </a:t>
+            </a:r>
+            <a:r>
+              <a:rPr lang="en-US" sz="2600"/>
+              <a:t>greater population</a:t>
+            </a:r>
             <a:endParaRPr lang="en-US" sz="2600" dirty="0"/>
           </a:p>
           <a:p>
             <a:r>
               <a:rPr lang="en-US" sz="2600" dirty="0"/>
-              <a:t>Results of logistic regression modeling suggest a 12.14% favorable response rate</a:t>
-            </a:r>
-            <a:r>
-              <a:rPr lang="en-US" sz="2600" dirty="0" smtClean="0"/>
-              <a:t>.</a:t>
-            </a:r>
-          </a:p>
-          <a:p>
-            <a:endParaRPr lang="en-US" sz="2600" dirty="0"/>
+              <a:t>Results of logistic regression modeling suggest a 12.14% favorable response rate.</a:t>
+            </a:r>
+          </a:p>
+          <a:p>
+            <a:r>
+              <a:rPr lang="en-US" sz="2600" dirty="0"/>
+              <a:t>However, the marketing could be more tailer to older highly more highly educated individuals, who have a higher favorable response </a:t>
+            </a:r>
           </a:p>
           <a:p>
             <a:r>
